--- a/Presentatie/2. Dev Fase 1/Presentatie DevFase1 Mack.pptx
+++ b/Presentatie/2. Dev Fase 1/Presentatie DevFase1 Mack.pptx
@@ -352,7 +352,7 @@
           <a:p>
             <a:fld id="{1087F47F-40DD-451D-B02B-62F7F35B7CBC}" type="datetimeFigureOut">
               <a:rPr lang="nl-NL" smtClean="0"/>
-              <a:t>21-4-2016</a:t>
+              <a:t>22-4-2016</a:t>
             </a:fld>
             <a:endParaRPr lang="nl-NL"/>
           </a:p>
@@ -686,7 +686,7 @@
           <a:p>
             <a:fld id="{1087F47F-40DD-451D-B02B-62F7F35B7CBC}" type="datetimeFigureOut">
               <a:rPr lang="nl-NL" smtClean="0"/>
-              <a:t>21-4-2016</a:t>
+              <a:t>22-4-2016</a:t>
             </a:fld>
             <a:endParaRPr lang="nl-NL"/>
           </a:p>
@@ -964,7 +964,7 @@
           <a:p>
             <a:fld id="{1087F47F-40DD-451D-B02B-62F7F35B7CBC}" type="datetimeFigureOut">
               <a:rPr lang="nl-NL" smtClean="0"/>
-              <a:t>21-4-2016</a:t>
+              <a:t>22-4-2016</a:t>
             </a:fld>
             <a:endParaRPr lang="nl-NL"/>
           </a:p>
@@ -1532,7 +1532,7 @@
           <a:p>
             <a:fld id="{1087F47F-40DD-451D-B02B-62F7F35B7CBC}" type="datetimeFigureOut">
               <a:rPr lang="nl-NL" smtClean="0"/>
-              <a:t>21-4-2016</a:t>
+              <a:t>22-4-2016</a:t>
             </a:fld>
             <a:endParaRPr lang="nl-NL"/>
           </a:p>
@@ -1810,7 +1810,7 @@
           <a:p>
             <a:fld id="{1087F47F-40DD-451D-B02B-62F7F35B7CBC}" type="datetimeFigureOut">
               <a:rPr lang="nl-NL" smtClean="0"/>
-              <a:t>21-4-2016</a:t>
+              <a:t>22-4-2016</a:t>
             </a:fld>
             <a:endParaRPr lang="nl-NL"/>
           </a:p>
@@ -2372,7 +2372,7 @@
           <a:p>
             <a:fld id="{1087F47F-40DD-451D-B02B-62F7F35B7CBC}" type="datetimeFigureOut">
               <a:rPr lang="nl-NL" smtClean="0"/>
-              <a:t>21-4-2016</a:t>
+              <a:t>22-4-2016</a:t>
             </a:fld>
             <a:endParaRPr lang="nl-NL"/>
           </a:p>
@@ -2699,7 +2699,7 @@
           <a:p>
             <a:fld id="{1087F47F-40DD-451D-B02B-62F7F35B7CBC}" type="datetimeFigureOut">
               <a:rPr lang="nl-NL" smtClean="0"/>
-              <a:t>21-4-2016</a:t>
+              <a:t>22-4-2016</a:t>
             </a:fld>
             <a:endParaRPr lang="nl-NL"/>
           </a:p>
@@ -2876,7 +2876,7 @@
           <a:p>
             <a:fld id="{1087F47F-40DD-451D-B02B-62F7F35B7CBC}" type="datetimeFigureOut">
               <a:rPr lang="nl-NL" smtClean="0"/>
-              <a:t>21-4-2016</a:t>
+              <a:t>22-4-2016</a:t>
             </a:fld>
             <a:endParaRPr lang="nl-NL"/>
           </a:p>
@@ -3114,7 +3114,7 @@
           <a:p>
             <a:fld id="{1087F47F-40DD-451D-B02B-62F7F35B7CBC}" type="datetimeFigureOut">
               <a:rPr lang="nl-NL" smtClean="0"/>
-              <a:t>21-4-2016</a:t>
+              <a:t>22-4-2016</a:t>
             </a:fld>
             <a:endParaRPr lang="nl-NL"/>
           </a:p>
@@ -3314,7 +3314,7 @@
           <a:p>
             <a:fld id="{1087F47F-40DD-451D-B02B-62F7F35B7CBC}" type="datetimeFigureOut">
               <a:rPr lang="nl-NL" smtClean="0"/>
-              <a:t>21-4-2016</a:t>
+              <a:t>22-4-2016</a:t>
             </a:fld>
             <a:endParaRPr lang="nl-NL"/>
           </a:p>
@@ -3590,7 +3590,7 @@
           <a:p>
             <a:fld id="{1087F47F-40DD-451D-B02B-62F7F35B7CBC}" type="datetimeFigureOut">
               <a:rPr lang="nl-NL" smtClean="0"/>
-              <a:t>21-4-2016</a:t>
+              <a:t>22-4-2016</a:t>
             </a:fld>
             <a:endParaRPr lang="nl-NL"/>
           </a:p>
@@ -3856,7 +3856,7 @@
           <a:p>
             <a:fld id="{1087F47F-40DD-451D-B02B-62F7F35B7CBC}" type="datetimeFigureOut">
               <a:rPr lang="nl-NL" smtClean="0"/>
-              <a:t>21-4-2016</a:t>
+              <a:t>22-4-2016</a:t>
             </a:fld>
             <a:endParaRPr lang="nl-NL"/>
           </a:p>
@@ -4230,7 +4230,7 @@
           <a:p>
             <a:fld id="{1087F47F-40DD-451D-B02B-62F7F35B7CBC}" type="datetimeFigureOut">
               <a:rPr lang="nl-NL" smtClean="0"/>
-              <a:t>21-4-2016</a:t>
+              <a:t>22-4-2016</a:t>
             </a:fld>
             <a:endParaRPr lang="nl-NL"/>
           </a:p>
@@ -4378,7 +4378,7 @@
           <a:p>
             <a:fld id="{1087F47F-40DD-451D-B02B-62F7F35B7CBC}" type="datetimeFigureOut">
               <a:rPr lang="nl-NL" smtClean="0"/>
-              <a:t>21-4-2016</a:t>
+              <a:t>22-4-2016</a:t>
             </a:fld>
             <a:endParaRPr lang="nl-NL"/>
           </a:p>
@@ -4503,7 +4503,7 @@
           <a:p>
             <a:fld id="{1087F47F-40DD-451D-B02B-62F7F35B7CBC}" type="datetimeFigureOut">
               <a:rPr lang="nl-NL" smtClean="0"/>
-              <a:t>21-4-2016</a:t>
+              <a:t>22-4-2016</a:t>
             </a:fld>
             <a:endParaRPr lang="nl-NL"/>
           </a:p>
@@ -4788,7 +4788,7 @@
           <a:p>
             <a:fld id="{1087F47F-40DD-451D-B02B-62F7F35B7CBC}" type="datetimeFigureOut">
               <a:rPr lang="nl-NL" smtClean="0"/>
-              <a:t>21-4-2016</a:t>
+              <a:t>22-4-2016</a:t>
             </a:fld>
             <a:endParaRPr lang="nl-NL"/>
           </a:p>
@@ -5112,7 +5112,7 @@
           <a:p>
             <a:fld id="{1087F47F-40DD-451D-B02B-62F7F35B7CBC}" type="datetimeFigureOut">
               <a:rPr lang="nl-NL" smtClean="0"/>
-              <a:t>21-4-2016</a:t>
+              <a:t>22-4-2016</a:t>
             </a:fld>
             <a:endParaRPr lang="nl-NL"/>
           </a:p>
@@ -5326,7 +5326,7 @@
           <a:p>
             <a:fld id="{1087F47F-40DD-451D-B02B-62F7F35B7CBC}" type="datetimeFigureOut">
               <a:rPr lang="nl-NL" smtClean="0"/>
-              <a:t>21-4-2016</a:t>
+              <a:t>22-4-2016</a:t>
             </a:fld>
             <a:endParaRPr lang="nl-NL"/>
           </a:p>
@@ -6096,68 +6096,461 @@
               <a:rPr lang="en-US" sz="2000" dirty="0" smtClean="0">
                 <a:latin typeface="Eras Light ITC" panose="020B0402030504020804" pitchFamily="34" charset="0"/>
               </a:rPr>
-              <a:t> bugs</a:t>
-            </a:r>
-          </a:p>
-          <a:p>
-            <a:r>
-              <a:rPr lang="en-US" sz="2000" dirty="0" err="1" smtClean="0">
-                <a:latin typeface="Eras Light ITC" panose="020B0402030504020804" pitchFamily="34" charset="0"/>
-              </a:rPr>
-              <a:t>Uitgeschreven</a:t>
+              <a:t> </a:t>
             </a:r>
             <a:r>
               <a:rPr lang="en-US" sz="2000" dirty="0" smtClean="0">
                 <a:latin typeface="Eras Light ITC" panose="020B0402030504020804" pitchFamily="34" charset="0"/>
               </a:rPr>
-              <a:t> QA </a:t>
-            </a:r>
-            <a:r>
-              <a:rPr lang="en-US" sz="2000" dirty="0" err="1" smtClean="0">
-                <a:latin typeface="Eras Light ITC" panose="020B0402030504020804" pitchFamily="34" charset="0"/>
-              </a:rPr>
-              <a:t>rapporten</a:t>
-            </a:r>
-            <a:r>
-              <a:rPr lang="en-US" sz="2000" dirty="0" smtClean="0">
-                <a:latin typeface="Eras Light ITC" panose="020B0402030504020804" pitchFamily="34" charset="0"/>
-              </a:rPr>
-              <a:t> </a:t>
-            </a:r>
-            <a:r>
-              <a:rPr lang="en-US" sz="2000" dirty="0" err="1" smtClean="0">
-                <a:latin typeface="Eras Light ITC" panose="020B0402030504020804" pitchFamily="34" charset="0"/>
-              </a:rPr>
-              <a:t>laten</a:t>
-            </a:r>
-            <a:r>
-              <a:rPr lang="en-US" sz="2000" dirty="0" smtClean="0">
-                <a:latin typeface="Eras Light ITC" panose="020B0402030504020804" pitchFamily="34" charset="0"/>
-              </a:rPr>
-              <a:t> </a:t>
-            </a:r>
-            <a:r>
-              <a:rPr lang="en-US" sz="2000" dirty="0" err="1" smtClean="0">
-                <a:latin typeface="Eras Light ITC" panose="020B0402030504020804" pitchFamily="34" charset="0"/>
-              </a:rPr>
-              <a:t>zien</a:t>
-            </a:r>
-            <a:r>
-              <a:rPr lang="en-US" sz="2000" dirty="0" smtClean="0">
-                <a:latin typeface="Eras Light ITC" panose="020B0402030504020804" pitchFamily="34" charset="0"/>
-              </a:rPr>
-              <a:t>***</a:t>
-            </a:r>
-            <a:endParaRPr lang="en-US" sz="2000" dirty="0">
-              <a:latin typeface="Eras Light ITC" panose="020B0402030504020804" pitchFamily="34" charset="0"/>
-            </a:endParaRPr>
-          </a:p>
-          <a:p>
+              <a:t>bugs</a:t>
+            </a:r>
             <a:endParaRPr lang="en-US" sz="2000" dirty="0" smtClean="0">
               <a:latin typeface="Eras Light ITC" panose="020B0402030504020804" pitchFamily="34" charset="0"/>
             </a:endParaRPr>
           </a:p>
           <a:p>
+            <a:r>
+              <a:rPr lang="en-US" sz="2000" dirty="0" err="1" smtClean="0">
+                <a:latin typeface="Eras Light ITC" panose="020B0402030504020804" pitchFamily="34" charset="0"/>
+              </a:rPr>
+              <a:t>Uitgeschreven</a:t>
+            </a:r>
+            <a:r>
+              <a:rPr lang="en-US" sz="2000" dirty="0" smtClean="0">
+                <a:latin typeface="Eras Light ITC" panose="020B0402030504020804" pitchFamily="34" charset="0"/>
+              </a:rPr>
+              <a:t> QA </a:t>
+            </a:r>
+            <a:r>
+              <a:rPr lang="en-US" sz="2000" dirty="0" err="1" smtClean="0">
+                <a:latin typeface="Eras Light ITC" panose="020B0402030504020804" pitchFamily="34" charset="0"/>
+              </a:rPr>
+              <a:t>rapporten</a:t>
+            </a:r>
+            <a:r>
+              <a:rPr lang="en-US" sz="2000" dirty="0" smtClean="0">
+                <a:latin typeface="Eras Light ITC" panose="020B0402030504020804" pitchFamily="34" charset="0"/>
+              </a:rPr>
+              <a:t> </a:t>
+            </a:r>
+            <a:r>
+              <a:rPr lang="en-US" sz="2000" dirty="0" err="1" smtClean="0">
+                <a:latin typeface="Eras Light ITC" panose="020B0402030504020804" pitchFamily="34" charset="0"/>
+              </a:rPr>
+              <a:t>laten</a:t>
+            </a:r>
+            <a:r>
+              <a:rPr lang="en-US" sz="2000" dirty="0" smtClean="0">
+                <a:latin typeface="Eras Light ITC" panose="020B0402030504020804" pitchFamily="34" charset="0"/>
+              </a:rPr>
+              <a:t> </a:t>
+            </a:r>
+            <a:r>
+              <a:rPr lang="en-US" sz="2000" dirty="0" err="1" smtClean="0">
+                <a:latin typeface="Eras Light ITC" panose="020B0402030504020804" pitchFamily="34" charset="0"/>
+              </a:rPr>
+              <a:t>zien</a:t>
+            </a:r>
+            <a:r>
+              <a:rPr lang="en-US" sz="2000" dirty="0" smtClean="0">
+                <a:latin typeface="Eras Light ITC" panose="020B0402030504020804" pitchFamily="34" charset="0"/>
+              </a:rPr>
+              <a:t>***</a:t>
+            </a:r>
+          </a:p>
+          <a:p>
+            <a:r>
+              <a:rPr lang="en-US" sz="2000" dirty="0" smtClean="0">
+                <a:latin typeface="Eras Light ITC" panose="020B0402030504020804" pitchFamily="34" charset="0"/>
+              </a:rPr>
+              <a:t>We </a:t>
+            </a:r>
+            <a:r>
+              <a:rPr lang="en-US" sz="2000" dirty="0" err="1" smtClean="0">
+                <a:latin typeface="Eras Light ITC" panose="020B0402030504020804" pitchFamily="34" charset="0"/>
+              </a:rPr>
+              <a:t>konden</a:t>
+            </a:r>
+            <a:r>
+              <a:rPr lang="en-US" sz="2000" dirty="0" smtClean="0">
+                <a:latin typeface="Eras Light ITC" panose="020B0402030504020804" pitchFamily="34" charset="0"/>
+              </a:rPr>
+              <a:t> </a:t>
+            </a:r>
+            <a:r>
+              <a:rPr lang="en-US" sz="2000" dirty="0" err="1" smtClean="0">
+                <a:latin typeface="Eras Light ITC" panose="020B0402030504020804" pitchFamily="34" charset="0"/>
+              </a:rPr>
+              <a:t>geen</a:t>
+            </a:r>
+            <a:r>
+              <a:rPr lang="en-US" sz="2000" dirty="0" smtClean="0">
+                <a:latin typeface="Eras Light ITC" panose="020B0402030504020804" pitchFamily="34" charset="0"/>
+              </a:rPr>
+              <a:t> QA </a:t>
+            </a:r>
+            <a:r>
+              <a:rPr lang="en-US" sz="2000" dirty="0" err="1" smtClean="0">
+                <a:latin typeface="Eras Light ITC" panose="020B0402030504020804" pitchFamily="34" charset="0"/>
+              </a:rPr>
+              <a:t>maken</a:t>
+            </a:r>
+            <a:r>
+              <a:rPr lang="en-US" sz="2000" dirty="0" smtClean="0">
+                <a:latin typeface="Eras Light ITC" panose="020B0402030504020804" pitchFamily="34" charset="0"/>
+              </a:rPr>
+              <a:t>, </a:t>
+            </a:r>
+            <a:r>
+              <a:rPr lang="en-US" sz="2000" dirty="0" err="1" smtClean="0">
+                <a:latin typeface="Eras Light ITC" panose="020B0402030504020804" pitchFamily="34" charset="0"/>
+              </a:rPr>
+              <a:t>omdat</a:t>
+            </a:r>
+            <a:r>
+              <a:rPr lang="en-US" sz="2000" dirty="0" smtClean="0">
+                <a:latin typeface="Eras Light ITC" panose="020B0402030504020804" pitchFamily="34" charset="0"/>
+              </a:rPr>
+              <a:t> we nog </a:t>
+            </a:r>
+            <a:r>
+              <a:rPr lang="en-US" sz="2000" dirty="0" err="1" smtClean="0">
+                <a:latin typeface="Eras Light ITC" panose="020B0402030504020804" pitchFamily="34" charset="0"/>
+              </a:rPr>
+              <a:t>geen</a:t>
+            </a:r>
+            <a:r>
+              <a:rPr lang="en-US" sz="2000" dirty="0" smtClean="0">
+                <a:latin typeface="Eras Light ITC" panose="020B0402030504020804" pitchFamily="34" charset="0"/>
+              </a:rPr>
+              <a:t> test </a:t>
+            </a:r>
+            <a:r>
+              <a:rPr lang="en-US" sz="2000" dirty="0" err="1" smtClean="0">
+                <a:latin typeface="Eras Light ITC" panose="020B0402030504020804" pitchFamily="34" charset="0"/>
+              </a:rPr>
+              <a:t>ruimte</a:t>
+            </a:r>
+            <a:r>
+              <a:rPr lang="en-US" sz="2000" dirty="0" smtClean="0">
+                <a:latin typeface="Eras Light ITC" panose="020B0402030504020804" pitchFamily="34" charset="0"/>
+              </a:rPr>
+              <a:t> </a:t>
+            </a:r>
+            <a:r>
+              <a:rPr lang="en-US" sz="2000" dirty="0" err="1" smtClean="0">
+                <a:latin typeface="Eras Light ITC" panose="020B0402030504020804" pitchFamily="34" charset="0"/>
+              </a:rPr>
+              <a:t>hebben</a:t>
+            </a:r>
+            <a:r>
+              <a:rPr lang="en-US" sz="2000" dirty="0" smtClean="0">
+                <a:latin typeface="Eras Light ITC" panose="020B0402030504020804" pitchFamily="34" charset="0"/>
+              </a:rPr>
+              <a:t> </a:t>
+            </a:r>
+            <a:r>
+              <a:rPr lang="en-US" sz="2000" dirty="0" err="1" smtClean="0">
+                <a:latin typeface="Eras Light ITC" panose="020B0402030504020804" pitchFamily="34" charset="0"/>
+              </a:rPr>
+              <a:t>gemaakt</a:t>
+            </a:r>
+            <a:r>
+              <a:rPr lang="en-US" sz="2000" dirty="0" smtClean="0">
+                <a:latin typeface="Eras Light ITC" panose="020B0402030504020804" pitchFamily="34" charset="0"/>
+              </a:rPr>
+              <a:t>. </a:t>
+            </a:r>
+            <a:r>
+              <a:rPr lang="en-US" sz="2000" dirty="0" err="1" smtClean="0">
+                <a:latin typeface="Eras Light ITC" panose="020B0402030504020804" pitchFamily="34" charset="0"/>
+              </a:rPr>
+              <a:t>Waarin</a:t>
+            </a:r>
+            <a:r>
+              <a:rPr lang="en-US" sz="2000" dirty="0" smtClean="0">
+                <a:latin typeface="Eras Light ITC" panose="020B0402030504020804" pitchFamily="34" charset="0"/>
+              </a:rPr>
+              <a:t> </a:t>
+            </a:r>
+            <a:r>
+              <a:rPr lang="en-US" sz="2000" dirty="0" err="1" smtClean="0">
+                <a:latin typeface="Eras Light ITC" panose="020B0402030504020804" pitchFamily="34" charset="0"/>
+              </a:rPr>
+              <a:t>wij</a:t>
+            </a:r>
+            <a:r>
+              <a:rPr lang="en-US" sz="2000" dirty="0" smtClean="0">
+                <a:latin typeface="Eras Light ITC" panose="020B0402030504020804" pitchFamily="34" charset="0"/>
+              </a:rPr>
+              <a:t> </a:t>
+            </a:r>
+            <a:r>
+              <a:rPr lang="en-US" sz="2000" dirty="0" err="1" smtClean="0">
+                <a:latin typeface="Eras Light ITC" panose="020B0402030504020804" pitchFamily="34" charset="0"/>
+              </a:rPr>
+              <a:t>onze</a:t>
+            </a:r>
+            <a:r>
+              <a:rPr lang="en-US" sz="2000" dirty="0" smtClean="0">
+                <a:latin typeface="Eras Light ITC" panose="020B0402030504020804" pitchFamily="34" charset="0"/>
+              </a:rPr>
+              <a:t> scripts </a:t>
+            </a:r>
+            <a:r>
+              <a:rPr lang="en-US" sz="2000" dirty="0" err="1" smtClean="0">
+                <a:latin typeface="Eras Light ITC" panose="020B0402030504020804" pitchFamily="34" charset="0"/>
+              </a:rPr>
+              <a:t>en</a:t>
+            </a:r>
+            <a:r>
+              <a:rPr lang="en-US" sz="2000" dirty="0" smtClean="0">
+                <a:latin typeface="Eras Light ITC" panose="020B0402030504020804" pitchFamily="34" charset="0"/>
+              </a:rPr>
+              <a:t> models </a:t>
+            </a:r>
+            <a:r>
+              <a:rPr lang="en-US" sz="2000" dirty="0" err="1" smtClean="0">
+                <a:latin typeface="Eras Light ITC" panose="020B0402030504020804" pitchFamily="34" charset="0"/>
+              </a:rPr>
+              <a:t>samen</a:t>
+            </a:r>
+            <a:r>
+              <a:rPr lang="en-US" sz="2000" dirty="0" smtClean="0">
+                <a:latin typeface="Eras Light ITC" panose="020B0402030504020804" pitchFamily="34" charset="0"/>
+              </a:rPr>
+              <a:t> </a:t>
+            </a:r>
+            <a:r>
+              <a:rPr lang="en-US" sz="2000" dirty="0" err="1" smtClean="0">
+                <a:latin typeface="Eras Light ITC" panose="020B0402030504020804" pitchFamily="34" charset="0"/>
+              </a:rPr>
+              <a:t>konden</a:t>
+            </a:r>
+            <a:r>
+              <a:rPr lang="en-US" sz="2000" dirty="0" smtClean="0">
+                <a:latin typeface="Eras Light ITC" panose="020B0402030504020804" pitchFamily="34" charset="0"/>
+              </a:rPr>
+              <a:t> </a:t>
+            </a:r>
+            <a:r>
+              <a:rPr lang="en-US" sz="2000" dirty="0" err="1" smtClean="0">
+                <a:latin typeface="Eras Light ITC" panose="020B0402030504020804" pitchFamily="34" charset="0"/>
+              </a:rPr>
+              <a:t>brengen</a:t>
+            </a:r>
+            <a:r>
+              <a:rPr lang="en-US" sz="2000" dirty="0" smtClean="0">
+                <a:latin typeface="Eras Light ITC" panose="020B0402030504020804" pitchFamily="34" charset="0"/>
+              </a:rPr>
+              <a:t>. We </a:t>
+            </a:r>
+            <a:r>
+              <a:rPr lang="en-US" sz="2000" dirty="0" err="1" smtClean="0">
+                <a:latin typeface="Eras Light ITC" panose="020B0402030504020804" pitchFamily="34" charset="0"/>
+              </a:rPr>
+              <a:t>beginnen</a:t>
+            </a:r>
+            <a:r>
+              <a:rPr lang="en-US" sz="2000" dirty="0" smtClean="0">
+                <a:latin typeface="Eras Light ITC" panose="020B0402030504020804" pitchFamily="34" charset="0"/>
+              </a:rPr>
+              <a:t> </a:t>
+            </a:r>
+            <a:r>
+              <a:rPr lang="en-US" sz="2000" dirty="0" err="1" smtClean="0">
+                <a:latin typeface="Eras Light ITC" panose="020B0402030504020804" pitchFamily="34" charset="0"/>
+              </a:rPr>
+              <a:t>hiermee</a:t>
+            </a:r>
+            <a:r>
+              <a:rPr lang="en-US" sz="2000" dirty="0" smtClean="0">
+                <a:latin typeface="Eras Light ITC" panose="020B0402030504020804" pitchFamily="34" charset="0"/>
+              </a:rPr>
+              <a:t> </a:t>
+            </a:r>
+            <a:r>
+              <a:rPr lang="en-US" sz="2000" dirty="0" err="1" smtClean="0">
+                <a:latin typeface="Eras Light ITC" panose="020B0402030504020804" pitchFamily="34" charset="0"/>
+              </a:rPr>
+              <a:t>na</a:t>
+            </a:r>
+            <a:r>
+              <a:rPr lang="en-US" sz="2000" dirty="0" smtClean="0">
+                <a:latin typeface="Eras Light ITC" panose="020B0402030504020804" pitchFamily="34" charset="0"/>
+              </a:rPr>
+              <a:t> </a:t>
+            </a:r>
+            <a:r>
+              <a:rPr lang="en-US" sz="2000" dirty="0" err="1" smtClean="0">
+                <a:latin typeface="Eras Light ITC" panose="020B0402030504020804" pitchFamily="34" charset="0"/>
+              </a:rPr>
+              <a:t>deze</a:t>
+            </a:r>
+            <a:r>
+              <a:rPr lang="en-US" sz="2000" dirty="0" smtClean="0">
+                <a:latin typeface="Eras Light ITC" panose="020B0402030504020804" pitchFamily="34" charset="0"/>
+              </a:rPr>
+              <a:t> presentative </a:t>
+            </a:r>
+            <a:r>
+              <a:rPr lang="en-US" sz="2000" dirty="0" err="1" smtClean="0">
+                <a:latin typeface="Eras Light ITC" panose="020B0402030504020804" pitchFamily="34" charset="0"/>
+              </a:rPr>
+              <a:t>wanneer</a:t>
+            </a:r>
+            <a:r>
+              <a:rPr lang="en-US" sz="2000" dirty="0" smtClean="0">
+                <a:latin typeface="Eras Light ITC" panose="020B0402030504020804" pitchFamily="34" charset="0"/>
+              </a:rPr>
+              <a:t> de artist </a:t>
+            </a:r>
+            <a:r>
+              <a:rPr lang="en-US" sz="2000" dirty="0" err="1" smtClean="0">
+                <a:latin typeface="Eras Light ITC" panose="020B0402030504020804" pitchFamily="34" charset="0"/>
+              </a:rPr>
+              <a:t>genoeg</a:t>
+            </a:r>
+            <a:r>
+              <a:rPr lang="en-US" sz="2000" dirty="0" smtClean="0">
+                <a:latin typeface="Eras Light ITC" panose="020B0402030504020804" pitchFamily="34" charset="0"/>
+              </a:rPr>
+              <a:t> packages </a:t>
+            </a:r>
+            <a:r>
+              <a:rPr lang="en-US" sz="2000" dirty="0" err="1" smtClean="0">
+                <a:latin typeface="Eras Light ITC" panose="020B0402030504020804" pitchFamily="34" charset="0"/>
+              </a:rPr>
+              <a:t>hebben</a:t>
+            </a:r>
+            <a:r>
+              <a:rPr lang="en-US" sz="2000" dirty="0" smtClean="0">
+                <a:latin typeface="Eras Light ITC" panose="020B0402030504020804" pitchFamily="34" charset="0"/>
+              </a:rPr>
+              <a:t> </a:t>
+            </a:r>
+            <a:r>
+              <a:rPr lang="en-US" sz="2000" dirty="0" err="1" smtClean="0">
+                <a:latin typeface="Eras Light ITC" panose="020B0402030504020804" pitchFamily="34" charset="0"/>
+              </a:rPr>
+              <a:t>gemaakt</a:t>
+            </a:r>
+            <a:r>
+              <a:rPr lang="en-US" sz="2000" dirty="0" smtClean="0">
+                <a:latin typeface="Eras Light ITC" panose="020B0402030504020804" pitchFamily="34" charset="0"/>
+              </a:rPr>
+              <a:t>. </a:t>
+            </a:r>
+            <a:r>
+              <a:rPr lang="en-US" sz="2000" dirty="0" err="1" smtClean="0">
+                <a:latin typeface="Eras Light ITC" panose="020B0402030504020804" pitchFamily="34" charset="0"/>
+              </a:rPr>
+              <a:t>En</a:t>
+            </a:r>
+            <a:r>
+              <a:rPr lang="en-US" sz="2000" dirty="0" smtClean="0">
+                <a:latin typeface="Eras Light ITC" panose="020B0402030504020804" pitchFamily="34" charset="0"/>
+              </a:rPr>
+              <a:t> de </a:t>
+            </a:r>
+            <a:r>
+              <a:rPr lang="en-US" sz="2000" dirty="0" err="1" smtClean="0">
+                <a:latin typeface="Eras Light ITC" panose="020B0402030504020804" pitchFamily="34" charset="0"/>
+              </a:rPr>
+              <a:t>programmeurs</a:t>
+            </a:r>
+            <a:r>
+              <a:rPr lang="en-US" sz="2000" dirty="0" smtClean="0">
+                <a:latin typeface="Eras Light ITC" panose="020B0402030504020804" pitchFamily="34" charset="0"/>
+              </a:rPr>
+              <a:t> al </a:t>
+            </a:r>
+            <a:r>
+              <a:rPr lang="en-US" sz="2000" dirty="0" err="1" smtClean="0">
+                <a:latin typeface="Eras Light ITC" panose="020B0402030504020804" pitchFamily="34" charset="0"/>
+              </a:rPr>
+              <a:t>een</a:t>
+            </a:r>
+            <a:r>
+              <a:rPr lang="en-US" sz="2000" dirty="0" smtClean="0">
+                <a:latin typeface="Eras Light ITC" panose="020B0402030504020804" pitchFamily="34" charset="0"/>
+              </a:rPr>
+              <a:t> </a:t>
+            </a:r>
+            <a:r>
+              <a:rPr lang="en-US" sz="2000" dirty="0" err="1" smtClean="0">
+                <a:latin typeface="Eras Light ITC" panose="020B0402030504020804" pitchFamily="34" charset="0"/>
+              </a:rPr>
+              <a:t>aantal</a:t>
+            </a:r>
+            <a:r>
+              <a:rPr lang="en-US" sz="2000" dirty="0" smtClean="0">
+                <a:latin typeface="Eras Light ITC" panose="020B0402030504020804" pitchFamily="34" charset="0"/>
+              </a:rPr>
+              <a:t> A.I. scripts </a:t>
+            </a:r>
+            <a:r>
+              <a:rPr lang="en-US" sz="2000" dirty="0" err="1" smtClean="0">
+                <a:latin typeface="Eras Light ITC" panose="020B0402030504020804" pitchFamily="34" charset="0"/>
+              </a:rPr>
+              <a:t>hebben</a:t>
+            </a:r>
+            <a:r>
+              <a:rPr lang="en-US" sz="2000" dirty="0" smtClean="0">
+                <a:latin typeface="Eras Light ITC" panose="020B0402030504020804" pitchFamily="34" charset="0"/>
+              </a:rPr>
+              <a:t> </a:t>
+            </a:r>
+            <a:r>
+              <a:rPr lang="en-US" sz="2000" dirty="0" err="1" smtClean="0">
+                <a:latin typeface="Eras Light ITC" panose="020B0402030504020804" pitchFamily="34" charset="0"/>
+              </a:rPr>
+              <a:t>toegevoegd</a:t>
+            </a:r>
+            <a:r>
+              <a:rPr lang="en-US" sz="2000" dirty="0" smtClean="0">
+                <a:latin typeface="Eras Light ITC" panose="020B0402030504020804" pitchFamily="34" charset="0"/>
+              </a:rPr>
+              <a:t>. </a:t>
+            </a:r>
+          </a:p>
+          <a:p>
+            <a:r>
+              <a:rPr lang="en-US" sz="2000" dirty="0" err="1" smtClean="0">
+                <a:latin typeface="Eras Light ITC" panose="020B0402030504020804" pitchFamily="34" charset="0"/>
+              </a:rPr>
+              <a:t>Voorbeeld</a:t>
+            </a:r>
+            <a:r>
+              <a:rPr lang="en-US" sz="2000" dirty="0" smtClean="0">
+                <a:latin typeface="Eras Light ITC" panose="020B0402030504020804" pitchFamily="34" charset="0"/>
+              </a:rPr>
+              <a:t> van </a:t>
+            </a:r>
+            <a:r>
+              <a:rPr lang="en-US" sz="2000" dirty="0" err="1" smtClean="0">
+                <a:latin typeface="Eras Light ITC" panose="020B0402030504020804" pitchFamily="34" charset="0"/>
+              </a:rPr>
+              <a:t>een</a:t>
+            </a:r>
+            <a:r>
+              <a:rPr lang="en-US" sz="2000" dirty="0" smtClean="0">
+                <a:latin typeface="Eras Light ITC" panose="020B0402030504020804" pitchFamily="34" charset="0"/>
+              </a:rPr>
+              <a:t> </a:t>
+            </a:r>
+            <a:r>
+              <a:rPr lang="en-US" sz="2000" dirty="0" err="1" smtClean="0">
+                <a:latin typeface="Eras Light ITC" panose="020B0402030504020804" pitchFamily="34" charset="0"/>
+              </a:rPr>
+              <a:t>lege</a:t>
+            </a:r>
+            <a:r>
+              <a:rPr lang="en-US" sz="2000" dirty="0" smtClean="0">
+                <a:latin typeface="Eras Light ITC" panose="020B0402030504020804" pitchFamily="34" charset="0"/>
+              </a:rPr>
+              <a:t> QA rapport.</a:t>
+            </a:r>
             <a:endParaRPr lang="en-US" sz="2000" dirty="0">
               <a:latin typeface="Eras Light ITC" panose="020B0402030504020804" pitchFamily="34" charset="0"/>
             </a:endParaRPr>
@@ -6520,8 +6913,8 @@
         </p:nvSpPr>
         <p:spPr>
           <a:xfrm>
-            <a:off x="685801" y="2065867"/>
-            <a:ext cx="10131425" cy="4367123"/>
+            <a:off x="400665" y="1661652"/>
+            <a:ext cx="6039464" cy="5358579"/>
           </a:xfrm>
         </p:spPr>
         <p:txBody>
@@ -6562,165 +6955,425 @@
             </a:r>
           </a:p>
           <a:p>
-            <a:r>
-              <a:rPr lang="en-US" sz="2000" dirty="0" err="1" smtClean="0">
-                <a:latin typeface="Eras Light ITC" panose="020B0402030504020804" pitchFamily="34" charset="0"/>
-              </a:rPr>
-              <a:t>Uitleg</a:t>
-            </a:r>
-            <a:r>
-              <a:rPr lang="en-US" sz="2000" dirty="0" smtClean="0">
-                <a:latin typeface="Eras Light ITC" panose="020B0402030504020804" pitchFamily="34" charset="0"/>
-              </a:rPr>
-              <a:t> AI system</a:t>
-            </a:r>
-          </a:p>
-          <a:p>
-            <a:r>
-              <a:rPr lang="en-US" sz="2000" dirty="0" err="1" smtClean="0">
-                <a:latin typeface="Eras Light ITC" panose="020B0402030504020804" pitchFamily="34" charset="0"/>
-              </a:rPr>
-              <a:t>Uitleg</a:t>
-            </a:r>
-            <a:r>
-              <a:rPr lang="en-US" sz="2000" dirty="0" smtClean="0">
-                <a:latin typeface="Eras Light ITC" panose="020B0402030504020804" pitchFamily="34" charset="0"/>
-              </a:rPr>
-              <a:t> combat system</a:t>
-            </a:r>
-          </a:p>
-          <a:p>
-            <a:r>
-              <a:rPr lang="en-US" sz="2000" dirty="0" smtClean="0">
-                <a:latin typeface="Eras Light ITC" panose="020B0402030504020804" pitchFamily="34" charset="0"/>
-              </a:rPr>
-              <a:t>Wat is </a:t>
-            </a:r>
-            <a:r>
-              <a:rPr lang="en-US" sz="2000" dirty="0" err="1" smtClean="0">
-                <a:latin typeface="Eras Light ITC" panose="020B0402030504020804" pitchFamily="34" charset="0"/>
-              </a:rPr>
-              <a:t>er</a:t>
-            </a:r>
-            <a:r>
-              <a:rPr lang="en-US" sz="2000" dirty="0" smtClean="0">
+            <a:pPr lvl="1"/>
+            <a:r>
+              <a:rPr lang="en-US" dirty="0" smtClean="0">
+                <a:latin typeface="Eras Light ITC" panose="020B0402030504020804" pitchFamily="34" charset="0"/>
+              </a:rPr>
+              <a:t>De basis </a:t>
+            </a:r>
+            <a:r>
+              <a:rPr lang="en-US" dirty="0" err="1" smtClean="0">
+                <a:latin typeface="Eras Light ITC" panose="020B0402030504020804" pitchFamily="34" charset="0"/>
+              </a:rPr>
+              <a:t>functies</a:t>
+            </a:r>
+            <a:r>
+              <a:rPr lang="en-US" dirty="0" smtClean="0">
+                <a:latin typeface="Eras Light ITC" panose="020B0402030504020804" pitchFamily="34" charset="0"/>
+              </a:rPr>
+              <a:t> van de genre</a:t>
+            </a:r>
+          </a:p>
+          <a:p>
+            <a:pPr lvl="1"/>
+            <a:r>
+              <a:rPr lang="en-US" dirty="0" smtClean="0">
+                <a:latin typeface="Eras Light ITC" panose="020B0402030504020804" pitchFamily="34" charset="0"/>
+              </a:rPr>
+              <a:t>We </a:t>
+            </a:r>
+            <a:r>
+              <a:rPr lang="en-US" dirty="0" err="1" smtClean="0">
+                <a:latin typeface="Eras Light ITC" panose="020B0402030504020804" pitchFamily="34" charset="0"/>
+              </a:rPr>
+              <a:t>moeten</a:t>
+            </a:r>
+            <a:r>
+              <a:rPr lang="en-US" dirty="0" smtClean="0">
+                <a:latin typeface="Eras Light ITC" panose="020B0402030504020804" pitchFamily="34" charset="0"/>
+              </a:rPr>
+              <a:t> nog </a:t>
+            </a:r>
+            <a:r>
+              <a:rPr lang="en-US" dirty="0" err="1" smtClean="0">
+                <a:latin typeface="Eras Light ITC" panose="020B0402030504020804" pitchFamily="34" charset="0"/>
+              </a:rPr>
+              <a:t>beginnen</a:t>
+            </a:r>
+            <a:r>
+              <a:rPr lang="en-US" dirty="0" smtClean="0">
+                <a:latin typeface="Eras Light ITC" panose="020B0402030504020804" pitchFamily="34" charset="0"/>
+              </a:rPr>
+              <a:t> met de </a:t>
+            </a:r>
+            <a:r>
+              <a:rPr lang="en-US" dirty="0" err="1" smtClean="0">
+                <a:latin typeface="Eras Light ITC" panose="020B0402030504020804" pitchFamily="34" charset="0"/>
+              </a:rPr>
+              <a:t>algemene</a:t>
+            </a:r>
+            <a:r>
+              <a:rPr lang="en-US" dirty="0" smtClean="0">
+                <a:latin typeface="Eras Light ITC" panose="020B0402030504020804" pitchFamily="34" charset="0"/>
+              </a:rPr>
+              <a:t> A,I,s</a:t>
+            </a:r>
+          </a:p>
+          <a:p>
+            <a:pPr lvl="1"/>
+            <a:r>
+              <a:rPr lang="en-US" dirty="0" smtClean="0">
+                <a:latin typeface="Eras Light ITC" panose="020B0402030504020804" pitchFamily="34" charset="0"/>
+              </a:rPr>
+              <a:t>Wat </a:t>
+            </a:r>
+            <a:r>
+              <a:rPr lang="en-US" dirty="0" err="1" smtClean="0">
+                <a:latin typeface="Eras Light ITC" panose="020B0402030504020804" pitchFamily="34" charset="0"/>
+              </a:rPr>
+              <a:t>kleine</a:t>
+            </a:r>
+            <a:r>
+              <a:rPr lang="en-US" dirty="0" smtClean="0">
                 <a:latin typeface="Eras Light ITC" panose="020B0402030504020804" pitchFamily="34" charset="0"/>
               </a:rPr>
               <a:t> </a:t>
             </a:r>
             <a:r>
-              <a:rPr lang="en-US" sz="2000" dirty="0" err="1" smtClean="0">
-                <a:latin typeface="Eras Light ITC" panose="020B0402030504020804" pitchFamily="34" charset="0"/>
-              </a:rPr>
-              <a:t>momenteel</a:t>
-            </a:r>
-            <a:r>
-              <a:rPr lang="en-US" sz="2000" dirty="0" smtClean="0">
-                <a:latin typeface="Eras Light ITC" panose="020B0402030504020804" pitchFamily="34" charset="0"/>
-              </a:rPr>
-              <a:t> </a:t>
-            </a:r>
-            <a:r>
-              <a:rPr lang="en-US" sz="2000" dirty="0" err="1" smtClean="0">
-                <a:latin typeface="Eras Light ITC" panose="020B0402030504020804" pitchFamily="34" charset="0"/>
-              </a:rPr>
-              <a:t>aanwezig</a:t>
-            </a:r>
-            <a:r>
-              <a:rPr lang="en-US" sz="2000" dirty="0" smtClean="0">
-                <a:latin typeface="Eras Light ITC" panose="020B0402030504020804" pitchFamily="34" charset="0"/>
-              </a:rPr>
-              <a:t>, wat </a:t>
-            </a:r>
-            <a:r>
-              <a:rPr lang="en-US" sz="2000" dirty="0" err="1" smtClean="0">
-                <a:latin typeface="Eras Light ITC" panose="020B0402030504020804" pitchFamily="34" charset="0"/>
-              </a:rPr>
-              <a:t>moet</a:t>
-            </a:r>
-            <a:r>
-              <a:rPr lang="en-US" sz="2000" dirty="0" smtClean="0">
-                <a:latin typeface="Eras Light ITC" panose="020B0402030504020804" pitchFamily="34" charset="0"/>
-              </a:rPr>
-              <a:t> in dev </a:t>
-            </a:r>
-            <a:r>
-              <a:rPr lang="en-US" sz="2000" dirty="0" err="1" smtClean="0">
-                <a:latin typeface="Eras Light ITC" panose="020B0402030504020804" pitchFamily="34" charset="0"/>
-              </a:rPr>
-              <a:t>fase</a:t>
-            </a:r>
-            <a:r>
-              <a:rPr lang="en-US" sz="2000" dirty="0" smtClean="0">
-                <a:latin typeface="Eras Light ITC" panose="020B0402030504020804" pitchFamily="34" charset="0"/>
-              </a:rPr>
-              <a:t> 2?</a:t>
-            </a:r>
-          </a:p>
-          <a:p>
-            <a:r>
-              <a:rPr lang="en-US" sz="2000" dirty="0" smtClean="0">
-                <a:latin typeface="Eras Light ITC" panose="020B0402030504020804" pitchFamily="34" charset="0"/>
-              </a:rPr>
-              <a:t>Planning, </a:t>
-            </a:r>
-            <a:r>
-              <a:rPr lang="en-US" sz="2000" dirty="0" err="1" smtClean="0">
-                <a:latin typeface="Eras Light ITC" panose="020B0402030504020804" pitchFamily="34" charset="0"/>
-              </a:rPr>
-              <a:t>taakverdeling</a:t>
-            </a:r>
-            <a:r>
-              <a:rPr lang="en-US" sz="2000" dirty="0" smtClean="0">
-                <a:latin typeface="Eras Light ITC" panose="020B0402030504020804" pitchFamily="34" charset="0"/>
-              </a:rPr>
-              <a:t> </a:t>
-            </a:r>
-            <a:r>
-              <a:rPr lang="en-US" sz="2000" dirty="0" err="1" smtClean="0">
-                <a:latin typeface="Eras Light ITC" panose="020B0402030504020804" pitchFamily="34" charset="0"/>
-              </a:rPr>
-              <a:t>etc</a:t>
-            </a:r>
-            <a:r>
-              <a:rPr lang="en-US" sz="2000" dirty="0" smtClean="0">
-                <a:latin typeface="Eras Light ITC" panose="020B0402030504020804" pitchFamily="34" charset="0"/>
-              </a:rPr>
-              <a:t> </a:t>
-            </a:r>
-            <a:r>
-              <a:rPr lang="en-US" sz="2000" dirty="0" err="1" smtClean="0">
-                <a:latin typeface="Eras Light ITC" panose="020B0402030504020804" pitchFamily="34" charset="0"/>
-              </a:rPr>
-              <a:t>laten</a:t>
-            </a:r>
-            <a:r>
-              <a:rPr lang="en-US" sz="2000" dirty="0" smtClean="0">
-                <a:latin typeface="Eras Light ITC" panose="020B0402030504020804" pitchFamily="34" charset="0"/>
-              </a:rPr>
-              <a:t> </a:t>
-            </a:r>
-            <a:r>
-              <a:rPr lang="en-US" sz="2000" dirty="0" err="1" smtClean="0">
-                <a:latin typeface="Eras Light ITC" panose="020B0402030504020804" pitchFamily="34" charset="0"/>
-              </a:rPr>
-              <a:t>zien</a:t>
-            </a:r>
-            <a:endParaRPr lang="en-US" sz="2000" dirty="0">
+              <a:rPr lang="en-US" dirty="0" err="1" smtClean="0">
+                <a:latin typeface="Eras Light ITC" panose="020B0402030504020804" pitchFamily="34" charset="0"/>
+              </a:rPr>
+              <a:t>aanpassingen</a:t>
+            </a:r>
+            <a:endParaRPr lang="en-US" dirty="0" smtClean="0">
               <a:latin typeface="Eras Light ITC" panose="020B0402030504020804" pitchFamily="34" charset="0"/>
             </a:endParaRPr>
           </a:p>
           <a:p>
-            <a:endParaRPr lang="en-US" sz="2000" dirty="0" smtClean="0">
+            <a:r>
+              <a:rPr lang="en-US" sz="2000" dirty="0" err="1" smtClean="0">
+                <a:latin typeface="Eras Light ITC" panose="020B0402030504020804" pitchFamily="34" charset="0"/>
+              </a:rPr>
+              <a:t>Uitleg</a:t>
+            </a:r>
+            <a:r>
+              <a:rPr lang="en-US" sz="2000" dirty="0" smtClean="0">
+                <a:latin typeface="Eras Light ITC" panose="020B0402030504020804" pitchFamily="34" charset="0"/>
+              </a:rPr>
+              <a:t> AI </a:t>
+            </a:r>
+            <a:r>
+              <a:rPr lang="en-US" sz="2000" dirty="0" smtClean="0">
+                <a:latin typeface="Eras Light ITC" panose="020B0402030504020804" pitchFamily="34" charset="0"/>
+              </a:rPr>
+              <a:t>system</a:t>
+            </a:r>
+          </a:p>
+          <a:p>
+            <a:pPr lvl="1"/>
+            <a:r>
+              <a:rPr lang="en-US" dirty="0" smtClean="0">
+                <a:latin typeface="Eras Light ITC" panose="020B0402030504020804" pitchFamily="34" charset="0"/>
+              </a:rPr>
+              <a:t>Moet nog </a:t>
+            </a:r>
+            <a:r>
+              <a:rPr lang="en-US" dirty="0" err="1" smtClean="0">
+                <a:latin typeface="Eras Light ITC" panose="020B0402030504020804" pitchFamily="34" charset="0"/>
+              </a:rPr>
+              <a:t>gemaakt</a:t>
+            </a:r>
+            <a:r>
+              <a:rPr lang="en-US" dirty="0" smtClean="0">
+                <a:latin typeface="Eras Light ITC" panose="020B0402030504020804" pitchFamily="34" charset="0"/>
+              </a:rPr>
+              <a:t> </a:t>
+            </a:r>
+            <a:r>
+              <a:rPr lang="en-US" dirty="0" err="1" smtClean="0">
+                <a:latin typeface="Eras Light ITC" panose="020B0402030504020804" pitchFamily="34" charset="0"/>
+              </a:rPr>
+              <a:t>worden</a:t>
+            </a:r>
+            <a:endParaRPr lang="en-US" dirty="0" smtClean="0">
               <a:latin typeface="Eras Light ITC" panose="020B0402030504020804" pitchFamily="34" charset="0"/>
             </a:endParaRPr>
           </a:p>
           <a:p>
-            <a:endParaRPr lang="en-US" sz="2000" dirty="0">
+            <a:pPr lvl="1"/>
+            <a:r>
+              <a:rPr lang="en-US" dirty="0" smtClean="0">
+                <a:latin typeface="Eras Light ITC" panose="020B0402030504020804" pitchFamily="34" charset="0"/>
+              </a:rPr>
+              <a:t>Meer </a:t>
+            </a:r>
+            <a:r>
+              <a:rPr lang="en-US" dirty="0" err="1" smtClean="0">
+                <a:latin typeface="Eras Light ITC" panose="020B0402030504020804" pitchFamily="34" charset="0"/>
+              </a:rPr>
+              <a:t>dan</a:t>
+            </a:r>
+            <a:r>
+              <a:rPr lang="en-US" dirty="0" smtClean="0">
+                <a:latin typeface="Eras Light ITC" panose="020B0402030504020804" pitchFamily="34" charset="0"/>
+              </a:rPr>
+              <a:t> de </a:t>
+            </a:r>
+            <a:r>
+              <a:rPr lang="en-US" dirty="0" err="1" smtClean="0">
+                <a:latin typeface="Eras Light ITC" panose="020B0402030504020804" pitchFamily="34" charset="0"/>
+              </a:rPr>
+              <a:t>helft</a:t>
+            </a:r>
+            <a:r>
+              <a:rPr lang="en-US" dirty="0" smtClean="0">
+                <a:latin typeface="Eras Light ITC" panose="020B0402030504020804" pitchFamily="34" charset="0"/>
+              </a:rPr>
+              <a:t> </a:t>
+            </a:r>
+            <a:r>
+              <a:rPr lang="en-US" dirty="0" err="1" smtClean="0">
+                <a:latin typeface="Eras Light ITC" panose="020B0402030504020804" pitchFamily="34" charset="0"/>
+              </a:rPr>
+              <a:t>worden</a:t>
+            </a:r>
+            <a:r>
+              <a:rPr lang="en-US" dirty="0" smtClean="0">
+                <a:latin typeface="Eras Light ITC" panose="020B0402030504020804" pitchFamily="34" charset="0"/>
+              </a:rPr>
+              <a:t> </a:t>
+            </a:r>
+            <a:r>
+              <a:rPr lang="en-US" dirty="0" err="1" smtClean="0">
+                <a:latin typeface="Eras Light ITC" panose="020B0402030504020804" pitchFamily="34" charset="0"/>
+              </a:rPr>
+              <a:t>stilstaand</a:t>
+            </a:r>
+            <a:endParaRPr lang="en-US" dirty="0">
               <a:latin typeface="Eras Light ITC" panose="020B0402030504020804" pitchFamily="34" charset="0"/>
             </a:endParaRPr>
           </a:p>
           <a:p>
+            <a:pPr lvl="1"/>
+            <a:r>
+              <a:rPr lang="en-US" dirty="0" smtClean="0">
+                <a:latin typeface="Eras Light ITC" panose="020B0402030504020804" pitchFamily="34" charset="0"/>
+              </a:rPr>
+              <a:t>We </a:t>
+            </a:r>
+            <a:r>
+              <a:rPr lang="en-US" dirty="0" err="1" smtClean="0">
+                <a:latin typeface="Eras Light ITC" panose="020B0402030504020804" pitchFamily="34" charset="0"/>
+              </a:rPr>
+              <a:t>gaan</a:t>
+            </a:r>
+            <a:r>
+              <a:rPr lang="en-US" dirty="0" smtClean="0">
+                <a:latin typeface="Eras Light ITC" panose="020B0402030504020804" pitchFamily="34" charset="0"/>
+              </a:rPr>
+              <a:t> A* pathfinding </a:t>
+            </a:r>
+            <a:r>
+              <a:rPr lang="en-US" dirty="0" err="1" smtClean="0">
+                <a:latin typeface="Eras Light ITC" panose="020B0402030504020804" pitchFamily="34" charset="0"/>
+              </a:rPr>
+              <a:t>gebruiken</a:t>
+            </a:r>
+            <a:endParaRPr lang="en-US" dirty="0" smtClean="0">
+              <a:latin typeface="Eras Light ITC" panose="020B0402030504020804" pitchFamily="34" charset="0"/>
+            </a:endParaRPr>
+          </a:p>
+          <a:p>
+            <a:r>
+              <a:rPr lang="en-US" sz="2000" dirty="0" err="1" smtClean="0">
+                <a:latin typeface="Eras Light ITC" panose="020B0402030504020804" pitchFamily="34" charset="0"/>
+              </a:rPr>
+              <a:t>Uitleg</a:t>
+            </a:r>
+            <a:r>
+              <a:rPr lang="en-US" sz="2000" dirty="0" smtClean="0">
+                <a:latin typeface="Eras Light ITC" panose="020B0402030504020804" pitchFamily="34" charset="0"/>
+              </a:rPr>
+              <a:t> combat </a:t>
+            </a:r>
+            <a:r>
+              <a:rPr lang="en-US" sz="2000" dirty="0" smtClean="0">
+                <a:latin typeface="Eras Light ITC" panose="020B0402030504020804" pitchFamily="34" charset="0"/>
+              </a:rPr>
+              <a:t>system</a:t>
+            </a:r>
+          </a:p>
+          <a:p>
+            <a:pPr lvl="1"/>
+            <a:r>
+              <a:rPr lang="en-US" dirty="0" smtClean="0">
+                <a:latin typeface="Eras Light ITC" panose="020B0402030504020804" pitchFamily="34" charset="0"/>
+              </a:rPr>
+              <a:t>Is best normal </a:t>
+            </a:r>
+            <a:r>
+              <a:rPr lang="en-US" dirty="0" err="1" smtClean="0">
+                <a:latin typeface="Eras Light ITC" panose="020B0402030504020804" pitchFamily="34" charset="0"/>
+              </a:rPr>
+              <a:t>voor</a:t>
+            </a:r>
+            <a:r>
+              <a:rPr lang="en-US" dirty="0" smtClean="0">
+                <a:latin typeface="Eras Light ITC" panose="020B0402030504020804" pitchFamily="34" charset="0"/>
+              </a:rPr>
+              <a:t> </a:t>
+            </a:r>
+            <a:r>
+              <a:rPr lang="en-US" dirty="0" err="1" smtClean="0">
+                <a:latin typeface="Eras Light ITC" panose="020B0402030504020804" pitchFamily="34" charset="0"/>
+              </a:rPr>
+              <a:t>een</a:t>
+            </a:r>
+            <a:r>
+              <a:rPr lang="en-US" dirty="0" smtClean="0">
+                <a:latin typeface="Eras Light ITC" panose="020B0402030504020804" pitchFamily="34" charset="0"/>
+              </a:rPr>
+              <a:t> fps</a:t>
+            </a:r>
+          </a:p>
+          <a:p>
+            <a:pPr lvl="1"/>
+            <a:r>
+              <a:rPr lang="en-US" dirty="0" smtClean="0">
+                <a:latin typeface="Eras Light ITC" panose="020B0402030504020804" pitchFamily="34" charset="0"/>
+              </a:rPr>
+              <a:t>We </a:t>
+            </a:r>
+            <a:r>
+              <a:rPr lang="en-US" dirty="0" err="1" smtClean="0">
+                <a:latin typeface="Eras Light ITC" panose="020B0402030504020804" pitchFamily="34" charset="0"/>
+              </a:rPr>
+              <a:t>gebruiken</a:t>
+            </a:r>
+            <a:r>
+              <a:rPr lang="en-US" dirty="0" smtClean="0">
+                <a:latin typeface="Eras Light ITC" panose="020B0402030504020804" pitchFamily="34" charset="0"/>
+              </a:rPr>
+              <a:t> </a:t>
+            </a:r>
+            <a:r>
+              <a:rPr lang="en-US" dirty="0" err="1" smtClean="0">
+                <a:latin typeface="Eras Light ITC" panose="020B0402030504020804" pitchFamily="34" charset="0"/>
+              </a:rPr>
+              <a:t>meerdere</a:t>
+            </a:r>
+            <a:r>
+              <a:rPr lang="en-US" dirty="0" smtClean="0">
+                <a:latin typeface="Eras Light ITC" panose="020B0402030504020804" pitchFamily="34" charset="0"/>
+              </a:rPr>
+              <a:t> ammo’s </a:t>
+            </a:r>
+            <a:r>
+              <a:rPr lang="en-US" dirty="0" err="1" smtClean="0">
+                <a:latin typeface="Eras Light ITC" panose="020B0402030504020804" pitchFamily="34" charset="0"/>
+              </a:rPr>
+              <a:t>voor</a:t>
+            </a:r>
+            <a:r>
+              <a:rPr lang="en-US" dirty="0" smtClean="0">
+                <a:latin typeface="Eras Light ITC" panose="020B0402030504020804" pitchFamily="34" charset="0"/>
+              </a:rPr>
+              <a:t> 1 </a:t>
+            </a:r>
+            <a:r>
+              <a:rPr lang="en-US" dirty="0" err="1" smtClean="0">
+                <a:latin typeface="Eras Light ITC" panose="020B0402030504020804" pitchFamily="34" charset="0"/>
+              </a:rPr>
+              <a:t>wapen</a:t>
+            </a:r>
+            <a:endParaRPr lang="en-US" dirty="0" smtClean="0">
+              <a:latin typeface="Eras Light ITC" panose="020B0402030504020804" pitchFamily="34" charset="0"/>
+            </a:endParaRPr>
+          </a:p>
+          <a:p>
+            <a:pPr lvl="1"/>
+            <a:r>
+              <a:rPr lang="en-US" dirty="0" smtClean="0">
+                <a:latin typeface="Eras Light ITC" panose="020B0402030504020804" pitchFamily="34" charset="0"/>
+              </a:rPr>
+              <a:t>We </a:t>
+            </a:r>
+            <a:r>
+              <a:rPr lang="en-US" dirty="0" err="1" smtClean="0">
+                <a:latin typeface="Eras Light ITC" panose="020B0402030504020804" pitchFamily="34" charset="0"/>
+              </a:rPr>
+              <a:t>hebben</a:t>
+            </a:r>
+            <a:r>
+              <a:rPr lang="en-US" dirty="0" smtClean="0">
+                <a:latin typeface="Eras Light ITC" panose="020B0402030504020804" pitchFamily="34" charset="0"/>
+              </a:rPr>
+              <a:t> </a:t>
+            </a:r>
+            <a:r>
+              <a:rPr lang="en-US" dirty="0" err="1" smtClean="0">
+                <a:latin typeface="Eras Light ITC" panose="020B0402030504020804" pitchFamily="34" charset="0"/>
+              </a:rPr>
+              <a:t>een</a:t>
+            </a:r>
+            <a:r>
+              <a:rPr lang="en-US" dirty="0" smtClean="0">
+                <a:latin typeface="Eras Light ITC" panose="020B0402030504020804" pitchFamily="34" charset="0"/>
+              </a:rPr>
+              <a:t> melee only </a:t>
+            </a:r>
+            <a:r>
+              <a:rPr lang="en-US" dirty="0" err="1" smtClean="0">
+                <a:latin typeface="Eras Light ITC" panose="020B0402030504020804" pitchFamily="34" charset="0"/>
+              </a:rPr>
+              <a:t>optie</a:t>
+            </a:r>
+            <a:r>
+              <a:rPr lang="en-US" dirty="0" smtClean="0">
+                <a:latin typeface="Eras Light ITC" panose="020B0402030504020804" pitchFamily="34" charset="0"/>
+              </a:rPr>
+              <a:t>.</a:t>
+            </a:r>
+          </a:p>
+          <a:p>
+            <a:pPr lvl="1"/>
+            <a:r>
+              <a:rPr lang="en-US" dirty="0" smtClean="0">
+                <a:latin typeface="Eras Light ITC" panose="020B0402030504020804" pitchFamily="34" charset="0"/>
+              </a:rPr>
+              <a:t>Met de stimulation pack </a:t>
+            </a:r>
+            <a:r>
+              <a:rPr lang="en-US" dirty="0" err="1" smtClean="0">
+                <a:latin typeface="Eras Light ITC" panose="020B0402030504020804" pitchFamily="34" charset="0"/>
+              </a:rPr>
+              <a:t>kan</a:t>
+            </a:r>
+            <a:r>
+              <a:rPr lang="en-US" dirty="0" smtClean="0">
+                <a:latin typeface="Eras Light ITC" panose="020B0402030504020804" pitchFamily="34" charset="0"/>
+              </a:rPr>
+              <a:t> je in </a:t>
+            </a:r>
+            <a:r>
+              <a:rPr lang="en-US" dirty="0" err="1" smtClean="0">
+                <a:latin typeface="Eras Light ITC" panose="020B0402030504020804" pitchFamily="34" charset="0"/>
+              </a:rPr>
+              <a:t>slowmo</a:t>
+            </a:r>
+            <a:r>
+              <a:rPr lang="en-US" dirty="0" smtClean="0">
+                <a:latin typeface="Eras Light ITC" panose="020B0402030504020804" pitchFamily="34" charset="0"/>
+              </a:rPr>
+              <a:t> </a:t>
+            </a:r>
+            <a:r>
+              <a:rPr lang="en-US" dirty="0" err="1" smtClean="0">
+                <a:latin typeface="Eras Light ITC" panose="020B0402030504020804" pitchFamily="34" charset="0"/>
+              </a:rPr>
+              <a:t>gaan</a:t>
+            </a:r>
             <a:endParaRPr lang="nl-NL" sz="2000" dirty="0" smtClean="0">
               <a:latin typeface="Eras Light ITC" panose="020B0402030504020804" pitchFamily="34" charset="0"/>
             </a:endParaRPr>
@@ -6979,6 +7632,644 @@
           </a:p>
           <a:p>
             <a:endParaRPr lang="nl-NL" sz="2000" dirty="0" smtClean="0">
+              <a:latin typeface="Eras Light ITC" panose="020B0402030504020804" pitchFamily="34" charset="0"/>
+            </a:endParaRPr>
+          </a:p>
+        </p:txBody>
+      </p:sp>
+      <p:sp>
+        <p:nvSpPr>
+          <p:cNvPr id="4" name="Rechthoek 3"/>
+          <p:cNvSpPr/>
+          <p:nvPr/>
+        </p:nvSpPr>
+        <p:spPr>
+          <a:xfrm>
+            <a:off x="5646647" y="1952990"/>
+            <a:ext cx="6427366" cy="4308872"/>
+          </a:xfrm>
+          <a:prstGeom prst="rect">
+            <a:avLst/>
+          </a:prstGeom>
+        </p:spPr>
+        <p:txBody>
+          <a:bodyPr wrap="square">
+            <a:spAutoFit/>
+          </a:bodyPr>
+          <a:lstStyle/>
+          <a:p>
+            <a:r>
+              <a:rPr lang="en-US" sz="2000" dirty="0">
+                <a:latin typeface="Eras Light ITC" panose="020B0402030504020804" pitchFamily="34" charset="0"/>
+              </a:rPr>
+              <a:t>Wat is </a:t>
+            </a:r>
+            <a:r>
+              <a:rPr lang="en-US" sz="2000" dirty="0" err="1">
+                <a:latin typeface="Eras Light ITC" panose="020B0402030504020804" pitchFamily="34" charset="0"/>
+              </a:rPr>
+              <a:t>er</a:t>
+            </a:r>
+            <a:r>
+              <a:rPr lang="en-US" sz="2000" dirty="0">
+                <a:latin typeface="Eras Light ITC" panose="020B0402030504020804" pitchFamily="34" charset="0"/>
+              </a:rPr>
+              <a:t> </a:t>
+            </a:r>
+            <a:r>
+              <a:rPr lang="en-US" sz="2000" dirty="0" err="1">
+                <a:latin typeface="Eras Light ITC" panose="020B0402030504020804" pitchFamily="34" charset="0"/>
+              </a:rPr>
+              <a:t>momenteel</a:t>
+            </a:r>
+            <a:r>
+              <a:rPr lang="en-US" sz="2000" dirty="0">
+                <a:latin typeface="Eras Light ITC" panose="020B0402030504020804" pitchFamily="34" charset="0"/>
+              </a:rPr>
+              <a:t> </a:t>
+            </a:r>
+            <a:r>
+              <a:rPr lang="en-US" sz="2000" dirty="0" err="1">
+                <a:latin typeface="Eras Light ITC" panose="020B0402030504020804" pitchFamily="34" charset="0"/>
+              </a:rPr>
+              <a:t>aanwezig</a:t>
+            </a:r>
+            <a:r>
+              <a:rPr lang="en-US" sz="2000" dirty="0">
+                <a:latin typeface="Eras Light ITC" panose="020B0402030504020804" pitchFamily="34" charset="0"/>
+              </a:rPr>
+              <a:t>, wat </a:t>
+            </a:r>
+            <a:r>
+              <a:rPr lang="en-US" sz="2000" dirty="0" err="1">
+                <a:latin typeface="Eras Light ITC" panose="020B0402030504020804" pitchFamily="34" charset="0"/>
+              </a:rPr>
+              <a:t>moet</a:t>
+            </a:r>
+            <a:r>
+              <a:rPr lang="en-US" sz="2000" dirty="0">
+                <a:latin typeface="Eras Light ITC" panose="020B0402030504020804" pitchFamily="34" charset="0"/>
+              </a:rPr>
+              <a:t> in dev </a:t>
+            </a:r>
+            <a:r>
+              <a:rPr lang="en-US" sz="2000" dirty="0" err="1">
+                <a:latin typeface="Eras Light ITC" panose="020B0402030504020804" pitchFamily="34" charset="0"/>
+              </a:rPr>
+              <a:t>fase</a:t>
+            </a:r>
+            <a:r>
+              <a:rPr lang="en-US" sz="2000" dirty="0">
+                <a:latin typeface="Eras Light ITC" panose="020B0402030504020804" pitchFamily="34" charset="0"/>
+              </a:rPr>
+              <a:t> 2?</a:t>
+            </a:r>
+          </a:p>
+          <a:p>
+            <a:pPr lvl="1"/>
+            <a:r>
+              <a:rPr lang="en-US" dirty="0" err="1">
+                <a:latin typeface="Eras Light ITC" panose="020B0402030504020804" pitchFamily="34" charset="0"/>
+              </a:rPr>
+              <a:t>Momenteel</a:t>
+            </a:r>
+            <a:r>
+              <a:rPr lang="en-US" dirty="0">
+                <a:latin typeface="Eras Light ITC" panose="020B0402030504020804" pitchFamily="34" charset="0"/>
+              </a:rPr>
+              <a:t>  </a:t>
+            </a:r>
+            <a:r>
+              <a:rPr lang="en-US" dirty="0" err="1">
+                <a:latin typeface="Eras Light ITC" panose="020B0402030504020804" pitchFamily="34" charset="0"/>
+              </a:rPr>
+              <a:t>aanwezig</a:t>
+            </a:r>
+            <a:r>
+              <a:rPr lang="en-US" dirty="0">
+                <a:latin typeface="Eras Light ITC" panose="020B0402030504020804" pitchFamily="34" charset="0"/>
+              </a:rPr>
+              <a:t>:</a:t>
+            </a:r>
+          </a:p>
+          <a:p>
+            <a:pPr lvl="2"/>
+            <a:r>
+              <a:rPr lang="en-US" dirty="0">
+                <a:latin typeface="Eras Light ITC" panose="020B0402030504020804" pitchFamily="34" charset="0"/>
+              </a:rPr>
+              <a:t>We </a:t>
+            </a:r>
+            <a:r>
+              <a:rPr lang="en-US" dirty="0" err="1">
+                <a:latin typeface="Eras Light ITC" panose="020B0402030504020804" pitchFamily="34" charset="0"/>
+              </a:rPr>
+              <a:t>hebben</a:t>
+            </a:r>
+            <a:r>
+              <a:rPr lang="en-US" dirty="0">
+                <a:latin typeface="Eras Light ITC" panose="020B0402030504020804" pitchFamily="34" charset="0"/>
+              </a:rPr>
+              <a:t> </a:t>
+            </a:r>
+            <a:r>
+              <a:rPr lang="en-US" dirty="0" err="1">
+                <a:latin typeface="Eras Light ITC" panose="020B0402030504020804" pitchFamily="34" charset="0"/>
+              </a:rPr>
+              <a:t>onze</a:t>
+            </a:r>
+            <a:r>
+              <a:rPr lang="en-US" dirty="0">
+                <a:latin typeface="Eras Light ITC" panose="020B0402030504020804" pitchFamily="34" charset="0"/>
+              </a:rPr>
+              <a:t> combat system</a:t>
+            </a:r>
+          </a:p>
+          <a:p>
+            <a:pPr lvl="2"/>
+            <a:r>
+              <a:rPr lang="en-US" dirty="0">
+                <a:latin typeface="Eras Light ITC" panose="020B0402030504020804" pitchFamily="34" charset="0"/>
+              </a:rPr>
+              <a:t>De </a:t>
+            </a:r>
+            <a:r>
+              <a:rPr lang="en-US" dirty="0" err="1">
+                <a:latin typeface="Eras Light ITC" panose="020B0402030504020804" pitchFamily="34" charset="0"/>
+              </a:rPr>
+              <a:t>meeste</a:t>
+            </a:r>
+            <a:r>
+              <a:rPr lang="en-US" dirty="0">
+                <a:latin typeface="Eras Light ITC" panose="020B0402030504020804" pitchFamily="34" charset="0"/>
+              </a:rPr>
+              <a:t> managers </a:t>
+            </a:r>
+            <a:r>
+              <a:rPr lang="en-US" dirty="0" err="1">
+                <a:latin typeface="Eras Light ITC" panose="020B0402030504020804" pitchFamily="34" charset="0"/>
+              </a:rPr>
+              <a:t>hebben</a:t>
+            </a:r>
+            <a:r>
+              <a:rPr lang="en-US" dirty="0">
+                <a:latin typeface="Eras Light ITC" panose="020B0402030504020804" pitchFamily="34" charset="0"/>
+              </a:rPr>
+              <a:t> we </a:t>
+            </a:r>
+            <a:r>
+              <a:rPr lang="en-US" dirty="0" err="1">
+                <a:latin typeface="Eras Light ITC" panose="020B0402030504020804" pitchFamily="34" charset="0"/>
+              </a:rPr>
+              <a:t>ook</a:t>
+            </a:r>
+            <a:r>
+              <a:rPr lang="en-US" dirty="0">
+                <a:latin typeface="Eras Light ITC" panose="020B0402030504020804" pitchFamily="34" charset="0"/>
+              </a:rPr>
+              <a:t> </a:t>
+            </a:r>
+            <a:r>
+              <a:rPr lang="en-US" dirty="0" err="1">
+                <a:latin typeface="Eras Light ITC" panose="020B0402030504020804" pitchFamily="34" charset="0"/>
+              </a:rPr>
+              <a:t>erin</a:t>
+            </a:r>
+            <a:endParaRPr lang="en-US" dirty="0">
+              <a:latin typeface="Eras Light ITC" panose="020B0402030504020804" pitchFamily="34" charset="0"/>
+            </a:endParaRPr>
+          </a:p>
+          <a:p>
+            <a:pPr lvl="2"/>
+            <a:r>
+              <a:rPr lang="en-US" dirty="0" err="1">
+                <a:latin typeface="Eras Light ITC" panose="020B0402030504020804" pitchFamily="34" charset="0"/>
+              </a:rPr>
+              <a:t>Bewegingen</a:t>
+            </a:r>
+            <a:r>
+              <a:rPr lang="en-US" dirty="0">
+                <a:latin typeface="Eras Light ITC" panose="020B0402030504020804" pitchFamily="34" charset="0"/>
+              </a:rPr>
+              <a:t> van speller</a:t>
+            </a:r>
+          </a:p>
+          <a:p>
+            <a:pPr lvl="2"/>
+            <a:r>
+              <a:rPr lang="en-US" dirty="0" err="1">
+                <a:latin typeface="Eras Light ITC" panose="020B0402030504020804" pitchFamily="34" charset="0"/>
+              </a:rPr>
+              <a:t>Meeste</a:t>
+            </a:r>
+            <a:r>
+              <a:rPr lang="en-US" dirty="0">
+                <a:latin typeface="Eras Light ITC" panose="020B0402030504020804" pitchFamily="34" charset="0"/>
+              </a:rPr>
+              <a:t> van </a:t>
+            </a:r>
+            <a:r>
+              <a:rPr lang="en-US" dirty="0" err="1">
+                <a:latin typeface="Eras Light ITC" panose="020B0402030504020804" pitchFamily="34" charset="0"/>
+              </a:rPr>
+              <a:t>onze</a:t>
+            </a:r>
+            <a:r>
+              <a:rPr lang="en-US" dirty="0">
+                <a:latin typeface="Eras Light ITC" panose="020B0402030504020804" pitchFamily="34" charset="0"/>
+              </a:rPr>
+              <a:t> </a:t>
+            </a:r>
+            <a:r>
+              <a:rPr lang="en-US" dirty="0" err="1">
+                <a:latin typeface="Eras Light ITC" panose="020B0402030504020804" pitchFamily="34" charset="0"/>
+              </a:rPr>
+              <a:t>wapens</a:t>
+            </a:r>
+            <a:r>
+              <a:rPr lang="en-US" dirty="0">
+                <a:latin typeface="Eras Light ITC" panose="020B0402030504020804" pitchFamily="34" charset="0"/>
+              </a:rPr>
+              <a:t> </a:t>
+            </a:r>
+            <a:r>
+              <a:rPr lang="en-US" dirty="0" err="1">
+                <a:latin typeface="Eras Light ITC" panose="020B0402030504020804" pitchFamily="34" charset="0"/>
+              </a:rPr>
+              <a:t>zijn</a:t>
+            </a:r>
+            <a:r>
+              <a:rPr lang="en-US" dirty="0">
+                <a:latin typeface="Eras Light ITC" panose="020B0402030504020804" pitchFamily="34" charset="0"/>
+              </a:rPr>
+              <a:t> qua script </a:t>
+            </a:r>
+            <a:r>
+              <a:rPr lang="en-US" dirty="0" err="1">
+                <a:latin typeface="Eras Light ITC" panose="020B0402030504020804" pitchFamily="34" charset="0"/>
+              </a:rPr>
+              <a:t>ook</a:t>
+            </a:r>
+            <a:r>
+              <a:rPr lang="en-US" dirty="0">
+                <a:latin typeface="Eras Light ITC" panose="020B0402030504020804" pitchFamily="34" charset="0"/>
+              </a:rPr>
+              <a:t> </a:t>
+            </a:r>
+            <a:r>
+              <a:rPr lang="en-US" dirty="0" err="1">
+                <a:latin typeface="Eras Light ITC" panose="020B0402030504020804" pitchFamily="34" charset="0"/>
+              </a:rPr>
+              <a:t>goed</a:t>
+            </a:r>
+            <a:r>
+              <a:rPr lang="en-US" dirty="0">
+                <a:latin typeface="Eras Light ITC" panose="020B0402030504020804" pitchFamily="34" charset="0"/>
+              </a:rPr>
+              <a:t> op </a:t>
+            </a:r>
+            <a:r>
+              <a:rPr lang="en-US" dirty="0" err="1">
+                <a:latin typeface="Eras Light ITC" panose="020B0402030504020804" pitchFamily="34" charset="0"/>
+              </a:rPr>
+              <a:t>weg</a:t>
+            </a:r>
+            <a:endParaRPr lang="en-US" dirty="0">
+              <a:latin typeface="Eras Light ITC" panose="020B0402030504020804" pitchFamily="34" charset="0"/>
+            </a:endParaRPr>
+          </a:p>
+          <a:p>
+            <a:pPr lvl="1"/>
+            <a:r>
+              <a:rPr lang="en-US" dirty="0">
+                <a:latin typeface="Eras Light ITC" panose="020B0402030504020804" pitchFamily="34" charset="0"/>
+              </a:rPr>
+              <a:t>Wat </a:t>
+            </a:r>
+            <a:r>
+              <a:rPr lang="en-US" dirty="0" err="1">
+                <a:latin typeface="Eras Light ITC" panose="020B0402030504020804" pitchFamily="34" charset="0"/>
+              </a:rPr>
+              <a:t>moet</a:t>
+            </a:r>
+            <a:r>
+              <a:rPr lang="en-US" dirty="0">
+                <a:latin typeface="Eras Light ITC" panose="020B0402030504020804" pitchFamily="34" charset="0"/>
+              </a:rPr>
+              <a:t> </a:t>
+            </a:r>
+            <a:r>
+              <a:rPr lang="en-US" dirty="0" err="1">
+                <a:latin typeface="Eras Light ITC" panose="020B0402030504020804" pitchFamily="34" charset="0"/>
+              </a:rPr>
+              <a:t>er</a:t>
+            </a:r>
+            <a:r>
+              <a:rPr lang="en-US" dirty="0">
+                <a:latin typeface="Eras Light ITC" panose="020B0402030504020804" pitchFamily="34" charset="0"/>
+              </a:rPr>
+              <a:t> nog in </a:t>
+            </a:r>
+            <a:r>
+              <a:rPr lang="en-US" dirty="0" err="1">
+                <a:latin typeface="Eras Light ITC" panose="020B0402030504020804" pitchFamily="34" charset="0"/>
+              </a:rPr>
+              <a:t>komen</a:t>
+            </a:r>
+            <a:r>
+              <a:rPr lang="en-US" dirty="0">
+                <a:latin typeface="Eras Light ITC" panose="020B0402030504020804" pitchFamily="34" charset="0"/>
+              </a:rPr>
+              <a:t>:</a:t>
+            </a:r>
+          </a:p>
+          <a:p>
+            <a:pPr lvl="2"/>
+            <a:r>
+              <a:rPr lang="en-US" dirty="0">
+                <a:latin typeface="Eras Light ITC" panose="020B0402030504020804" pitchFamily="34" charset="0"/>
+              </a:rPr>
+              <a:t>Al </a:t>
+            </a:r>
+            <a:r>
+              <a:rPr lang="en-US" dirty="0" err="1">
+                <a:latin typeface="Eras Light ITC" panose="020B0402030504020804" pitchFamily="34" charset="0"/>
+              </a:rPr>
+              <a:t>onze</a:t>
+            </a:r>
+            <a:r>
+              <a:rPr lang="en-US" dirty="0">
+                <a:latin typeface="Eras Light ITC" panose="020B0402030504020804" pitchFamily="34" charset="0"/>
+              </a:rPr>
+              <a:t> A.I. </a:t>
+            </a:r>
+            <a:r>
+              <a:rPr lang="en-US" dirty="0" err="1">
+                <a:latin typeface="Eras Light ITC" panose="020B0402030504020804" pitchFamily="34" charset="0"/>
+              </a:rPr>
+              <a:t>moeten</a:t>
+            </a:r>
+            <a:r>
+              <a:rPr lang="en-US" dirty="0">
+                <a:latin typeface="Eras Light ITC" panose="020B0402030504020804" pitchFamily="34" charset="0"/>
+              </a:rPr>
+              <a:t> </a:t>
+            </a:r>
+            <a:r>
+              <a:rPr lang="en-US" dirty="0" err="1">
+                <a:latin typeface="Eras Light ITC" panose="020B0402030504020804" pitchFamily="34" charset="0"/>
+              </a:rPr>
+              <a:t>erin</a:t>
+            </a:r>
+            <a:r>
+              <a:rPr lang="en-US" dirty="0">
+                <a:latin typeface="Eras Light ITC" panose="020B0402030504020804" pitchFamily="34" charset="0"/>
+              </a:rPr>
+              <a:t> </a:t>
+            </a:r>
+            <a:r>
+              <a:rPr lang="en-US" dirty="0" err="1">
+                <a:latin typeface="Eras Light ITC" panose="020B0402030504020804" pitchFamily="34" charset="0"/>
+              </a:rPr>
+              <a:t>komen</a:t>
+            </a:r>
+            <a:endParaRPr lang="en-US" dirty="0">
+              <a:latin typeface="Eras Light ITC" panose="020B0402030504020804" pitchFamily="34" charset="0"/>
+            </a:endParaRPr>
+          </a:p>
+          <a:p>
+            <a:pPr lvl="2"/>
+            <a:r>
+              <a:rPr lang="en-US" dirty="0">
+                <a:latin typeface="Eras Light ITC" panose="020B0402030504020804" pitchFamily="34" charset="0"/>
+              </a:rPr>
+              <a:t>We </a:t>
+            </a:r>
+            <a:r>
+              <a:rPr lang="en-US" dirty="0" err="1">
+                <a:latin typeface="Eras Light ITC" panose="020B0402030504020804" pitchFamily="34" charset="0"/>
+              </a:rPr>
+              <a:t>gaan</a:t>
+            </a:r>
+            <a:r>
+              <a:rPr lang="en-US" dirty="0">
+                <a:latin typeface="Eras Light ITC" panose="020B0402030504020804" pitchFamily="34" charset="0"/>
+              </a:rPr>
+              <a:t> </a:t>
+            </a:r>
+            <a:r>
+              <a:rPr lang="en-US" dirty="0" err="1">
+                <a:latin typeface="Eras Light ITC" panose="020B0402030504020804" pitchFamily="34" charset="0"/>
+              </a:rPr>
+              <a:t>hier</a:t>
+            </a:r>
+            <a:r>
+              <a:rPr lang="en-US" dirty="0">
+                <a:latin typeface="Eras Light ITC" panose="020B0402030504020804" pitchFamily="34" charset="0"/>
+              </a:rPr>
+              <a:t> </a:t>
+            </a:r>
+            <a:r>
+              <a:rPr lang="en-US" dirty="0" err="1">
+                <a:latin typeface="Eras Light ITC" panose="020B0402030504020804" pitchFamily="34" charset="0"/>
+              </a:rPr>
+              <a:t>na</a:t>
+            </a:r>
+            <a:r>
+              <a:rPr lang="en-US" dirty="0">
+                <a:latin typeface="Eras Light ITC" panose="020B0402030504020804" pitchFamily="34" charset="0"/>
+              </a:rPr>
+              <a:t> de </a:t>
+            </a:r>
+            <a:r>
+              <a:rPr lang="en-US" dirty="0" err="1">
+                <a:latin typeface="Eras Light ITC" panose="020B0402030504020804" pitchFamily="34" charset="0"/>
+              </a:rPr>
+              <a:t>presentatie</a:t>
+            </a:r>
+            <a:r>
+              <a:rPr lang="en-US" dirty="0">
+                <a:latin typeface="Eras Light ITC" panose="020B0402030504020804" pitchFamily="34" charset="0"/>
+              </a:rPr>
+              <a:t> </a:t>
+            </a:r>
+            <a:r>
+              <a:rPr lang="en-US" dirty="0" err="1">
+                <a:latin typeface="Eras Light ITC" panose="020B0402030504020804" pitchFamily="34" charset="0"/>
+              </a:rPr>
+              <a:t>ook</a:t>
+            </a:r>
+            <a:r>
+              <a:rPr lang="en-US" dirty="0">
+                <a:latin typeface="Eras Light ITC" panose="020B0402030504020804" pitchFamily="34" charset="0"/>
+              </a:rPr>
+              <a:t> het </a:t>
+            </a:r>
+            <a:r>
+              <a:rPr lang="en-US" dirty="0" err="1">
+                <a:latin typeface="Eras Light ITC" panose="020B0402030504020804" pitchFamily="34" charset="0"/>
+              </a:rPr>
+              <a:t>meest</a:t>
+            </a:r>
+            <a:r>
+              <a:rPr lang="en-US" dirty="0">
+                <a:latin typeface="Eras Light ITC" panose="020B0402030504020804" pitchFamily="34" charset="0"/>
+              </a:rPr>
+              <a:t> op </a:t>
+            </a:r>
+            <a:r>
+              <a:rPr lang="en-US" dirty="0" err="1">
+                <a:latin typeface="Eras Light ITC" panose="020B0402030504020804" pitchFamily="34" charset="0"/>
+              </a:rPr>
+              <a:t>focussen</a:t>
+            </a:r>
+            <a:endParaRPr lang="en-US" dirty="0">
+              <a:latin typeface="Eras Light ITC" panose="020B0402030504020804" pitchFamily="34" charset="0"/>
+            </a:endParaRPr>
+          </a:p>
+          <a:p>
+            <a:pPr lvl="2"/>
+            <a:r>
+              <a:rPr lang="en-US" dirty="0" err="1">
+                <a:latin typeface="Eras Light ITC" panose="020B0402030504020804" pitchFamily="34" charset="0"/>
+              </a:rPr>
+              <a:t>Slowmotion</a:t>
+            </a:r>
+            <a:r>
+              <a:rPr lang="en-US" dirty="0">
+                <a:latin typeface="Eras Light ITC" panose="020B0402030504020804" pitchFamily="34" charset="0"/>
+              </a:rPr>
+              <a:t> van de </a:t>
+            </a:r>
+            <a:r>
+              <a:rPr lang="en-US" dirty="0" err="1">
+                <a:latin typeface="Eras Light ITC" panose="020B0402030504020804" pitchFamily="34" charset="0"/>
+              </a:rPr>
+              <a:t>stimpack</a:t>
+            </a:r>
+            <a:endParaRPr lang="en-US" dirty="0">
+              <a:latin typeface="Eras Light ITC" panose="020B0402030504020804" pitchFamily="34" charset="0"/>
+            </a:endParaRPr>
+          </a:p>
+          <a:p>
+            <a:pPr lvl="2"/>
+            <a:r>
+              <a:rPr lang="en-US" dirty="0" err="1">
+                <a:latin typeface="Eras Light ITC" panose="020B0402030504020804" pitchFamily="34" charset="0"/>
+              </a:rPr>
+              <a:t>Onze</a:t>
+            </a:r>
+            <a:r>
+              <a:rPr lang="en-US" dirty="0">
+                <a:latin typeface="Eras Light ITC" panose="020B0402030504020804" pitchFamily="34" charset="0"/>
+              </a:rPr>
+              <a:t> radar </a:t>
+            </a:r>
+            <a:r>
+              <a:rPr lang="en-US" dirty="0" err="1">
+                <a:latin typeface="Eras Light ITC" panose="020B0402030504020804" pitchFamily="34" charset="0"/>
+              </a:rPr>
+              <a:t>en</a:t>
+            </a:r>
+            <a:r>
+              <a:rPr lang="en-US" dirty="0">
+                <a:latin typeface="Eras Light ITC" panose="020B0402030504020804" pitchFamily="34" charset="0"/>
+              </a:rPr>
+              <a:t> Hit detection</a:t>
+            </a:r>
+          </a:p>
+          <a:p>
+            <a:r>
+              <a:rPr lang="en-US" sz="2000" dirty="0">
+                <a:latin typeface="Eras Light ITC" panose="020B0402030504020804" pitchFamily="34" charset="0"/>
+              </a:rPr>
+              <a:t>Planning, </a:t>
+            </a:r>
+            <a:r>
+              <a:rPr lang="en-US" sz="2000" dirty="0" err="1">
+                <a:latin typeface="Eras Light ITC" panose="020B0402030504020804" pitchFamily="34" charset="0"/>
+              </a:rPr>
+              <a:t>taakverdeling</a:t>
+            </a:r>
+            <a:r>
+              <a:rPr lang="en-US" sz="2000" dirty="0">
+                <a:latin typeface="Eras Light ITC" panose="020B0402030504020804" pitchFamily="34" charset="0"/>
+              </a:rPr>
+              <a:t> </a:t>
+            </a:r>
+            <a:r>
+              <a:rPr lang="en-US" sz="2000" dirty="0" err="1">
+                <a:latin typeface="Eras Light ITC" panose="020B0402030504020804" pitchFamily="34" charset="0"/>
+              </a:rPr>
+              <a:t>etc</a:t>
+            </a:r>
+            <a:r>
+              <a:rPr lang="en-US" sz="2000" dirty="0">
+                <a:latin typeface="Eras Light ITC" panose="020B0402030504020804" pitchFamily="34" charset="0"/>
+              </a:rPr>
+              <a:t> </a:t>
+            </a:r>
+            <a:r>
+              <a:rPr lang="en-US" sz="2000" dirty="0" err="1">
+                <a:latin typeface="Eras Light ITC" panose="020B0402030504020804" pitchFamily="34" charset="0"/>
+              </a:rPr>
+              <a:t>laten</a:t>
+            </a:r>
+            <a:r>
+              <a:rPr lang="en-US" sz="2000" dirty="0">
+                <a:latin typeface="Eras Light ITC" panose="020B0402030504020804" pitchFamily="34" charset="0"/>
+              </a:rPr>
+              <a:t> </a:t>
+            </a:r>
+            <a:r>
+              <a:rPr lang="en-US" sz="2000" dirty="0" err="1">
+                <a:latin typeface="Eras Light ITC" panose="020B0402030504020804" pitchFamily="34" charset="0"/>
+              </a:rPr>
+              <a:t>zien</a:t>
+            </a:r>
+            <a:endParaRPr lang="en-US" sz="2000" dirty="0">
+              <a:latin typeface="Eras Light ITC" panose="020B0402030504020804" pitchFamily="34" charset="0"/>
+            </a:endParaRPr>
+          </a:p>
+          <a:p>
+            <a:pPr lvl="1"/>
+            <a:r>
+              <a:rPr lang="en-US" dirty="0">
+                <a:latin typeface="Eras Light ITC" panose="020B0402030504020804" pitchFamily="34" charset="0"/>
+              </a:rPr>
+              <a:t>Trello </a:t>
+            </a:r>
+            <a:r>
+              <a:rPr lang="en-US" dirty="0" err="1">
+                <a:latin typeface="Eras Light ITC" panose="020B0402030504020804" pitchFamily="34" charset="0"/>
+              </a:rPr>
+              <a:t>afbeeldingen</a:t>
+            </a:r>
+            <a:r>
+              <a:rPr lang="en-US" dirty="0">
+                <a:latin typeface="Eras Light ITC" panose="020B0402030504020804" pitchFamily="34" charset="0"/>
+              </a:rPr>
+              <a:t> </a:t>
+            </a:r>
+            <a:r>
+              <a:rPr lang="en-US" dirty="0" err="1">
+                <a:latin typeface="Eras Light ITC" panose="020B0402030504020804" pitchFamily="34" charset="0"/>
+              </a:rPr>
+              <a:t>laten</a:t>
+            </a:r>
+            <a:r>
+              <a:rPr lang="en-US" dirty="0">
+                <a:latin typeface="Eras Light ITC" panose="020B0402030504020804" pitchFamily="34" charset="0"/>
+              </a:rPr>
+              <a:t> </a:t>
+            </a:r>
+            <a:r>
+              <a:rPr lang="en-US" dirty="0" err="1">
+                <a:latin typeface="Eras Light ITC" panose="020B0402030504020804" pitchFamily="34" charset="0"/>
+              </a:rPr>
+              <a:t>zien</a:t>
+            </a:r>
+            <a:endParaRPr lang="en-US" dirty="0">
               <a:latin typeface="Eras Light ITC" panose="020B0402030504020804" pitchFamily="34" charset="0"/>
             </a:endParaRPr>
           </a:p>
@@ -7175,13 +8466,7 @@
               <a:rPr lang="nl-NL" sz="6600" dirty="0" smtClean="0">
                 <a:latin typeface="Eras Light ITC" panose="020B0402030504020804" pitchFamily="34" charset="0"/>
               </a:rPr>
-              <a:t>Voorstellen </a:t>
-            </a:r>
-            <a:r>
-              <a:rPr lang="nl-NL" sz="6600" dirty="0" smtClean="0">
-                <a:latin typeface="Eras Light ITC" panose="020B0402030504020804" pitchFamily="34" charset="0"/>
-              </a:rPr>
-              <a:t>groep(</a:t>
+              <a:t>Voorstellen groep(</a:t>
             </a:r>
             <a:r>
               <a:rPr lang="nl-NL" sz="6600" dirty="0" err="1" smtClean="0">
@@ -8873,13 +10158,7 @@
               <a:rPr lang="nl-NL" sz="6600" dirty="0" smtClean="0">
                 <a:latin typeface="Eras Light ITC" panose="020B0402030504020804" pitchFamily="34" charset="0"/>
               </a:rPr>
-              <a:t>Art</a:t>
-            </a:r>
-            <a:r>
-              <a:rPr lang="nl-NL" sz="6600" dirty="0" smtClean="0">
-                <a:latin typeface="Eras Light ITC" panose="020B0402030504020804" pitchFamily="34" charset="0"/>
-              </a:rPr>
-              <a:t>***(</a:t>
+              <a:t>Art***(</a:t>
             </a:r>
             <a:r>
               <a:rPr lang="nl-NL" sz="6600" dirty="0" err="1" smtClean="0">

--- a/Presentatie/2. Dev Fase 1/Presentatie DevFase1 Mack.pptx
+++ b/Presentatie/2. Dev Fase 1/Presentatie DevFase1 Mack.pptx
@@ -10,13 +10,16 @@
     <p:sldId id="267" r:id="rId4"/>
     <p:sldId id="286" r:id="rId5"/>
     <p:sldId id="287" r:id="rId6"/>
-    <p:sldId id="288" r:id="rId7"/>
-    <p:sldId id="289" r:id="rId8"/>
-    <p:sldId id="290" r:id="rId9"/>
-    <p:sldId id="291" r:id="rId10"/>
-    <p:sldId id="292" r:id="rId11"/>
-    <p:sldId id="293" r:id="rId12"/>
-    <p:sldId id="285" r:id="rId13"/>
+    <p:sldId id="294" r:id="rId7"/>
+    <p:sldId id="296" r:id="rId8"/>
+    <p:sldId id="295" r:id="rId9"/>
+    <p:sldId id="288" r:id="rId10"/>
+    <p:sldId id="293" r:id="rId11"/>
+    <p:sldId id="298" r:id="rId12"/>
+    <p:sldId id="297" r:id="rId13"/>
+    <p:sldId id="292" r:id="rId14"/>
+    <p:sldId id="285" r:id="rId15"/>
+    <p:sldId id="289" r:id="rId16"/>
   </p:sldIdLst>
   <p:sldSz cx="12192000" cy="6858000"/>
   <p:notesSz cx="6858000" cy="9144000"/>
@@ -352,7 +355,7 @@
           <a:p>
             <a:fld id="{1087F47F-40DD-451D-B02B-62F7F35B7CBC}" type="datetimeFigureOut">
               <a:rPr lang="nl-NL" smtClean="0"/>
-              <a:t>22-4-2016</a:t>
+              <a:t>25-4-2016</a:t>
             </a:fld>
             <a:endParaRPr lang="nl-NL"/>
           </a:p>
@@ -686,7 +689,7 @@
           <a:p>
             <a:fld id="{1087F47F-40DD-451D-B02B-62F7F35B7CBC}" type="datetimeFigureOut">
               <a:rPr lang="nl-NL" smtClean="0"/>
-              <a:t>22-4-2016</a:t>
+              <a:t>25-4-2016</a:t>
             </a:fld>
             <a:endParaRPr lang="nl-NL"/>
           </a:p>
@@ -964,7 +967,7 @@
           <a:p>
             <a:fld id="{1087F47F-40DD-451D-B02B-62F7F35B7CBC}" type="datetimeFigureOut">
               <a:rPr lang="nl-NL" smtClean="0"/>
-              <a:t>22-4-2016</a:t>
+              <a:t>25-4-2016</a:t>
             </a:fld>
             <a:endParaRPr lang="nl-NL"/>
           </a:p>
@@ -1532,7 +1535,7 @@
           <a:p>
             <a:fld id="{1087F47F-40DD-451D-B02B-62F7F35B7CBC}" type="datetimeFigureOut">
               <a:rPr lang="nl-NL" smtClean="0"/>
-              <a:t>22-4-2016</a:t>
+              <a:t>25-4-2016</a:t>
             </a:fld>
             <a:endParaRPr lang="nl-NL"/>
           </a:p>
@@ -1810,7 +1813,7 @@
           <a:p>
             <a:fld id="{1087F47F-40DD-451D-B02B-62F7F35B7CBC}" type="datetimeFigureOut">
               <a:rPr lang="nl-NL" smtClean="0"/>
-              <a:t>22-4-2016</a:t>
+              <a:t>25-4-2016</a:t>
             </a:fld>
             <a:endParaRPr lang="nl-NL"/>
           </a:p>
@@ -2372,7 +2375,7 @@
           <a:p>
             <a:fld id="{1087F47F-40DD-451D-B02B-62F7F35B7CBC}" type="datetimeFigureOut">
               <a:rPr lang="nl-NL" smtClean="0"/>
-              <a:t>22-4-2016</a:t>
+              <a:t>25-4-2016</a:t>
             </a:fld>
             <a:endParaRPr lang="nl-NL"/>
           </a:p>
@@ -2699,7 +2702,7 @@
           <a:p>
             <a:fld id="{1087F47F-40DD-451D-B02B-62F7F35B7CBC}" type="datetimeFigureOut">
               <a:rPr lang="nl-NL" smtClean="0"/>
-              <a:t>22-4-2016</a:t>
+              <a:t>25-4-2016</a:t>
             </a:fld>
             <a:endParaRPr lang="nl-NL"/>
           </a:p>
@@ -2876,7 +2879,7 @@
           <a:p>
             <a:fld id="{1087F47F-40DD-451D-B02B-62F7F35B7CBC}" type="datetimeFigureOut">
               <a:rPr lang="nl-NL" smtClean="0"/>
-              <a:t>22-4-2016</a:t>
+              <a:t>25-4-2016</a:t>
             </a:fld>
             <a:endParaRPr lang="nl-NL"/>
           </a:p>
@@ -3114,7 +3117,7 @@
           <a:p>
             <a:fld id="{1087F47F-40DD-451D-B02B-62F7F35B7CBC}" type="datetimeFigureOut">
               <a:rPr lang="nl-NL" smtClean="0"/>
-              <a:t>22-4-2016</a:t>
+              <a:t>25-4-2016</a:t>
             </a:fld>
             <a:endParaRPr lang="nl-NL"/>
           </a:p>
@@ -3314,7 +3317,7 @@
           <a:p>
             <a:fld id="{1087F47F-40DD-451D-B02B-62F7F35B7CBC}" type="datetimeFigureOut">
               <a:rPr lang="nl-NL" smtClean="0"/>
-              <a:t>22-4-2016</a:t>
+              <a:t>25-4-2016</a:t>
             </a:fld>
             <a:endParaRPr lang="nl-NL"/>
           </a:p>
@@ -3590,7 +3593,7 @@
           <a:p>
             <a:fld id="{1087F47F-40DD-451D-B02B-62F7F35B7CBC}" type="datetimeFigureOut">
               <a:rPr lang="nl-NL" smtClean="0"/>
-              <a:t>22-4-2016</a:t>
+              <a:t>25-4-2016</a:t>
             </a:fld>
             <a:endParaRPr lang="nl-NL"/>
           </a:p>
@@ -3856,7 +3859,7 @@
           <a:p>
             <a:fld id="{1087F47F-40DD-451D-B02B-62F7F35B7CBC}" type="datetimeFigureOut">
               <a:rPr lang="nl-NL" smtClean="0"/>
-              <a:t>22-4-2016</a:t>
+              <a:t>25-4-2016</a:t>
             </a:fld>
             <a:endParaRPr lang="nl-NL"/>
           </a:p>
@@ -4230,7 +4233,7 @@
           <a:p>
             <a:fld id="{1087F47F-40DD-451D-B02B-62F7F35B7CBC}" type="datetimeFigureOut">
               <a:rPr lang="nl-NL" smtClean="0"/>
-              <a:t>22-4-2016</a:t>
+              <a:t>25-4-2016</a:t>
             </a:fld>
             <a:endParaRPr lang="nl-NL"/>
           </a:p>
@@ -4378,7 +4381,7 @@
           <a:p>
             <a:fld id="{1087F47F-40DD-451D-B02B-62F7F35B7CBC}" type="datetimeFigureOut">
               <a:rPr lang="nl-NL" smtClean="0"/>
-              <a:t>22-4-2016</a:t>
+              <a:t>25-4-2016</a:t>
             </a:fld>
             <a:endParaRPr lang="nl-NL"/>
           </a:p>
@@ -4503,7 +4506,7 @@
           <a:p>
             <a:fld id="{1087F47F-40DD-451D-B02B-62F7F35B7CBC}" type="datetimeFigureOut">
               <a:rPr lang="nl-NL" smtClean="0"/>
-              <a:t>22-4-2016</a:t>
+              <a:t>25-4-2016</a:t>
             </a:fld>
             <a:endParaRPr lang="nl-NL"/>
           </a:p>
@@ -4788,7 +4791,7 @@
           <a:p>
             <a:fld id="{1087F47F-40DD-451D-B02B-62F7F35B7CBC}" type="datetimeFigureOut">
               <a:rPr lang="nl-NL" smtClean="0"/>
-              <a:t>22-4-2016</a:t>
+              <a:t>25-4-2016</a:t>
             </a:fld>
             <a:endParaRPr lang="nl-NL"/>
           </a:p>
@@ -5112,7 +5115,7 @@
           <a:p>
             <a:fld id="{1087F47F-40DD-451D-B02B-62F7F35B7CBC}" type="datetimeFigureOut">
               <a:rPr lang="nl-NL" smtClean="0"/>
-              <a:t>22-4-2016</a:t>
+              <a:t>25-4-2016</a:t>
             </a:fld>
             <a:endParaRPr lang="nl-NL"/>
           </a:p>
@@ -5326,7 +5329,7 @@
           <a:p>
             <a:fld id="{1087F47F-40DD-451D-B02B-62F7F35B7CBC}" type="datetimeFigureOut">
               <a:rPr lang="nl-NL" smtClean="0"/>
-              <a:t>22-4-2016</a:t>
+              <a:t>25-4-2016</a:t>
             </a:fld>
             <a:endParaRPr lang="nl-NL"/>
           </a:p>
@@ -6044,7 +6047,7 @@
               <a:rPr lang="nl-NL" sz="6600" dirty="0" smtClean="0">
                 <a:latin typeface="Eras Light ITC" panose="020B0402030504020804" pitchFamily="34" charset="0"/>
               </a:rPr>
-              <a:t>QA(Mack)</a:t>
+              <a:t>Development</a:t>
             </a:r>
             <a:endParaRPr lang="nl-NL" sz="6600" dirty="0">
               <a:latin typeface="Eras Light ITC" panose="020B0402030504020804" pitchFamily="34" charset="0"/>
@@ -6064,8 +6067,8 @@
         </p:nvSpPr>
         <p:spPr>
           <a:xfrm>
-            <a:off x="685801" y="2065867"/>
-            <a:ext cx="10131425" cy="4367123"/>
+            <a:off x="400665" y="1661652"/>
+            <a:ext cx="6039464" cy="5358579"/>
           </a:xfrm>
         </p:spPr>
         <p:txBody>
@@ -6075,10 +6078,16 @@
           <a:lstStyle/>
           <a:p>
             <a:r>
+              <a:rPr lang="en-US" sz="2000" dirty="0" smtClean="0">
+                <a:latin typeface="Eras Light ITC" panose="020B0402030504020804" pitchFamily="34" charset="0"/>
+              </a:rPr>
+              <a:t>Status game op </a:t>
+            </a:r>
+            <a:r>
               <a:rPr lang="en-US" sz="2000" dirty="0" err="1" smtClean="0">
                 <a:latin typeface="Eras Light ITC" panose="020B0402030504020804" pitchFamily="34" charset="0"/>
               </a:rPr>
-              <a:t>Uitleg</a:t>
+              <a:t>technisch</a:t>
             </a:r>
             <a:r>
               <a:rPr lang="en-US" sz="2000" dirty="0" smtClean="0">
@@ -6090,472 +6099,249 @@
               <a:rPr lang="en-US" sz="2000" dirty="0" err="1" smtClean="0">
                 <a:latin typeface="Eras Light ITC" panose="020B0402030504020804" pitchFamily="34" charset="0"/>
               </a:rPr>
-              <a:t>gevonden</a:t>
-            </a:r>
-            <a:r>
-              <a:rPr lang="en-US" sz="2000" dirty="0" smtClean="0">
-                <a:latin typeface="Eras Light ITC" panose="020B0402030504020804" pitchFamily="34" charset="0"/>
-              </a:rPr>
-              <a:t> </a:t>
-            </a:r>
-            <a:r>
-              <a:rPr lang="en-US" sz="2000" dirty="0" smtClean="0">
-                <a:latin typeface="Eras Light ITC" panose="020B0402030504020804" pitchFamily="34" charset="0"/>
-              </a:rPr>
-              <a:t>bugs</a:t>
+              <a:t>gebied</a:t>
             </a:r>
             <a:endParaRPr lang="en-US" sz="2000" dirty="0" smtClean="0">
               <a:latin typeface="Eras Light ITC" panose="020B0402030504020804" pitchFamily="34" charset="0"/>
             </a:endParaRPr>
           </a:p>
           <a:p>
-            <a:r>
-              <a:rPr lang="en-US" sz="2000" dirty="0" err="1" smtClean="0">
-                <a:latin typeface="Eras Light ITC" panose="020B0402030504020804" pitchFamily="34" charset="0"/>
-              </a:rPr>
-              <a:t>Uitgeschreven</a:t>
-            </a:r>
-            <a:r>
-              <a:rPr lang="en-US" sz="2000" dirty="0" smtClean="0">
-                <a:latin typeface="Eras Light ITC" panose="020B0402030504020804" pitchFamily="34" charset="0"/>
-              </a:rPr>
-              <a:t> QA </a:t>
-            </a:r>
-            <a:r>
-              <a:rPr lang="en-US" sz="2000" dirty="0" err="1" smtClean="0">
-                <a:latin typeface="Eras Light ITC" panose="020B0402030504020804" pitchFamily="34" charset="0"/>
-              </a:rPr>
-              <a:t>rapporten</a:t>
-            </a:r>
-            <a:r>
-              <a:rPr lang="en-US" sz="2000" dirty="0" smtClean="0">
+            <a:pPr lvl="1"/>
+            <a:r>
+              <a:rPr lang="en-US" dirty="0" err="1" smtClean="0">
+                <a:latin typeface="Eras Light ITC" panose="020B0402030504020804" pitchFamily="34" charset="0"/>
+              </a:rPr>
+              <a:t>Goed</a:t>
+            </a:r>
+            <a:r>
+              <a:rPr lang="en-US" dirty="0" smtClean="0">
                 <a:latin typeface="Eras Light ITC" panose="020B0402030504020804" pitchFamily="34" charset="0"/>
               </a:rPr>
               <a:t> </a:t>
             </a:r>
             <a:r>
-              <a:rPr lang="en-US" sz="2000" dirty="0" err="1" smtClean="0">
-                <a:latin typeface="Eras Light ITC" panose="020B0402030504020804" pitchFamily="34" charset="0"/>
-              </a:rPr>
-              <a:t>laten</a:t>
-            </a:r>
-            <a:r>
-              <a:rPr lang="en-US" sz="2000" dirty="0" smtClean="0">
-                <a:latin typeface="Eras Light ITC" panose="020B0402030504020804" pitchFamily="34" charset="0"/>
-              </a:rPr>
-              <a:t> </a:t>
-            </a:r>
-            <a:r>
-              <a:rPr lang="en-US" sz="2000" dirty="0" err="1" smtClean="0">
-                <a:latin typeface="Eras Light ITC" panose="020B0402030504020804" pitchFamily="34" charset="0"/>
-              </a:rPr>
-              <a:t>zien</a:t>
-            </a:r>
-            <a:r>
-              <a:rPr lang="en-US" sz="2000" dirty="0" smtClean="0">
-                <a:latin typeface="Eras Light ITC" panose="020B0402030504020804" pitchFamily="34" charset="0"/>
-              </a:rPr>
-              <a:t>***</a:t>
-            </a:r>
-          </a:p>
-          <a:p>
-            <a:r>
-              <a:rPr lang="en-US" sz="2000" dirty="0" smtClean="0">
-                <a:latin typeface="Eras Light ITC" panose="020B0402030504020804" pitchFamily="34" charset="0"/>
-              </a:rPr>
-              <a:t>We </a:t>
-            </a:r>
-            <a:r>
-              <a:rPr lang="en-US" sz="2000" dirty="0" err="1" smtClean="0">
-                <a:latin typeface="Eras Light ITC" panose="020B0402030504020804" pitchFamily="34" charset="0"/>
-              </a:rPr>
-              <a:t>konden</a:t>
-            </a:r>
-            <a:r>
-              <a:rPr lang="en-US" sz="2000" dirty="0" smtClean="0">
-                <a:latin typeface="Eras Light ITC" panose="020B0402030504020804" pitchFamily="34" charset="0"/>
-              </a:rPr>
-              <a:t> </a:t>
-            </a:r>
-            <a:r>
-              <a:rPr lang="en-US" sz="2000" dirty="0" err="1" smtClean="0">
-                <a:latin typeface="Eras Light ITC" panose="020B0402030504020804" pitchFamily="34" charset="0"/>
-              </a:rPr>
-              <a:t>geen</a:t>
-            </a:r>
-            <a:r>
-              <a:rPr lang="en-US" sz="2000" dirty="0" smtClean="0">
-                <a:latin typeface="Eras Light ITC" panose="020B0402030504020804" pitchFamily="34" charset="0"/>
-              </a:rPr>
-              <a:t> QA </a:t>
-            </a:r>
-            <a:r>
-              <a:rPr lang="en-US" sz="2000" dirty="0" err="1" smtClean="0">
-                <a:latin typeface="Eras Light ITC" panose="020B0402030504020804" pitchFamily="34" charset="0"/>
-              </a:rPr>
-              <a:t>maken</a:t>
-            </a:r>
-            <a:r>
-              <a:rPr lang="en-US" sz="2000" dirty="0" smtClean="0">
-                <a:latin typeface="Eras Light ITC" panose="020B0402030504020804" pitchFamily="34" charset="0"/>
-              </a:rPr>
-              <a:t>, </a:t>
-            </a:r>
-            <a:r>
-              <a:rPr lang="en-US" sz="2000" dirty="0" err="1" smtClean="0">
-                <a:latin typeface="Eras Light ITC" panose="020B0402030504020804" pitchFamily="34" charset="0"/>
-              </a:rPr>
-              <a:t>omdat</a:t>
-            </a:r>
-            <a:r>
-              <a:rPr lang="en-US" sz="2000" dirty="0" smtClean="0">
-                <a:latin typeface="Eras Light ITC" panose="020B0402030504020804" pitchFamily="34" charset="0"/>
-              </a:rPr>
-              <a:t> we nog </a:t>
-            </a:r>
-            <a:r>
-              <a:rPr lang="en-US" sz="2000" dirty="0" err="1" smtClean="0">
-                <a:latin typeface="Eras Light ITC" panose="020B0402030504020804" pitchFamily="34" charset="0"/>
-              </a:rPr>
-              <a:t>geen</a:t>
-            </a:r>
-            <a:r>
-              <a:rPr lang="en-US" sz="2000" dirty="0" smtClean="0">
-                <a:latin typeface="Eras Light ITC" panose="020B0402030504020804" pitchFamily="34" charset="0"/>
-              </a:rPr>
-              <a:t> test </a:t>
-            </a:r>
-            <a:r>
-              <a:rPr lang="en-US" sz="2000" dirty="0" err="1" smtClean="0">
-                <a:latin typeface="Eras Light ITC" panose="020B0402030504020804" pitchFamily="34" charset="0"/>
-              </a:rPr>
-              <a:t>ruimte</a:t>
-            </a:r>
-            <a:r>
-              <a:rPr lang="en-US" sz="2000" dirty="0" smtClean="0">
-                <a:latin typeface="Eras Light ITC" panose="020B0402030504020804" pitchFamily="34" charset="0"/>
-              </a:rPr>
-              <a:t> </a:t>
-            </a:r>
-            <a:r>
-              <a:rPr lang="en-US" sz="2000" dirty="0" err="1" smtClean="0">
-                <a:latin typeface="Eras Light ITC" panose="020B0402030504020804" pitchFamily="34" charset="0"/>
-              </a:rPr>
-              <a:t>hebben</a:t>
-            </a:r>
-            <a:r>
-              <a:rPr lang="en-US" sz="2000" dirty="0" smtClean="0">
-                <a:latin typeface="Eras Light ITC" panose="020B0402030504020804" pitchFamily="34" charset="0"/>
-              </a:rPr>
-              <a:t> </a:t>
-            </a:r>
-            <a:r>
-              <a:rPr lang="en-US" sz="2000" dirty="0" err="1" smtClean="0">
-                <a:latin typeface="Eras Light ITC" panose="020B0402030504020804" pitchFamily="34" charset="0"/>
-              </a:rPr>
-              <a:t>gemaakt</a:t>
-            </a:r>
-            <a:r>
-              <a:rPr lang="en-US" sz="2000" dirty="0" smtClean="0">
-                <a:latin typeface="Eras Light ITC" panose="020B0402030504020804" pitchFamily="34" charset="0"/>
-              </a:rPr>
-              <a:t>. </a:t>
-            </a:r>
-            <a:r>
-              <a:rPr lang="en-US" sz="2000" dirty="0" err="1" smtClean="0">
-                <a:latin typeface="Eras Light ITC" panose="020B0402030504020804" pitchFamily="34" charset="0"/>
-              </a:rPr>
-              <a:t>Waarin</a:t>
-            </a:r>
-            <a:r>
-              <a:rPr lang="en-US" sz="2000" dirty="0" smtClean="0">
-                <a:latin typeface="Eras Light ITC" panose="020B0402030504020804" pitchFamily="34" charset="0"/>
-              </a:rPr>
-              <a:t> </a:t>
-            </a:r>
-            <a:r>
-              <a:rPr lang="en-US" sz="2000" dirty="0" err="1" smtClean="0">
-                <a:latin typeface="Eras Light ITC" panose="020B0402030504020804" pitchFamily="34" charset="0"/>
-              </a:rPr>
-              <a:t>wij</a:t>
-            </a:r>
-            <a:r>
-              <a:rPr lang="en-US" sz="2000" dirty="0" smtClean="0">
-                <a:latin typeface="Eras Light ITC" panose="020B0402030504020804" pitchFamily="34" charset="0"/>
-              </a:rPr>
-              <a:t> </a:t>
-            </a:r>
-            <a:r>
-              <a:rPr lang="en-US" sz="2000" dirty="0" err="1" smtClean="0">
-                <a:latin typeface="Eras Light ITC" panose="020B0402030504020804" pitchFamily="34" charset="0"/>
-              </a:rPr>
-              <a:t>onze</a:t>
-            </a:r>
-            <a:r>
-              <a:rPr lang="en-US" sz="2000" dirty="0" smtClean="0">
-                <a:latin typeface="Eras Light ITC" panose="020B0402030504020804" pitchFamily="34" charset="0"/>
-              </a:rPr>
-              <a:t> scripts </a:t>
-            </a:r>
-            <a:r>
-              <a:rPr lang="en-US" sz="2000" dirty="0" err="1" smtClean="0">
-                <a:latin typeface="Eras Light ITC" panose="020B0402030504020804" pitchFamily="34" charset="0"/>
-              </a:rPr>
-              <a:t>en</a:t>
-            </a:r>
-            <a:r>
-              <a:rPr lang="en-US" sz="2000" dirty="0" smtClean="0">
-                <a:latin typeface="Eras Light ITC" panose="020B0402030504020804" pitchFamily="34" charset="0"/>
-              </a:rPr>
-              <a:t> models </a:t>
-            </a:r>
-            <a:r>
-              <a:rPr lang="en-US" sz="2000" dirty="0" err="1" smtClean="0">
-                <a:latin typeface="Eras Light ITC" panose="020B0402030504020804" pitchFamily="34" charset="0"/>
-              </a:rPr>
-              <a:t>samen</a:t>
-            </a:r>
-            <a:r>
-              <a:rPr lang="en-US" sz="2000" dirty="0" smtClean="0">
-                <a:latin typeface="Eras Light ITC" panose="020B0402030504020804" pitchFamily="34" charset="0"/>
-              </a:rPr>
-              <a:t> </a:t>
-            </a:r>
-            <a:r>
-              <a:rPr lang="en-US" sz="2000" dirty="0" err="1" smtClean="0">
-                <a:latin typeface="Eras Light ITC" panose="020B0402030504020804" pitchFamily="34" charset="0"/>
-              </a:rPr>
-              <a:t>konden</a:t>
-            </a:r>
-            <a:r>
-              <a:rPr lang="en-US" sz="2000" dirty="0" smtClean="0">
-                <a:latin typeface="Eras Light ITC" panose="020B0402030504020804" pitchFamily="34" charset="0"/>
-              </a:rPr>
-              <a:t> </a:t>
-            </a:r>
-            <a:r>
-              <a:rPr lang="en-US" sz="2000" dirty="0" err="1" smtClean="0">
-                <a:latin typeface="Eras Light ITC" panose="020B0402030504020804" pitchFamily="34" charset="0"/>
-              </a:rPr>
-              <a:t>brengen</a:t>
-            </a:r>
-            <a:r>
-              <a:rPr lang="en-US" sz="2000" dirty="0" smtClean="0">
-                <a:latin typeface="Eras Light ITC" panose="020B0402030504020804" pitchFamily="34" charset="0"/>
-              </a:rPr>
-              <a:t>. We </a:t>
-            </a:r>
-            <a:r>
-              <a:rPr lang="en-US" sz="2000" dirty="0" err="1" smtClean="0">
-                <a:latin typeface="Eras Light ITC" panose="020B0402030504020804" pitchFamily="34" charset="0"/>
-              </a:rPr>
-              <a:t>beginnen</a:t>
-            </a:r>
-            <a:r>
-              <a:rPr lang="en-US" sz="2000" dirty="0" smtClean="0">
-                <a:latin typeface="Eras Light ITC" panose="020B0402030504020804" pitchFamily="34" charset="0"/>
-              </a:rPr>
-              <a:t> </a:t>
-            </a:r>
-            <a:r>
-              <a:rPr lang="en-US" sz="2000" dirty="0" err="1" smtClean="0">
-                <a:latin typeface="Eras Light ITC" panose="020B0402030504020804" pitchFamily="34" charset="0"/>
-              </a:rPr>
-              <a:t>hiermee</a:t>
-            </a:r>
-            <a:r>
-              <a:rPr lang="en-US" sz="2000" dirty="0" smtClean="0">
-                <a:latin typeface="Eras Light ITC" panose="020B0402030504020804" pitchFamily="34" charset="0"/>
-              </a:rPr>
-              <a:t> </a:t>
-            </a:r>
-            <a:r>
-              <a:rPr lang="en-US" sz="2000" dirty="0" err="1" smtClean="0">
-                <a:latin typeface="Eras Light ITC" panose="020B0402030504020804" pitchFamily="34" charset="0"/>
-              </a:rPr>
-              <a:t>na</a:t>
-            </a:r>
-            <a:r>
-              <a:rPr lang="en-US" sz="2000" dirty="0" smtClean="0">
-                <a:latin typeface="Eras Light ITC" panose="020B0402030504020804" pitchFamily="34" charset="0"/>
-              </a:rPr>
-              <a:t> </a:t>
-            </a:r>
-            <a:r>
-              <a:rPr lang="en-US" sz="2000" dirty="0" err="1" smtClean="0">
-                <a:latin typeface="Eras Light ITC" panose="020B0402030504020804" pitchFamily="34" charset="0"/>
-              </a:rPr>
-              <a:t>deze</a:t>
-            </a:r>
-            <a:r>
-              <a:rPr lang="en-US" sz="2000" dirty="0" smtClean="0">
-                <a:latin typeface="Eras Light ITC" panose="020B0402030504020804" pitchFamily="34" charset="0"/>
-              </a:rPr>
-              <a:t> presentative </a:t>
-            </a:r>
-            <a:r>
-              <a:rPr lang="en-US" sz="2000" dirty="0" err="1" smtClean="0">
-                <a:latin typeface="Eras Light ITC" panose="020B0402030504020804" pitchFamily="34" charset="0"/>
-              </a:rPr>
-              <a:t>wanneer</a:t>
-            </a:r>
-            <a:r>
-              <a:rPr lang="en-US" sz="2000" dirty="0" smtClean="0">
-                <a:latin typeface="Eras Light ITC" panose="020B0402030504020804" pitchFamily="34" charset="0"/>
-              </a:rPr>
-              <a:t> de artist </a:t>
-            </a:r>
-            <a:r>
-              <a:rPr lang="en-US" sz="2000" dirty="0" err="1" smtClean="0">
-                <a:latin typeface="Eras Light ITC" panose="020B0402030504020804" pitchFamily="34" charset="0"/>
-              </a:rPr>
-              <a:t>genoeg</a:t>
-            </a:r>
-            <a:r>
-              <a:rPr lang="en-US" sz="2000" dirty="0" smtClean="0">
-                <a:latin typeface="Eras Light ITC" panose="020B0402030504020804" pitchFamily="34" charset="0"/>
-              </a:rPr>
-              <a:t> packages </a:t>
-            </a:r>
-            <a:r>
-              <a:rPr lang="en-US" sz="2000" dirty="0" err="1" smtClean="0">
-                <a:latin typeface="Eras Light ITC" panose="020B0402030504020804" pitchFamily="34" charset="0"/>
-              </a:rPr>
-              <a:t>hebben</a:t>
-            </a:r>
-            <a:r>
-              <a:rPr lang="en-US" sz="2000" dirty="0" smtClean="0">
-                <a:latin typeface="Eras Light ITC" panose="020B0402030504020804" pitchFamily="34" charset="0"/>
-              </a:rPr>
-              <a:t> </a:t>
-            </a:r>
-            <a:r>
-              <a:rPr lang="en-US" sz="2000" dirty="0" err="1" smtClean="0">
-                <a:latin typeface="Eras Light ITC" panose="020B0402030504020804" pitchFamily="34" charset="0"/>
-              </a:rPr>
-              <a:t>gemaakt</a:t>
-            </a:r>
-            <a:r>
-              <a:rPr lang="en-US" sz="2000" dirty="0" smtClean="0">
-                <a:latin typeface="Eras Light ITC" panose="020B0402030504020804" pitchFamily="34" charset="0"/>
-              </a:rPr>
-              <a:t>. </a:t>
-            </a:r>
-            <a:r>
-              <a:rPr lang="en-US" sz="2000" dirty="0" err="1" smtClean="0">
-                <a:latin typeface="Eras Light ITC" panose="020B0402030504020804" pitchFamily="34" charset="0"/>
-              </a:rPr>
-              <a:t>En</a:t>
-            </a:r>
-            <a:r>
-              <a:rPr lang="en-US" sz="2000" dirty="0" smtClean="0">
-                <a:latin typeface="Eras Light ITC" panose="020B0402030504020804" pitchFamily="34" charset="0"/>
-              </a:rPr>
-              <a:t> de </a:t>
-            </a:r>
-            <a:r>
-              <a:rPr lang="en-US" sz="2000" dirty="0" err="1" smtClean="0">
-                <a:latin typeface="Eras Light ITC" panose="020B0402030504020804" pitchFamily="34" charset="0"/>
-              </a:rPr>
-              <a:t>programmeurs</a:t>
-            </a:r>
-            <a:r>
-              <a:rPr lang="en-US" sz="2000" dirty="0" smtClean="0">
-                <a:latin typeface="Eras Light ITC" panose="020B0402030504020804" pitchFamily="34" charset="0"/>
-              </a:rPr>
-              <a:t> al </a:t>
-            </a:r>
-            <a:r>
-              <a:rPr lang="en-US" sz="2000" dirty="0" err="1" smtClean="0">
-                <a:latin typeface="Eras Light ITC" panose="020B0402030504020804" pitchFamily="34" charset="0"/>
-              </a:rPr>
-              <a:t>een</a:t>
-            </a:r>
-            <a:r>
-              <a:rPr lang="en-US" sz="2000" dirty="0" smtClean="0">
-                <a:latin typeface="Eras Light ITC" panose="020B0402030504020804" pitchFamily="34" charset="0"/>
-              </a:rPr>
-              <a:t> </a:t>
-            </a:r>
-            <a:r>
-              <a:rPr lang="en-US" sz="2000" dirty="0" err="1" smtClean="0">
-                <a:latin typeface="Eras Light ITC" panose="020B0402030504020804" pitchFamily="34" charset="0"/>
-              </a:rPr>
-              <a:t>aantal</a:t>
-            </a:r>
-            <a:r>
-              <a:rPr lang="en-US" sz="2000" dirty="0" smtClean="0">
-                <a:latin typeface="Eras Light ITC" panose="020B0402030504020804" pitchFamily="34" charset="0"/>
-              </a:rPr>
-              <a:t> A.I. scripts </a:t>
-            </a:r>
-            <a:r>
-              <a:rPr lang="en-US" sz="2000" dirty="0" err="1" smtClean="0">
-                <a:latin typeface="Eras Light ITC" panose="020B0402030504020804" pitchFamily="34" charset="0"/>
-              </a:rPr>
-              <a:t>hebben</a:t>
-            </a:r>
-            <a:r>
-              <a:rPr lang="en-US" sz="2000" dirty="0" smtClean="0">
-                <a:latin typeface="Eras Light ITC" panose="020B0402030504020804" pitchFamily="34" charset="0"/>
-              </a:rPr>
-              <a:t> </a:t>
-            </a:r>
-            <a:r>
-              <a:rPr lang="en-US" sz="2000" dirty="0" err="1" smtClean="0">
-                <a:latin typeface="Eras Light ITC" panose="020B0402030504020804" pitchFamily="34" charset="0"/>
-              </a:rPr>
-              <a:t>toegevoegd</a:t>
-            </a:r>
-            <a:r>
-              <a:rPr lang="en-US" sz="2000" dirty="0" smtClean="0">
-                <a:latin typeface="Eras Light ITC" panose="020B0402030504020804" pitchFamily="34" charset="0"/>
-              </a:rPr>
-              <a:t>. </a:t>
-            </a:r>
-          </a:p>
-          <a:p>
-            <a:r>
-              <a:rPr lang="en-US" sz="2000" dirty="0" err="1" smtClean="0">
-                <a:latin typeface="Eras Light ITC" panose="020B0402030504020804" pitchFamily="34" charset="0"/>
-              </a:rPr>
-              <a:t>Voorbeeld</a:t>
-            </a:r>
-            <a:r>
-              <a:rPr lang="en-US" sz="2000" dirty="0" smtClean="0">
-                <a:latin typeface="Eras Light ITC" panose="020B0402030504020804" pitchFamily="34" charset="0"/>
-              </a:rPr>
-              <a:t> van </a:t>
-            </a:r>
-            <a:r>
-              <a:rPr lang="en-US" sz="2000" dirty="0" err="1" smtClean="0">
-                <a:latin typeface="Eras Light ITC" panose="020B0402030504020804" pitchFamily="34" charset="0"/>
-              </a:rPr>
-              <a:t>een</a:t>
-            </a:r>
-            <a:r>
-              <a:rPr lang="en-US" sz="2000" dirty="0" smtClean="0">
-                <a:latin typeface="Eras Light ITC" panose="020B0402030504020804" pitchFamily="34" charset="0"/>
-              </a:rPr>
-              <a:t> </a:t>
-            </a:r>
-            <a:r>
-              <a:rPr lang="en-US" sz="2000" dirty="0" err="1" smtClean="0">
-                <a:latin typeface="Eras Light ITC" panose="020B0402030504020804" pitchFamily="34" charset="0"/>
-              </a:rPr>
-              <a:t>lege</a:t>
-            </a:r>
-            <a:r>
-              <a:rPr lang="en-US" sz="2000" dirty="0" smtClean="0">
-                <a:latin typeface="Eras Light ITC" panose="020B0402030504020804" pitchFamily="34" charset="0"/>
-              </a:rPr>
-              <a:t> QA rapport.</a:t>
-            </a:r>
-            <a:endParaRPr lang="en-US" sz="2000" dirty="0">
+              <a:rPr lang="en-US" dirty="0" err="1" smtClean="0">
+                <a:latin typeface="Eras Light ITC" panose="020B0402030504020804" pitchFamily="34" charset="0"/>
+              </a:rPr>
+              <a:t>opweg</a:t>
+            </a:r>
+            <a:endParaRPr lang="en-US" dirty="0" smtClean="0">
               <a:latin typeface="Eras Light ITC" panose="020B0402030504020804" pitchFamily="34" charset="0"/>
             </a:endParaRPr>
           </a:p>
           <a:p>
+            <a:pPr lvl="1"/>
+            <a:r>
+              <a:rPr lang="en-US" dirty="0" err="1" smtClean="0">
+                <a:latin typeface="Eras Light ITC" panose="020B0402030504020804" pitchFamily="34" charset="0"/>
+              </a:rPr>
+              <a:t>Weinig</a:t>
+            </a:r>
+            <a:r>
+              <a:rPr lang="en-US" dirty="0" smtClean="0">
+                <a:latin typeface="Eras Light ITC" panose="020B0402030504020804" pitchFamily="34" charset="0"/>
+              </a:rPr>
+              <a:t> </a:t>
+            </a:r>
+            <a:r>
+              <a:rPr lang="en-US" dirty="0" err="1" smtClean="0">
+                <a:latin typeface="Eras Light ITC" panose="020B0402030504020804" pitchFamily="34" charset="0"/>
+              </a:rPr>
+              <a:t>problemen</a:t>
+            </a:r>
+            <a:endParaRPr lang="en-US" dirty="0" smtClean="0">
+              <a:latin typeface="Eras Light ITC" panose="020B0402030504020804" pitchFamily="34" charset="0"/>
+            </a:endParaRPr>
+          </a:p>
+          <a:p>
+            <a:r>
+              <a:rPr lang="en-US" sz="2000" dirty="0" err="1" smtClean="0">
+                <a:latin typeface="Eras Light ITC" panose="020B0402030504020804" pitchFamily="34" charset="0"/>
+              </a:rPr>
+              <a:t>Uitleg</a:t>
+            </a:r>
+            <a:r>
+              <a:rPr lang="en-US" sz="2000" dirty="0" smtClean="0">
+                <a:latin typeface="Eras Light ITC" panose="020B0402030504020804" pitchFamily="34" charset="0"/>
+              </a:rPr>
+              <a:t> AI system</a:t>
+            </a:r>
+          </a:p>
+          <a:p>
+            <a:pPr lvl="1"/>
+            <a:r>
+              <a:rPr lang="en-US" dirty="0" smtClean="0">
+                <a:latin typeface="Eras Light ITC" panose="020B0402030504020804" pitchFamily="34" charset="0"/>
+              </a:rPr>
+              <a:t>Moet </a:t>
+            </a:r>
+            <a:r>
+              <a:rPr lang="en-US" dirty="0" err="1" smtClean="0">
+                <a:latin typeface="Eras Light ITC" panose="020B0402030504020804" pitchFamily="34" charset="0"/>
+              </a:rPr>
+              <a:t>gemaakt</a:t>
+            </a:r>
+            <a:r>
+              <a:rPr lang="en-US" dirty="0" smtClean="0">
+                <a:latin typeface="Eras Light ITC" panose="020B0402030504020804" pitchFamily="34" charset="0"/>
+              </a:rPr>
+              <a:t> </a:t>
+            </a:r>
+            <a:r>
+              <a:rPr lang="en-US" dirty="0" err="1" smtClean="0">
+                <a:latin typeface="Eras Light ITC" panose="020B0402030504020804" pitchFamily="34" charset="0"/>
+              </a:rPr>
+              <a:t>worden</a:t>
+            </a:r>
+            <a:endParaRPr lang="en-US" dirty="0" smtClean="0">
+              <a:latin typeface="Eras Light ITC" panose="020B0402030504020804" pitchFamily="34" charset="0"/>
+            </a:endParaRPr>
+          </a:p>
+          <a:p>
+            <a:pPr lvl="1"/>
+            <a:r>
+              <a:rPr lang="en-US" dirty="0" err="1" smtClean="0">
+                <a:latin typeface="Eras Light ITC" panose="020B0402030504020804" pitchFamily="34" charset="0"/>
+              </a:rPr>
+              <a:t>helft</a:t>
+            </a:r>
+            <a:r>
+              <a:rPr lang="en-US" dirty="0" smtClean="0">
+                <a:latin typeface="Eras Light ITC" panose="020B0402030504020804" pitchFamily="34" charset="0"/>
+              </a:rPr>
+              <a:t> </a:t>
+            </a:r>
+            <a:r>
+              <a:rPr lang="en-US" dirty="0" err="1" smtClean="0">
+                <a:latin typeface="Eras Light ITC" panose="020B0402030504020804" pitchFamily="34" charset="0"/>
+              </a:rPr>
+              <a:t>wordt</a:t>
+            </a:r>
+            <a:r>
+              <a:rPr lang="en-US" dirty="0" smtClean="0">
+                <a:latin typeface="Eras Light ITC" panose="020B0402030504020804" pitchFamily="34" charset="0"/>
+              </a:rPr>
+              <a:t> </a:t>
+            </a:r>
+            <a:r>
+              <a:rPr lang="en-US" dirty="0" err="1" smtClean="0">
+                <a:latin typeface="Eras Light ITC" panose="020B0402030504020804" pitchFamily="34" charset="0"/>
+              </a:rPr>
+              <a:t>stilstaand</a:t>
+            </a:r>
+            <a:endParaRPr lang="en-US" dirty="0" smtClean="0">
+              <a:latin typeface="Eras Light ITC" panose="020B0402030504020804" pitchFamily="34" charset="0"/>
+            </a:endParaRPr>
+          </a:p>
+          <a:p>
+            <a:pPr lvl="1"/>
+            <a:r>
+              <a:rPr lang="en-US" dirty="0" smtClean="0">
+                <a:latin typeface="Eras Light ITC" panose="020B0402030504020804" pitchFamily="34" charset="0"/>
+              </a:rPr>
+              <a:t>A</a:t>
+            </a:r>
+            <a:r>
+              <a:rPr lang="en-US" dirty="0" smtClean="0">
+                <a:latin typeface="Eras Light ITC" panose="020B0402030504020804" pitchFamily="34" charset="0"/>
+              </a:rPr>
+              <a:t>* </a:t>
+            </a:r>
+            <a:r>
+              <a:rPr lang="en-US" dirty="0" smtClean="0">
+                <a:latin typeface="Eras Light ITC" panose="020B0402030504020804" pitchFamily="34" charset="0"/>
+              </a:rPr>
+              <a:t>pathfinding</a:t>
+            </a:r>
+            <a:endParaRPr lang="en-US" dirty="0" smtClean="0">
+              <a:latin typeface="Eras Light ITC" panose="020B0402030504020804" pitchFamily="34" charset="0"/>
+            </a:endParaRPr>
+          </a:p>
+          <a:p>
+            <a:r>
+              <a:rPr lang="en-US" sz="2000" dirty="0" err="1" smtClean="0">
+                <a:latin typeface="Eras Light ITC" panose="020B0402030504020804" pitchFamily="34" charset="0"/>
+              </a:rPr>
+              <a:t>Uitleg</a:t>
+            </a:r>
+            <a:r>
+              <a:rPr lang="en-US" sz="2000" dirty="0" smtClean="0">
+                <a:latin typeface="Eras Light ITC" panose="020B0402030504020804" pitchFamily="34" charset="0"/>
+              </a:rPr>
+              <a:t> combat system</a:t>
+            </a:r>
+          </a:p>
+          <a:p>
+            <a:pPr lvl="1"/>
+            <a:r>
+              <a:rPr lang="en-US" dirty="0" smtClean="0">
+                <a:latin typeface="Eras Light ITC" panose="020B0402030504020804" pitchFamily="34" charset="0"/>
+              </a:rPr>
+              <a:t>FPS </a:t>
+            </a:r>
+            <a:r>
+              <a:rPr lang="en-US" dirty="0" err="1" smtClean="0">
+                <a:latin typeface="Eras Light ITC" panose="020B0402030504020804" pitchFamily="34" charset="0"/>
+              </a:rPr>
+              <a:t>gebaseerd</a:t>
+            </a:r>
+            <a:endParaRPr lang="en-US" dirty="0">
+              <a:latin typeface="Eras Light ITC" panose="020B0402030504020804" pitchFamily="34" charset="0"/>
+            </a:endParaRPr>
+          </a:p>
+          <a:p>
+            <a:pPr lvl="1"/>
+            <a:r>
+              <a:rPr lang="en-US" dirty="0" err="1" smtClean="0">
+                <a:latin typeface="Eras Light ITC" panose="020B0402030504020804" pitchFamily="34" charset="0"/>
+              </a:rPr>
+              <a:t>Switchen</a:t>
+            </a:r>
+            <a:r>
+              <a:rPr lang="en-US" dirty="0" smtClean="0">
+                <a:latin typeface="Eras Light ITC" panose="020B0402030504020804" pitchFamily="34" charset="0"/>
+              </a:rPr>
+              <a:t> van ammo</a:t>
+            </a:r>
+            <a:endParaRPr lang="en-US" dirty="0" smtClean="0">
+              <a:latin typeface="Eras Light ITC" panose="020B0402030504020804" pitchFamily="34" charset="0"/>
+            </a:endParaRPr>
+          </a:p>
+          <a:p>
+            <a:pPr lvl="1"/>
+            <a:r>
+              <a:rPr lang="en-US" dirty="0" smtClean="0">
+                <a:latin typeface="Eras Light ITC" panose="020B0402030504020804" pitchFamily="34" charset="0"/>
+              </a:rPr>
+              <a:t>Melee </a:t>
+            </a:r>
+            <a:r>
+              <a:rPr lang="en-US" dirty="0" smtClean="0">
+                <a:latin typeface="Eras Light ITC" panose="020B0402030504020804" pitchFamily="34" charset="0"/>
+              </a:rPr>
+              <a:t>only </a:t>
+            </a:r>
+            <a:r>
+              <a:rPr lang="en-US" dirty="0" err="1" smtClean="0">
+                <a:latin typeface="Eras Light ITC" panose="020B0402030504020804" pitchFamily="34" charset="0"/>
+              </a:rPr>
+              <a:t>optie</a:t>
+            </a:r>
+            <a:r>
+              <a:rPr lang="en-US" dirty="0" smtClean="0">
+                <a:latin typeface="Eras Light ITC" panose="020B0402030504020804" pitchFamily="34" charset="0"/>
+              </a:rPr>
+              <a:t>.</a:t>
+            </a:r>
+          </a:p>
+          <a:p>
+            <a:pPr lvl="1"/>
+            <a:r>
+              <a:rPr lang="en-US" dirty="0" smtClean="0">
+                <a:latin typeface="Eras Light ITC" panose="020B0402030504020804" pitchFamily="34" charset="0"/>
+              </a:rPr>
+              <a:t>Stimulation pack</a:t>
+            </a:r>
             <a:endParaRPr lang="nl-NL" sz="2000" dirty="0" smtClean="0">
               <a:latin typeface="Eras Light ITC" panose="020B0402030504020804" pitchFamily="34" charset="0"/>
             </a:endParaRPr>
@@ -6822,7 +6608,7 @@
     </p:spTree>
     <p:extLst>
       <p:ext uri="{BB962C8B-B14F-4D97-AF65-F5344CB8AC3E}">
-        <p14:creationId xmlns:p14="http://schemas.microsoft.com/office/powerpoint/2010/main" val="928330923"/>
+        <p14:creationId xmlns:p14="http://schemas.microsoft.com/office/powerpoint/2010/main" val="2186174452"/>
       </p:ext>
     </p:extLst>
   </p:cSld>
@@ -6881,500 +6667,9 @@
               <a:rPr lang="nl-NL" sz="6600" dirty="0" smtClean="0">
                 <a:latin typeface="Eras Light ITC" panose="020B0402030504020804" pitchFamily="34" charset="0"/>
               </a:rPr>
-              <a:t>Development(</a:t>
-            </a:r>
-            <a:r>
-              <a:rPr lang="nl-NL" sz="6600" dirty="0" err="1" smtClean="0">
-                <a:latin typeface="Eras Light ITC" panose="020B0402030504020804" pitchFamily="34" charset="0"/>
-              </a:rPr>
-              <a:t>mack</a:t>
-            </a:r>
-            <a:r>
-              <a:rPr lang="nl-NL" sz="6600" dirty="0" smtClean="0">
-                <a:latin typeface="Eras Light ITC" panose="020B0402030504020804" pitchFamily="34" charset="0"/>
-              </a:rPr>
-              <a:t>)</a:t>
+              <a:t>Aanwezig</a:t>
             </a:r>
             <a:endParaRPr lang="nl-NL" sz="6600" dirty="0">
-              <a:latin typeface="Eras Light ITC" panose="020B0402030504020804" pitchFamily="34" charset="0"/>
-            </a:endParaRPr>
-          </a:p>
-        </p:txBody>
-      </p:sp>
-      <p:sp>
-        <p:nvSpPr>
-          <p:cNvPr id="3" name="Tijdelijke aanduiding voor inhoud 2"/>
-          <p:cNvSpPr>
-            <a:spLocks noGrp="1"/>
-          </p:cNvSpPr>
-          <p:nvPr>
-            <p:ph idx="1"/>
-          </p:nvPr>
-        </p:nvSpPr>
-        <p:spPr>
-          <a:xfrm>
-            <a:off x="400665" y="1661652"/>
-            <a:ext cx="6039464" cy="5358579"/>
-          </a:xfrm>
-        </p:spPr>
-        <p:txBody>
-          <a:bodyPr>
-            <a:normAutofit/>
-          </a:bodyPr>
-          <a:lstStyle/>
-          <a:p>
-            <a:r>
-              <a:rPr lang="en-US" sz="2000" dirty="0" smtClean="0">
-                <a:latin typeface="Eras Light ITC" panose="020B0402030504020804" pitchFamily="34" charset="0"/>
-              </a:rPr>
-              <a:t>Status game op </a:t>
-            </a:r>
-            <a:r>
-              <a:rPr lang="en-US" sz="2000" dirty="0" err="1" smtClean="0">
-                <a:latin typeface="Eras Light ITC" panose="020B0402030504020804" pitchFamily="34" charset="0"/>
-              </a:rPr>
-              <a:t>technisch</a:t>
-            </a:r>
-            <a:r>
-              <a:rPr lang="en-US" sz="2000" dirty="0" smtClean="0">
-                <a:latin typeface="Eras Light ITC" panose="020B0402030504020804" pitchFamily="34" charset="0"/>
-              </a:rPr>
-              <a:t> </a:t>
-            </a:r>
-            <a:r>
-              <a:rPr lang="en-US" sz="2000" dirty="0" err="1" smtClean="0">
-                <a:latin typeface="Eras Light ITC" panose="020B0402030504020804" pitchFamily="34" charset="0"/>
-              </a:rPr>
-              <a:t>gebied</a:t>
-            </a:r>
-            <a:r>
-              <a:rPr lang="en-US" sz="2000" dirty="0" smtClean="0">
-                <a:latin typeface="Eras Light ITC" panose="020B0402030504020804" pitchFamily="34" charset="0"/>
-              </a:rPr>
-              <a:t>***</a:t>
-            </a:r>
-          </a:p>
-          <a:p>
-            <a:pPr lvl="1"/>
-            <a:r>
-              <a:rPr lang="en-US" dirty="0" smtClean="0">
-                <a:latin typeface="Eras Light ITC" panose="020B0402030504020804" pitchFamily="34" charset="0"/>
-              </a:rPr>
-              <a:t>De basis </a:t>
-            </a:r>
-            <a:r>
-              <a:rPr lang="en-US" dirty="0" err="1" smtClean="0">
-                <a:latin typeface="Eras Light ITC" panose="020B0402030504020804" pitchFamily="34" charset="0"/>
-              </a:rPr>
-              <a:t>functies</a:t>
-            </a:r>
-            <a:r>
-              <a:rPr lang="en-US" dirty="0" smtClean="0">
-                <a:latin typeface="Eras Light ITC" panose="020B0402030504020804" pitchFamily="34" charset="0"/>
-              </a:rPr>
-              <a:t> van de genre</a:t>
-            </a:r>
-          </a:p>
-          <a:p>
-            <a:pPr lvl="1"/>
-            <a:r>
-              <a:rPr lang="en-US" dirty="0" smtClean="0">
-                <a:latin typeface="Eras Light ITC" panose="020B0402030504020804" pitchFamily="34" charset="0"/>
-              </a:rPr>
-              <a:t>We </a:t>
-            </a:r>
-            <a:r>
-              <a:rPr lang="en-US" dirty="0" err="1" smtClean="0">
-                <a:latin typeface="Eras Light ITC" panose="020B0402030504020804" pitchFamily="34" charset="0"/>
-              </a:rPr>
-              <a:t>moeten</a:t>
-            </a:r>
-            <a:r>
-              <a:rPr lang="en-US" dirty="0" smtClean="0">
-                <a:latin typeface="Eras Light ITC" panose="020B0402030504020804" pitchFamily="34" charset="0"/>
-              </a:rPr>
-              <a:t> nog </a:t>
-            </a:r>
-            <a:r>
-              <a:rPr lang="en-US" dirty="0" err="1" smtClean="0">
-                <a:latin typeface="Eras Light ITC" panose="020B0402030504020804" pitchFamily="34" charset="0"/>
-              </a:rPr>
-              <a:t>beginnen</a:t>
-            </a:r>
-            <a:r>
-              <a:rPr lang="en-US" dirty="0" smtClean="0">
-                <a:latin typeface="Eras Light ITC" panose="020B0402030504020804" pitchFamily="34" charset="0"/>
-              </a:rPr>
-              <a:t> met de </a:t>
-            </a:r>
-            <a:r>
-              <a:rPr lang="en-US" dirty="0" err="1" smtClean="0">
-                <a:latin typeface="Eras Light ITC" panose="020B0402030504020804" pitchFamily="34" charset="0"/>
-              </a:rPr>
-              <a:t>algemene</a:t>
-            </a:r>
-            <a:r>
-              <a:rPr lang="en-US" dirty="0" smtClean="0">
-                <a:latin typeface="Eras Light ITC" panose="020B0402030504020804" pitchFamily="34" charset="0"/>
-              </a:rPr>
-              <a:t> A,I,s</a:t>
-            </a:r>
-          </a:p>
-          <a:p>
-            <a:pPr lvl="1"/>
-            <a:r>
-              <a:rPr lang="en-US" dirty="0" smtClean="0">
-                <a:latin typeface="Eras Light ITC" panose="020B0402030504020804" pitchFamily="34" charset="0"/>
-              </a:rPr>
-              <a:t>Wat </a:t>
-            </a:r>
-            <a:r>
-              <a:rPr lang="en-US" dirty="0" err="1" smtClean="0">
-                <a:latin typeface="Eras Light ITC" panose="020B0402030504020804" pitchFamily="34" charset="0"/>
-              </a:rPr>
-              <a:t>kleine</a:t>
-            </a:r>
-            <a:r>
-              <a:rPr lang="en-US" dirty="0" smtClean="0">
-                <a:latin typeface="Eras Light ITC" panose="020B0402030504020804" pitchFamily="34" charset="0"/>
-              </a:rPr>
-              <a:t> </a:t>
-            </a:r>
-            <a:r>
-              <a:rPr lang="en-US" dirty="0" err="1" smtClean="0">
-                <a:latin typeface="Eras Light ITC" panose="020B0402030504020804" pitchFamily="34" charset="0"/>
-              </a:rPr>
-              <a:t>aanpassingen</a:t>
-            </a:r>
-            <a:endParaRPr lang="en-US" dirty="0" smtClean="0">
-              <a:latin typeface="Eras Light ITC" panose="020B0402030504020804" pitchFamily="34" charset="0"/>
-            </a:endParaRPr>
-          </a:p>
-          <a:p>
-            <a:r>
-              <a:rPr lang="en-US" sz="2000" dirty="0" err="1" smtClean="0">
-                <a:latin typeface="Eras Light ITC" panose="020B0402030504020804" pitchFamily="34" charset="0"/>
-              </a:rPr>
-              <a:t>Uitleg</a:t>
-            </a:r>
-            <a:r>
-              <a:rPr lang="en-US" sz="2000" dirty="0" smtClean="0">
-                <a:latin typeface="Eras Light ITC" panose="020B0402030504020804" pitchFamily="34" charset="0"/>
-              </a:rPr>
-              <a:t> AI </a:t>
-            </a:r>
-            <a:r>
-              <a:rPr lang="en-US" sz="2000" dirty="0" smtClean="0">
-                <a:latin typeface="Eras Light ITC" panose="020B0402030504020804" pitchFamily="34" charset="0"/>
-              </a:rPr>
-              <a:t>system</a:t>
-            </a:r>
-          </a:p>
-          <a:p>
-            <a:pPr lvl="1"/>
-            <a:r>
-              <a:rPr lang="en-US" dirty="0" smtClean="0">
-                <a:latin typeface="Eras Light ITC" panose="020B0402030504020804" pitchFamily="34" charset="0"/>
-              </a:rPr>
-              <a:t>Moet nog </a:t>
-            </a:r>
-            <a:r>
-              <a:rPr lang="en-US" dirty="0" err="1" smtClean="0">
-                <a:latin typeface="Eras Light ITC" panose="020B0402030504020804" pitchFamily="34" charset="0"/>
-              </a:rPr>
-              <a:t>gemaakt</a:t>
-            </a:r>
-            <a:r>
-              <a:rPr lang="en-US" dirty="0" smtClean="0">
-                <a:latin typeface="Eras Light ITC" panose="020B0402030504020804" pitchFamily="34" charset="0"/>
-              </a:rPr>
-              <a:t> </a:t>
-            </a:r>
-            <a:r>
-              <a:rPr lang="en-US" dirty="0" err="1" smtClean="0">
-                <a:latin typeface="Eras Light ITC" panose="020B0402030504020804" pitchFamily="34" charset="0"/>
-              </a:rPr>
-              <a:t>worden</a:t>
-            </a:r>
-            <a:endParaRPr lang="en-US" dirty="0" smtClean="0">
-              <a:latin typeface="Eras Light ITC" panose="020B0402030504020804" pitchFamily="34" charset="0"/>
-            </a:endParaRPr>
-          </a:p>
-          <a:p>
-            <a:pPr lvl="1"/>
-            <a:r>
-              <a:rPr lang="en-US" dirty="0" smtClean="0">
-                <a:latin typeface="Eras Light ITC" panose="020B0402030504020804" pitchFamily="34" charset="0"/>
-              </a:rPr>
-              <a:t>Meer </a:t>
-            </a:r>
-            <a:r>
-              <a:rPr lang="en-US" dirty="0" err="1" smtClean="0">
-                <a:latin typeface="Eras Light ITC" panose="020B0402030504020804" pitchFamily="34" charset="0"/>
-              </a:rPr>
-              <a:t>dan</a:t>
-            </a:r>
-            <a:r>
-              <a:rPr lang="en-US" dirty="0" smtClean="0">
-                <a:latin typeface="Eras Light ITC" panose="020B0402030504020804" pitchFamily="34" charset="0"/>
-              </a:rPr>
-              <a:t> de </a:t>
-            </a:r>
-            <a:r>
-              <a:rPr lang="en-US" dirty="0" err="1" smtClean="0">
-                <a:latin typeface="Eras Light ITC" panose="020B0402030504020804" pitchFamily="34" charset="0"/>
-              </a:rPr>
-              <a:t>helft</a:t>
-            </a:r>
-            <a:r>
-              <a:rPr lang="en-US" dirty="0" smtClean="0">
-                <a:latin typeface="Eras Light ITC" panose="020B0402030504020804" pitchFamily="34" charset="0"/>
-              </a:rPr>
-              <a:t> </a:t>
-            </a:r>
-            <a:r>
-              <a:rPr lang="en-US" dirty="0" err="1" smtClean="0">
-                <a:latin typeface="Eras Light ITC" panose="020B0402030504020804" pitchFamily="34" charset="0"/>
-              </a:rPr>
-              <a:t>worden</a:t>
-            </a:r>
-            <a:r>
-              <a:rPr lang="en-US" dirty="0" smtClean="0">
-                <a:latin typeface="Eras Light ITC" panose="020B0402030504020804" pitchFamily="34" charset="0"/>
-              </a:rPr>
-              <a:t> </a:t>
-            </a:r>
-            <a:r>
-              <a:rPr lang="en-US" dirty="0" err="1" smtClean="0">
-                <a:latin typeface="Eras Light ITC" panose="020B0402030504020804" pitchFamily="34" charset="0"/>
-              </a:rPr>
-              <a:t>stilstaand</a:t>
-            </a:r>
-            <a:endParaRPr lang="en-US" dirty="0">
-              <a:latin typeface="Eras Light ITC" panose="020B0402030504020804" pitchFamily="34" charset="0"/>
-            </a:endParaRPr>
-          </a:p>
-          <a:p>
-            <a:pPr lvl="1"/>
-            <a:r>
-              <a:rPr lang="en-US" dirty="0" smtClean="0">
-                <a:latin typeface="Eras Light ITC" panose="020B0402030504020804" pitchFamily="34" charset="0"/>
-              </a:rPr>
-              <a:t>We </a:t>
-            </a:r>
-            <a:r>
-              <a:rPr lang="en-US" dirty="0" err="1" smtClean="0">
-                <a:latin typeface="Eras Light ITC" panose="020B0402030504020804" pitchFamily="34" charset="0"/>
-              </a:rPr>
-              <a:t>gaan</a:t>
-            </a:r>
-            <a:r>
-              <a:rPr lang="en-US" dirty="0" smtClean="0">
-                <a:latin typeface="Eras Light ITC" panose="020B0402030504020804" pitchFamily="34" charset="0"/>
-              </a:rPr>
-              <a:t> A* pathfinding </a:t>
-            </a:r>
-            <a:r>
-              <a:rPr lang="en-US" dirty="0" err="1" smtClean="0">
-                <a:latin typeface="Eras Light ITC" panose="020B0402030504020804" pitchFamily="34" charset="0"/>
-              </a:rPr>
-              <a:t>gebruiken</a:t>
-            </a:r>
-            <a:endParaRPr lang="en-US" dirty="0" smtClean="0">
-              <a:latin typeface="Eras Light ITC" panose="020B0402030504020804" pitchFamily="34" charset="0"/>
-            </a:endParaRPr>
-          </a:p>
-          <a:p>
-            <a:r>
-              <a:rPr lang="en-US" sz="2000" dirty="0" err="1" smtClean="0">
-                <a:latin typeface="Eras Light ITC" panose="020B0402030504020804" pitchFamily="34" charset="0"/>
-              </a:rPr>
-              <a:t>Uitleg</a:t>
-            </a:r>
-            <a:r>
-              <a:rPr lang="en-US" sz="2000" dirty="0" smtClean="0">
-                <a:latin typeface="Eras Light ITC" panose="020B0402030504020804" pitchFamily="34" charset="0"/>
-              </a:rPr>
-              <a:t> combat </a:t>
-            </a:r>
-            <a:r>
-              <a:rPr lang="en-US" sz="2000" dirty="0" smtClean="0">
-                <a:latin typeface="Eras Light ITC" panose="020B0402030504020804" pitchFamily="34" charset="0"/>
-              </a:rPr>
-              <a:t>system</a:t>
-            </a:r>
-          </a:p>
-          <a:p>
-            <a:pPr lvl="1"/>
-            <a:r>
-              <a:rPr lang="en-US" dirty="0" smtClean="0">
-                <a:latin typeface="Eras Light ITC" panose="020B0402030504020804" pitchFamily="34" charset="0"/>
-              </a:rPr>
-              <a:t>Is best normal </a:t>
-            </a:r>
-            <a:r>
-              <a:rPr lang="en-US" dirty="0" err="1" smtClean="0">
-                <a:latin typeface="Eras Light ITC" panose="020B0402030504020804" pitchFamily="34" charset="0"/>
-              </a:rPr>
-              <a:t>voor</a:t>
-            </a:r>
-            <a:r>
-              <a:rPr lang="en-US" dirty="0" smtClean="0">
-                <a:latin typeface="Eras Light ITC" panose="020B0402030504020804" pitchFamily="34" charset="0"/>
-              </a:rPr>
-              <a:t> </a:t>
-            </a:r>
-            <a:r>
-              <a:rPr lang="en-US" dirty="0" err="1" smtClean="0">
-                <a:latin typeface="Eras Light ITC" panose="020B0402030504020804" pitchFamily="34" charset="0"/>
-              </a:rPr>
-              <a:t>een</a:t>
-            </a:r>
-            <a:r>
-              <a:rPr lang="en-US" dirty="0" smtClean="0">
-                <a:latin typeface="Eras Light ITC" panose="020B0402030504020804" pitchFamily="34" charset="0"/>
-              </a:rPr>
-              <a:t> fps</a:t>
-            </a:r>
-          </a:p>
-          <a:p>
-            <a:pPr lvl="1"/>
-            <a:r>
-              <a:rPr lang="en-US" dirty="0" smtClean="0">
-                <a:latin typeface="Eras Light ITC" panose="020B0402030504020804" pitchFamily="34" charset="0"/>
-              </a:rPr>
-              <a:t>We </a:t>
-            </a:r>
-            <a:r>
-              <a:rPr lang="en-US" dirty="0" err="1" smtClean="0">
-                <a:latin typeface="Eras Light ITC" panose="020B0402030504020804" pitchFamily="34" charset="0"/>
-              </a:rPr>
-              <a:t>gebruiken</a:t>
-            </a:r>
-            <a:r>
-              <a:rPr lang="en-US" dirty="0" smtClean="0">
-                <a:latin typeface="Eras Light ITC" panose="020B0402030504020804" pitchFamily="34" charset="0"/>
-              </a:rPr>
-              <a:t> </a:t>
-            </a:r>
-            <a:r>
-              <a:rPr lang="en-US" dirty="0" err="1" smtClean="0">
-                <a:latin typeface="Eras Light ITC" panose="020B0402030504020804" pitchFamily="34" charset="0"/>
-              </a:rPr>
-              <a:t>meerdere</a:t>
-            </a:r>
-            <a:r>
-              <a:rPr lang="en-US" dirty="0" smtClean="0">
-                <a:latin typeface="Eras Light ITC" panose="020B0402030504020804" pitchFamily="34" charset="0"/>
-              </a:rPr>
-              <a:t> ammo’s </a:t>
-            </a:r>
-            <a:r>
-              <a:rPr lang="en-US" dirty="0" err="1" smtClean="0">
-                <a:latin typeface="Eras Light ITC" panose="020B0402030504020804" pitchFamily="34" charset="0"/>
-              </a:rPr>
-              <a:t>voor</a:t>
-            </a:r>
-            <a:r>
-              <a:rPr lang="en-US" dirty="0" smtClean="0">
-                <a:latin typeface="Eras Light ITC" panose="020B0402030504020804" pitchFamily="34" charset="0"/>
-              </a:rPr>
-              <a:t> 1 </a:t>
-            </a:r>
-            <a:r>
-              <a:rPr lang="en-US" dirty="0" err="1" smtClean="0">
-                <a:latin typeface="Eras Light ITC" panose="020B0402030504020804" pitchFamily="34" charset="0"/>
-              </a:rPr>
-              <a:t>wapen</a:t>
-            </a:r>
-            <a:endParaRPr lang="en-US" dirty="0" smtClean="0">
-              <a:latin typeface="Eras Light ITC" panose="020B0402030504020804" pitchFamily="34" charset="0"/>
-            </a:endParaRPr>
-          </a:p>
-          <a:p>
-            <a:pPr lvl="1"/>
-            <a:r>
-              <a:rPr lang="en-US" dirty="0" smtClean="0">
-                <a:latin typeface="Eras Light ITC" panose="020B0402030504020804" pitchFamily="34" charset="0"/>
-              </a:rPr>
-              <a:t>We </a:t>
-            </a:r>
-            <a:r>
-              <a:rPr lang="en-US" dirty="0" err="1" smtClean="0">
-                <a:latin typeface="Eras Light ITC" panose="020B0402030504020804" pitchFamily="34" charset="0"/>
-              </a:rPr>
-              <a:t>hebben</a:t>
-            </a:r>
-            <a:r>
-              <a:rPr lang="en-US" dirty="0" smtClean="0">
-                <a:latin typeface="Eras Light ITC" panose="020B0402030504020804" pitchFamily="34" charset="0"/>
-              </a:rPr>
-              <a:t> </a:t>
-            </a:r>
-            <a:r>
-              <a:rPr lang="en-US" dirty="0" err="1" smtClean="0">
-                <a:latin typeface="Eras Light ITC" panose="020B0402030504020804" pitchFamily="34" charset="0"/>
-              </a:rPr>
-              <a:t>een</a:t>
-            </a:r>
-            <a:r>
-              <a:rPr lang="en-US" dirty="0" smtClean="0">
-                <a:latin typeface="Eras Light ITC" panose="020B0402030504020804" pitchFamily="34" charset="0"/>
-              </a:rPr>
-              <a:t> melee only </a:t>
-            </a:r>
-            <a:r>
-              <a:rPr lang="en-US" dirty="0" err="1" smtClean="0">
-                <a:latin typeface="Eras Light ITC" panose="020B0402030504020804" pitchFamily="34" charset="0"/>
-              </a:rPr>
-              <a:t>optie</a:t>
-            </a:r>
-            <a:r>
-              <a:rPr lang="en-US" dirty="0" smtClean="0">
-                <a:latin typeface="Eras Light ITC" panose="020B0402030504020804" pitchFamily="34" charset="0"/>
-              </a:rPr>
-              <a:t>.</a:t>
-            </a:r>
-          </a:p>
-          <a:p>
-            <a:pPr lvl="1"/>
-            <a:r>
-              <a:rPr lang="en-US" dirty="0" smtClean="0">
-                <a:latin typeface="Eras Light ITC" panose="020B0402030504020804" pitchFamily="34" charset="0"/>
-              </a:rPr>
-              <a:t>Met de stimulation pack </a:t>
-            </a:r>
-            <a:r>
-              <a:rPr lang="en-US" dirty="0" err="1" smtClean="0">
-                <a:latin typeface="Eras Light ITC" panose="020B0402030504020804" pitchFamily="34" charset="0"/>
-              </a:rPr>
-              <a:t>kan</a:t>
-            </a:r>
-            <a:r>
-              <a:rPr lang="en-US" dirty="0" smtClean="0">
-                <a:latin typeface="Eras Light ITC" panose="020B0402030504020804" pitchFamily="34" charset="0"/>
-              </a:rPr>
-              <a:t> je in </a:t>
-            </a:r>
-            <a:r>
-              <a:rPr lang="en-US" dirty="0" err="1" smtClean="0">
-                <a:latin typeface="Eras Light ITC" panose="020B0402030504020804" pitchFamily="34" charset="0"/>
-              </a:rPr>
-              <a:t>slowmo</a:t>
-            </a:r>
-            <a:r>
-              <a:rPr lang="en-US" dirty="0" smtClean="0">
-                <a:latin typeface="Eras Light ITC" panose="020B0402030504020804" pitchFamily="34" charset="0"/>
-              </a:rPr>
-              <a:t> </a:t>
-            </a:r>
-            <a:r>
-              <a:rPr lang="en-US" dirty="0" err="1" smtClean="0">
-                <a:latin typeface="Eras Light ITC" panose="020B0402030504020804" pitchFamily="34" charset="0"/>
-              </a:rPr>
-              <a:t>gaan</a:t>
-            </a:r>
-            <a:endParaRPr lang="nl-NL" sz="2000" dirty="0" smtClean="0">
               <a:latin typeface="Eras Light ITC" panose="020B0402030504020804" pitchFamily="34" charset="0"/>
             </a:endParaRPr>
           </a:p>
@@ -7639,14 +6934,14 @@
       </p:sp>
       <p:sp>
         <p:nvSpPr>
-          <p:cNvPr id="4" name="Rechthoek 3"/>
+          <p:cNvPr id="6" name="Rechthoek 5"/>
           <p:cNvSpPr/>
           <p:nvPr/>
         </p:nvSpPr>
         <p:spPr>
           <a:xfrm>
-            <a:off x="5646647" y="1952990"/>
-            <a:ext cx="6427366" cy="4308872"/>
+            <a:off x="1064815" y="2501361"/>
+            <a:ext cx="6427366" cy="1200329"/>
           </a:xfrm>
           <a:prstGeom prst="rect">
             <a:avLst/>
@@ -7658,221 +6953,129 @@
           </a:bodyPr>
           <a:lstStyle/>
           <a:p>
-            <a:r>
-              <a:rPr lang="en-US" sz="2000" dirty="0">
-                <a:latin typeface="Eras Light ITC" panose="020B0402030504020804" pitchFamily="34" charset="0"/>
-              </a:rPr>
-              <a:t>Wat is </a:t>
-            </a:r>
-            <a:r>
-              <a:rPr lang="en-US" sz="2000" dirty="0" err="1">
-                <a:latin typeface="Eras Light ITC" panose="020B0402030504020804" pitchFamily="34" charset="0"/>
-              </a:rPr>
-              <a:t>er</a:t>
-            </a:r>
-            <a:r>
-              <a:rPr lang="en-US" sz="2000" dirty="0">
+            <a:pPr marL="285750" indent="-285750">
+              <a:buFont typeface="Arial" panose="020B0604020202020204" pitchFamily="34" charset="0"/>
+              <a:buChar char="•"/>
+            </a:pPr>
+            <a:r>
+              <a:rPr lang="en-US" dirty="0" err="1" smtClean="0">
+                <a:latin typeface="Eras Light ITC" panose="020B0402030504020804" pitchFamily="34" charset="0"/>
+              </a:rPr>
+              <a:t>Momenteel</a:t>
+            </a:r>
+            <a:r>
+              <a:rPr lang="en-US" dirty="0" smtClean="0">
+                <a:latin typeface="Eras Light ITC" panose="020B0402030504020804" pitchFamily="34" charset="0"/>
+              </a:rPr>
+              <a:t>  </a:t>
+            </a:r>
+            <a:r>
+              <a:rPr lang="en-US" dirty="0" err="1">
+                <a:latin typeface="Eras Light ITC" panose="020B0402030504020804" pitchFamily="34" charset="0"/>
+              </a:rPr>
+              <a:t>aanwezig</a:t>
+            </a:r>
+            <a:r>
+              <a:rPr lang="en-US" dirty="0">
+                <a:latin typeface="Eras Light ITC" panose="020B0402030504020804" pitchFamily="34" charset="0"/>
+              </a:rPr>
+              <a:t>:</a:t>
+            </a:r>
+          </a:p>
+          <a:p>
+            <a:pPr marL="742950" lvl="1" indent="-285750">
+              <a:buFont typeface="Arial" panose="020B0604020202020204" pitchFamily="34" charset="0"/>
+              <a:buChar char="•"/>
+            </a:pPr>
+            <a:r>
+              <a:rPr lang="en-US" dirty="0" err="1" smtClean="0">
+                <a:latin typeface="Eras Light ITC" panose="020B0402030504020804" pitchFamily="34" charset="0"/>
+              </a:rPr>
+              <a:t>Vecht</a:t>
+            </a:r>
+            <a:r>
+              <a:rPr lang="en-US" dirty="0" smtClean="0">
                 <a:latin typeface="Eras Light ITC" panose="020B0402030504020804" pitchFamily="34" charset="0"/>
               </a:rPr>
               <a:t> </a:t>
             </a:r>
             <a:r>
-              <a:rPr lang="en-US" sz="2000" dirty="0" err="1">
-                <a:latin typeface="Eras Light ITC" panose="020B0402030504020804" pitchFamily="34" charset="0"/>
-              </a:rPr>
-              <a:t>momenteel</a:t>
-            </a:r>
-            <a:r>
-              <a:rPr lang="en-US" sz="2000" dirty="0">
-                <a:latin typeface="Eras Light ITC" panose="020B0402030504020804" pitchFamily="34" charset="0"/>
-              </a:rPr>
-              <a:t> </a:t>
-            </a:r>
-            <a:r>
-              <a:rPr lang="en-US" sz="2000" dirty="0" err="1">
-                <a:latin typeface="Eras Light ITC" panose="020B0402030504020804" pitchFamily="34" charset="0"/>
-              </a:rPr>
-              <a:t>aanwezig</a:t>
-            </a:r>
-            <a:r>
-              <a:rPr lang="en-US" sz="2000" dirty="0">
-                <a:latin typeface="Eras Light ITC" panose="020B0402030504020804" pitchFamily="34" charset="0"/>
-              </a:rPr>
-              <a:t>, wat </a:t>
-            </a:r>
-            <a:r>
-              <a:rPr lang="en-US" sz="2000" dirty="0" err="1">
-                <a:latin typeface="Eras Light ITC" panose="020B0402030504020804" pitchFamily="34" charset="0"/>
-              </a:rPr>
-              <a:t>moet</a:t>
-            </a:r>
-            <a:r>
-              <a:rPr lang="en-US" sz="2000" dirty="0">
-                <a:latin typeface="Eras Light ITC" panose="020B0402030504020804" pitchFamily="34" charset="0"/>
-              </a:rPr>
-              <a:t> in dev </a:t>
-            </a:r>
-            <a:r>
-              <a:rPr lang="en-US" sz="2000" dirty="0" err="1">
-                <a:latin typeface="Eras Light ITC" panose="020B0402030504020804" pitchFamily="34" charset="0"/>
-              </a:rPr>
-              <a:t>fase</a:t>
-            </a:r>
-            <a:r>
-              <a:rPr lang="en-US" sz="2000" dirty="0">
-                <a:latin typeface="Eras Light ITC" panose="020B0402030504020804" pitchFamily="34" charset="0"/>
-              </a:rPr>
-              <a:t> 2?</a:t>
-            </a:r>
-          </a:p>
-          <a:p>
-            <a:pPr lvl="1"/>
-            <a:r>
-              <a:rPr lang="en-US" dirty="0" err="1">
-                <a:latin typeface="Eras Light ITC" panose="020B0402030504020804" pitchFamily="34" charset="0"/>
-              </a:rPr>
-              <a:t>Momenteel</a:t>
-            </a:r>
-            <a:r>
-              <a:rPr lang="en-US" dirty="0">
-                <a:latin typeface="Eras Light ITC" panose="020B0402030504020804" pitchFamily="34" charset="0"/>
-              </a:rPr>
-              <a:t>  </a:t>
-            </a:r>
-            <a:r>
-              <a:rPr lang="en-US" dirty="0" err="1">
-                <a:latin typeface="Eras Light ITC" panose="020B0402030504020804" pitchFamily="34" charset="0"/>
-              </a:rPr>
-              <a:t>aanwezig</a:t>
-            </a:r>
-            <a:r>
-              <a:rPr lang="en-US" dirty="0">
-                <a:latin typeface="Eras Light ITC" panose="020B0402030504020804" pitchFamily="34" charset="0"/>
-              </a:rPr>
-              <a:t>:</a:t>
-            </a:r>
-          </a:p>
-          <a:p>
-            <a:pPr lvl="2"/>
-            <a:r>
-              <a:rPr lang="en-US" dirty="0">
-                <a:latin typeface="Eras Light ITC" panose="020B0402030504020804" pitchFamily="34" charset="0"/>
-              </a:rPr>
-              <a:t>We </a:t>
-            </a:r>
-            <a:r>
-              <a:rPr lang="en-US" dirty="0" err="1">
-                <a:latin typeface="Eras Light ITC" panose="020B0402030504020804" pitchFamily="34" charset="0"/>
-              </a:rPr>
-              <a:t>hebben</a:t>
-            </a:r>
-            <a:r>
-              <a:rPr lang="en-US" dirty="0">
-                <a:latin typeface="Eras Light ITC" panose="020B0402030504020804" pitchFamily="34" charset="0"/>
-              </a:rPr>
-              <a:t> </a:t>
-            </a:r>
-            <a:r>
-              <a:rPr lang="en-US" dirty="0" err="1">
-                <a:latin typeface="Eras Light ITC" panose="020B0402030504020804" pitchFamily="34" charset="0"/>
-              </a:rPr>
-              <a:t>onze</a:t>
-            </a:r>
-            <a:r>
-              <a:rPr lang="en-US" dirty="0">
-                <a:latin typeface="Eras Light ITC" panose="020B0402030504020804" pitchFamily="34" charset="0"/>
-              </a:rPr>
-              <a:t> combat system</a:t>
-            </a:r>
-          </a:p>
-          <a:p>
-            <a:pPr lvl="2"/>
-            <a:r>
-              <a:rPr lang="en-US" dirty="0">
-                <a:latin typeface="Eras Light ITC" panose="020B0402030504020804" pitchFamily="34" charset="0"/>
-              </a:rPr>
-              <a:t>De </a:t>
-            </a:r>
-            <a:r>
-              <a:rPr lang="en-US" dirty="0" err="1">
-                <a:latin typeface="Eras Light ITC" panose="020B0402030504020804" pitchFamily="34" charset="0"/>
-              </a:rPr>
-              <a:t>meeste</a:t>
-            </a:r>
-            <a:r>
-              <a:rPr lang="en-US" dirty="0">
-                <a:latin typeface="Eras Light ITC" panose="020B0402030504020804" pitchFamily="34" charset="0"/>
-              </a:rPr>
-              <a:t> managers </a:t>
-            </a:r>
-            <a:r>
-              <a:rPr lang="en-US" dirty="0" err="1">
-                <a:latin typeface="Eras Light ITC" panose="020B0402030504020804" pitchFamily="34" charset="0"/>
-              </a:rPr>
-              <a:t>hebben</a:t>
-            </a:r>
-            <a:r>
-              <a:rPr lang="en-US" dirty="0">
-                <a:latin typeface="Eras Light ITC" panose="020B0402030504020804" pitchFamily="34" charset="0"/>
-              </a:rPr>
-              <a:t> we </a:t>
-            </a:r>
-            <a:r>
-              <a:rPr lang="en-US" dirty="0" err="1">
-                <a:latin typeface="Eras Light ITC" panose="020B0402030504020804" pitchFamily="34" charset="0"/>
-              </a:rPr>
-              <a:t>ook</a:t>
-            </a:r>
-            <a:r>
-              <a:rPr lang="en-US" dirty="0">
-                <a:latin typeface="Eras Light ITC" panose="020B0402030504020804" pitchFamily="34" charset="0"/>
-              </a:rPr>
-              <a:t> </a:t>
-            </a:r>
-            <a:r>
-              <a:rPr lang="en-US" dirty="0" err="1">
-                <a:latin typeface="Eras Light ITC" panose="020B0402030504020804" pitchFamily="34" charset="0"/>
-              </a:rPr>
-              <a:t>erin</a:t>
+              <a:rPr lang="en-US" dirty="0" err="1" smtClean="0">
+                <a:latin typeface="Eras Light ITC" panose="020B0402030504020804" pitchFamily="34" charset="0"/>
+              </a:rPr>
+              <a:t>systeem</a:t>
             </a:r>
             <a:endParaRPr lang="en-US" dirty="0">
               <a:latin typeface="Eras Light ITC" panose="020B0402030504020804" pitchFamily="34" charset="0"/>
             </a:endParaRPr>
           </a:p>
           <a:p>
-            <a:pPr lvl="2"/>
+            <a:pPr marL="742950" lvl="1" indent="-285750">
+              <a:buFont typeface="Arial" panose="020B0604020202020204" pitchFamily="34" charset="0"/>
+              <a:buChar char="•"/>
+            </a:pPr>
+            <a:r>
+              <a:rPr lang="en-US" dirty="0">
+                <a:latin typeface="Eras Light ITC" panose="020B0402030504020804" pitchFamily="34" charset="0"/>
+              </a:rPr>
+              <a:t>De </a:t>
+            </a:r>
             <a:r>
               <a:rPr lang="en-US" dirty="0" err="1">
                 <a:latin typeface="Eras Light ITC" panose="020B0402030504020804" pitchFamily="34" charset="0"/>
               </a:rPr>
-              <a:t>Bewegingen</a:t>
+              <a:t>meeste</a:t>
             </a:r>
             <a:r>
               <a:rPr lang="en-US" dirty="0">
                 <a:latin typeface="Eras Light ITC" panose="020B0402030504020804" pitchFamily="34" charset="0"/>
               </a:rPr>
-              <a:t> van speller</a:t>
-            </a:r>
-          </a:p>
-          <a:p>
-            <a:pPr lvl="2"/>
+              <a:t> managers </a:t>
+            </a:r>
+            <a:endParaRPr lang="en-US" dirty="0" smtClean="0">
+              <a:latin typeface="Eras Light ITC" panose="020B0402030504020804" pitchFamily="34" charset="0"/>
+            </a:endParaRPr>
+          </a:p>
+          <a:p>
+            <a:pPr marL="742950" lvl="1" indent="-285750">
+              <a:buFont typeface="Arial" panose="020B0604020202020204" pitchFamily="34" charset="0"/>
+              <a:buChar char="•"/>
+            </a:pPr>
+            <a:r>
+              <a:rPr lang="en-US" dirty="0" err="1" smtClean="0">
+                <a:latin typeface="Eras Light ITC" panose="020B0402030504020804" pitchFamily="34" charset="0"/>
+              </a:rPr>
+              <a:t>Meeste</a:t>
+            </a:r>
+            <a:r>
+              <a:rPr lang="en-US" dirty="0" smtClean="0">
+                <a:latin typeface="Eras Light ITC" panose="020B0402030504020804" pitchFamily="34" charset="0"/>
+              </a:rPr>
+              <a:t> </a:t>
+            </a:r>
+            <a:r>
+              <a:rPr lang="en-US" dirty="0">
+                <a:latin typeface="Eras Light ITC" panose="020B0402030504020804" pitchFamily="34" charset="0"/>
+              </a:rPr>
+              <a:t>van </a:t>
+            </a:r>
             <a:r>
               <a:rPr lang="en-US" dirty="0" err="1">
                 <a:latin typeface="Eras Light ITC" panose="020B0402030504020804" pitchFamily="34" charset="0"/>
               </a:rPr>
-              <a:t>Meeste</a:t>
+              <a:t>onze</a:t>
             </a:r>
             <a:r>
               <a:rPr lang="en-US" dirty="0">
                 <a:latin typeface="Eras Light ITC" panose="020B0402030504020804" pitchFamily="34" charset="0"/>
               </a:rPr>
-              <a:t> van </a:t>
+              <a:t> </a:t>
             </a:r>
             <a:r>
               <a:rPr lang="en-US" dirty="0" err="1">
                 <a:latin typeface="Eras Light ITC" panose="020B0402030504020804" pitchFamily="34" charset="0"/>
               </a:rPr>
-              <a:t>onze</a:t>
+              <a:t>wapens</a:t>
             </a:r>
             <a:r>
               <a:rPr lang="en-US" dirty="0">
@@ -7881,65 +7084,42 @@
               <a:t> </a:t>
             </a:r>
             <a:r>
-              <a:rPr lang="en-US" dirty="0" err="1">
-                <a:latin typeface="Eras Light ITC" panose="020B0402030504020804" pitchFamily="34" charset="0"/>
-              </a:rPr>
-              <a:t>wapens</a:t>
-            </a:r>
-            <a:r>
-              <a:rPr lang="en-US" dirty="0">
-                <a:latin typeface="Eras Light ITC" panose="020B0402030504020804" pitchFamily="34" charset="0"/>
-              </a:rPr>
-              <a:t> </a:t>
-            </a:r>
-            <a:r>
-              <a:rPr lang="en-US" dirty="0" err="1">
-                <a:latin typeface="Eras Light ITC" panose="020B0402030504020804" pitchFamily="34" charset="0"/>
-              </a:rPr>
-              <a:t>zijn</a:t>
-            </a:r>
-            <a:r>
-              <a:rPr lang="en-US" dirty="0">
-                <a:latin typeface="Eras Light ITC" panose="020B0402030504020804" pitchFamily="34" charset="0"/>
-              </a:rPr>
-              <a:t> qua script </a:t>
-            </a:r>
-            <a:r>
-              <a:rPr lang="en-US" dirty="0" err="1">
-                <a:latin typeface="Eras Light ITC" panose="020B0402030504020804" pitchFamily="34" charset="0"/>
-              </a:rPr>
-              <a:t>ook</a:t>
-            </a:r>
-            <a:r>
-              <a:rPr lang="en-US" dirty="0">
-                <a:latin typeface="Eras Light ITC" panose="020B0402030504020804" pitchFamily="34" charset="0"/>
-              </a:rPr>
-              <a:t> </a:t>
-            </a:r>
-            <a:r>
-              <a:rPr lang="en-US" dirty="0" err="1">
-                <a:latin typeface="Eras Light ITC" panose="020B0402030504020804" pitchFamily="34" charset="0"/>
-              </a:rPr>
-              <a:t>goed</a:t>
-            </a:r>
-            <a:r>
-              <a:rPr lang="en-US" dirty="0">
-                <a:latin typeface="Eras Light ITC" panose="020B0402030504020804" pitchFamily="34" charset="0"/>
-              </a:rPr>
-              <a:t> op </a:t>
-            </a:r>
-            <a:r>
-              <a:rPr lang="en-US" dirty="0" err="1">
-                <a:latin typeface="Eras Light ITC" panose="020B0402030504020804" pitchFamily="34" charset="0"/>
-              </a:rPr>
-              <a:t>weg</a:t>
+              <a:rPr lang="en-US" dirty="0" smtClean="0">
+                <a:latin typeface="Eras Light ITC" panose="020B0402030504020804" pitchFamily="34" charset="0"/>
+              </a:rPr>
+              <a:t>qua script</a:t>
             </a:r>
             <a:endParaRPr lang="en-US" dirty="0">
               <a:latin typeface="Eras Light ITC" panose="020B0402030504020804" pitchFamily="34" charset="0"/>
             </a:endParaRPr>
           </a:p>
-          <a:p>
-            <a:pPr lvl="1"/>
+        </p:txBody>
+      </p:sp>
+      <p:sp>
+        <p:nvSpPr>
+          <p:cNvPr id="7" name="Rechthoek 6"/>
+          <p:cNvSpPr/>
+          <p:nvPr/>
+        </p:nvSpPr>
+        <p:spPr>
+          <a:xfrm>
+            <a:off x="5565058" y="2501361"/>
+            <a:ext cx="6096000" cy="1477328"/>
+          </a:xfrm>
+          <a:prstGeom prst="rect">
+            <a:avLst/>
+          </a:prstGeom>
+        </p:spPr>
+        <p:txBody>
+          <a:bodyPr>
+            <a:spAutoFit/>
+          </a:bodyPr>
+          <a:lstStyle/>
+          <a:p>
+            <a:pPr marL="285750" indent="-285750">
+              <a:buFont typeface="Arial" panose="020B0604020202020204" pitchFamily="34" charset="0"/>
+              <a:buChar char="•"/>
+            </a:pPr>
             <a:r>
               <a:rPr lang="en-US" dirty="0">
                 <a:latin typeface="Eras Light ITC" panose="020B0402030504020804" pitchFamily="34" charset="0"/>
@@ -7984,301 +7164,101 @@
             </a:r>
           </a:p>
           <a:p>
-            <a:pPr lvl="2"/>
+            <a:pPr marL="742950" lvl="1" indent="-285750">
+              <a:buFont typeface="Arial" panose="020B0604020202020204" pitchFamily="34" charset="0"/>
+              <a:buChar char="•"/>
+            </a:pPr>
+            <a:r>
+              <a:rPr lang="en-US" dirty="0" err="1">
+                <a:latin typeface="Eras Light ITC" panose="020B0402030504020804" pitchFamily="34" charset="0"/>
+              </a:rPr>
+              <a:t>Onze</a:t>
+            </a:r>
             <a:r>
               <a:rPr lang="en-US" dirty="0">
                 <a:latin typeface="Eras Light ITC" panose="020B0402030504020804" pitchFamily="34" charset="0"/>
               </a:rPr>
-              <a:t>Al </a:t>
-            </a:r>
+              <a:t> A.I. </a:t>
+            </a:r>
+          </a:p>
+          <a:p>
+            <a:pPr marL="742950" lvl="1" indent="-285750">
+              <a:buFont typeface="Arial" panose="020B0604020202020204" pitchFamily="34" charset="0"/>
+              <a:buChar char="•"/>
+            </a:pPr>
             <a:r>
               <a:rPr lang="en-US" dirty="0" err="1">
                 <a:latin typeface="Eras Light ITC" panose="020B0402030504020804" pitchFamily="34" charset="0"/>
               </a:rPr>
-              <a:t>onze</a:t>
+              <a:t>Focussen</a:t>
             </a:r>
             <a:r>
               <a:rPr lang="en-US" dirty="0">
                 <a:latin typeface="Eras Light ITC" panose="020B0402030504020804" pitchFamily="34" charset="0"/>
               </a:rPr>
-              <a:t> A.I. </a:t>
-            </a:r>
+              <a:t> op A.I.</a:t>
+            </a:r>
+          </a:p>
+          <a:p>
+            <a:pPr marL="742950" lvl="1" indent="-285750">
+              <a:buFont typeface="Arial" panose="020B0604020202020204" pitchFamily="34" charset="0"/>
+              <a:buChar char="•"/>
+            </a:pPr>
             <a:r>
               <a:rPr lang="en-US" dirty="0" err="1">
                 <a:latin typeface="Eras Light ITC" panose="020B0402030504020804" pitchFamily="34" charset="0"/>
               </a:rPr>
-              <a:t>moeten</a:t>
+              <a:t>Slowmotion</a:t>
             </a:r>
             <a:r>
               <a:rPr lang="en-US" dirty="0">
                 <a:latin typeface="Eras Light ITC" panose="020B0402030504020804" pitchFamily="34" charset="0"/>
               </a:rPr>
-              <a:t> </a:t>
+              <a:t> van </a:t>
             </a:r>
             <a:r>
               <a:rPr lang="en-US" dirty="0" err="1">
                 <a:latin typeface="Eras Light ITC" panose="020B0402030504020804" pitchFamily="34" charset="0"/>
               </a:rPr>
-              <a:t>erin</a:t>
-            </a:r>
-            <a:r>
-              <a:rPr lang="en-US" dirty="0">
-                <a:latin typeface="Eras Light ITC" panose="020B0402030504020804" pitchFamily="34" charset="0"/>
-              </a:rPr>
-              <a:t> </a:t>
-            </a:r>
-            <a:r>
-              <a:rPr lang="en-US" dirty="0" err="1">
-                <a:latin typeface="Eras Light ITC" panose="020B0402030504020804" pitchFamily="34" charset="0"/>
-              </a:rPr>
-              <a:t>komen</a:t>
+              <a:t>stimpack</a:t>
             </a:r>
             <a:endParaRPr lang="en-US" dirty="0">
               <a:latin typeface="Eras Light ITC" panose="020B0402030504020804" pitchFamily="34" charset="0"/>
             </a:endParaRPr>
           </a:p>
           <a:p>
-            <a:pPr lvl="2"/>
+            <a:pPr marL="742950" lvl="1" indent="-285750">
+              <a:buFont typeface="Arial" panose="020B0604020202020204" pitchFamily="34" charset="0"/>
+              <a:buChar char="•"/>
+            </a:pPr>
             <a:r>
               <a:rPr lang="en-US" dirty="0">
                 <a:latin typeface="Eras Light ITC" panose="020B0402030504020804" pitchFamily="34" charset="0"/>
               </a:rPr>
-              <a:t>We </a:t>
+              <a:t>Radar </a:t>
             </a:r>
             <a:r>
               <a:rPr lang="en-US" dirty="0" err="1">
                 <a:latin typeface="Eras Light ITC" panose="020B0402030504020804" pitchFamily="34" charset="0"/>
               </a:rPr>
-              <a:t>gaan</a:t>
+              <a:t>en</a:t>
             </a:r>
             <a:r>
               <a:rPr lang="en-US" dirty="0">
                 <a:latin typeface="Eras Light ITC" panose="020B0402030504020804" pitchFamily="34" charset="0"/>
               </a:rPr>
-              <a:t> </a:t>
-            </a:r>
-            <a:r>
-              <a:rPr lang="en-US" dirty="0" err="1">
-                <a:latin typeface="Eras Light ITC" panose="020B0402030504020804" pitchFamily="34" charset="0"/>
-              </a:rPr>
-              <a:t>hier</a:t>
-            </a:r>
-            <a:r>
-              <a:rPr lang="en-US" dirty="0">
-                <a:latin typeface="Eras Light ITC" panose="020B0402030504020804" pitchFamily="34" charset="0"/>
-              </a:rPr>
-              <a:t> </a:t>
-            </a:r>
-            <a:r>
-              <a:rPr lang="en-US" dirty="0" err="1">
-                <a:latin typeface="Eras Light ITC" panose="020B0402030504020804" pitchFamily="34" charset="0"/>
-              </a:rPr>
-              <a:t>na</a:t>
-            </a:r>
-            <a:r>
-              <a:rPr lang="en-US" dirty="0">
-                <a:latin typeface="Eras Light ITC" panose="020B0402030504020804" pitchFamily="34" charset="0"/>
-              </a:rPr>
-              <a:t> de </a:t>
-            </a:r>
-            <a:r>
-              <a:rPr lang="en-US" dirty="0" err="1">
-                <a:latin typeface="Eras Light ITC" panose="020B0402030504020804" pitchFamily="34" charset="0"/>
-              </a:rPr>
-              <a:t>presentatie</a:t>
-            </a:r>
-            <a:r>
-              <a:rPr lang="en-US" dirty="0">
-                <a:latin typeface="Eras Light ITC" panose="020B0402030504020804" pitchFamily="34" charset="0"/>
-              </a:rPr>
-              <a:t> </a:t>
-            </a:r>
-            <a:r>
-              <a:rPr lang="en-US" dirty="0" err="1">
-                <a:latin typeface="Eras Light ITC" panose="020B0402030504020804" pitchFamily="34" charset="0"/>
-              </a:rPr>
-              <a:t>ook</a:t>
-            </a:r>
-            <a:r>
-              <a:rPr lang="en-US" dirty="0">
-                <a:latin typeface="Eras Light ITC" panose="020B0402030504020804" pitchFamily="34" charset="0"/>
-              </a:rPr>
-              <a:t> het </a:t>
-            </a:r>
-            <a:r>
-              <a:rPr lang="en-US" dirty="0" err="1">
-                <a:latin typeface="Eras Light ITC" panose="020B0402030504020804" pitchFamily="34" charset="0"/>
-              </a:rPr>
-              <a:t>meest</a:t>
-            </a:r>
-            <a:r>
-              <a:rPr lang="en-US" dirty="0">
-                <a:latin typeface="Eras Light ITC" panose="020B0402030504020804" pitchFamily="34" charset="0"/>
-              </a:rPr>
-              <a:t> op </a:t>
-            </a:r>
-            <a:r>
-              <a:rPr lang="en-US" dirty="0" err="1">
-                <a:latin typeface="Eras Light ITC" panose="020B0402030504020804" pitchFamily="34" charset="0"/>
-              </a:rPr>
-              <a:t>focussen</a:t>
+              <a:t> Hit detection</a:t>
             </a:r>
             <a:endParaRPr lang="en-US" dirty="0">
               <a:latin typeface="Eras Light ITC" panose="020B0402030504020804" pitchFamily="34" charset="0"/>
             </a:endParaRPr>
           </a:p>
-          <a:p>
-            <a:pPr lvl="2"/>
-            <a:r>
-              <a:rPr lang="en-US" dirty="0" err="1">
-                <a:latin typeface="Eras Light ITC" panose="020B0402030504020804" pitchFamily="34" charset="0"/>
-              </a:rPr>
-              <a:t>Slowmotion</a:t>
-            </a:r>
-            <a:r>
-              <a:rPr lang="en-US" dirty="0">
-                <a:latin typeface="Eras Light ITC" panose="020B0402030504020804" pitchFamily="34" charset="0"/>
-              </a:rPr>
-              <a:t> van de </a:t>
-            </a:r>
-            <a:r>
-              <a:rPr lang="en-US" dirty="0" err="1">
-                <a:latin typeface="Eras Light ITC" panose="020B0402030504020804" pitchFamily="34" charset="0"/>
-              </a:rPr>
-              <a:t>stimpack</a:t>
-            </a:r>
-            <a:endParaRPr lang="en-US" dirty="0">
-              <a:latin typeface="Eras Light ITC" panose="020B0402030504020804" pitchFamily="34" charset="0"/>
-            </a:endParaRPr>
-          </a:p>
-          <a:p>
-            <a:pPr lvl="2"/>
-            <a:r>
-              <a:rPr lang="en-US" dirty="0" err="1">
-                <a:latin typeface="Eras Light ITC" panose="020B0402030504020804" pitchFamily="34" charset="0"/>
-              </a:rPr>
-              <a:t>Onze</a:t>
-            </a:r>
-            <a:r>
-              <a:rPr lang="en-US" dirty="0">
-                <a:latin typeface="Eras Light ITC" panose="020B0402030504020804" pitchFamily="34" charset="0"/>
-              </a:rPr>
-              <a:t> radar </a:t>
-            </a:r>
-            <a:r>
-              <a:rPr lang="en-US" dirty="0" err="1">
-                <a:latin typeface="Eras Light ITC" panose="020B0402030504020804" pitchFamily="34" charset="0"/>
-              </a:rPr>
-              <a:t>en</a:t>
-            </a:r>
-            <a:r>
-              <a:rPr lang="en-US" dirty="0">
-                <a:latin typeface="Eras Light ITC" panose="020B0402030504020804" pitchFamily="34" charset="0"/>
-              </a:rPr>
-              <a:t> Hit detection</a:t>
-            </a:r>
-          </a:p>
-          <a:p>
-            <a:r>
-              <a:rPr lang="en-US" sz="2000" dirty="0">
-                <a:latin typeface="Eras Light ITC" panose="020B0402030504020804" pitchFamily="34" charset="0"/>
-              </a:rPr>
-              <a:t>Planning, </a:t>
-            </a:r>
-            <a:r>
-              <a:rPr lang="en-US" sz="2000" dirty="0" err="1">
-                <a:latin typeface="Eras Light ITC" panose="020B0402030504020804" pitchFamily="34" charset="0"/>
-              </a:rPr>
-              <a:t>taakverdeling</a:t>
-            </a:r>
-            <a:r>
-              <a:rPr lang="en-US" sz="2000" dirty="0">
-                <a:latin typeface="Eras Light ITC" panose="020B0402030504020804" pitchFamily="34" charset="0"/>
-              </a:rPr>
-              <a:t> </a:t>
-            </a:r>
-            <a:r>
-              <a:rPr lang="en-US" sz="2000" dirty="0" err="1">
-                <a:latin typeface="Eras Light ITC" panose="020B0402030504020804" pitchFamily="34" charset="0"/>
-              </a:rPr>
-              <a:t>etc</a:t>
-            </a:r>
-            <a:r>
-              <a:rPr lang="en-US" sz="2000" dirty="0">
-                <a:latin typeface="Eras Light ITC" panose="020B0402030504020804" pitchFamily="34" charset="0"/>
-              </a:rPr>
-              <a:t> </a:t>
-            </a:r>
-            <a:r>
-              <a:rPr lang="en-US" sz="2000" dirty="0" err="1">
-                <a:latin typeface="Eras Light ITC" panose="020B0402030504020804" pitchFamily="34" charset="0"/>
-              </a:rPr>
-              <a:t>laten</a:t>
-            </a:r>
-            <a:r>
-              <a:rPr lang="en-US" sz="2000" dirty="0">
-                <a:latin typeface="Eras Light ITC" panose="020B0402030504020804" pitchFamily="34" charset="0"/>
-              </a:rPr>
-              <a:t> </a:t>
-            </a:r>
-            <a:r>
-              <a:rPr lang="en-US" sz="2000" dirty="0" err="1">
-                <a:latin typeface="Eras Light ITC" panose="020B0402030504020804" pitchFamily="34" charset="0"/>
-              </a:rPr>
-              <a:t>zien</a:t>
-            </a:r>
-            <a:endParaRPr lang="en-US" sz="2000" dirty="0">
-              <a:latin typeface="Eras Light ITC" panose="020B0402030504020804" pitchFamily="34" charset="0"/>
-            </a:endParaRPr>
-          </a:p>
-          <a:p>
-            <a:pPr lvl="1"/>
-            <a:r>
-              <a:rPr lang="en-US" dirty="0">
-                <a:latin typeface="Eras Light ITC" panose="020B0402030504020804" pitchFamily="34" charset="0"/>
-              </a:rPr>
-              <a:t>Trello </a:t>
-            </a:r>
-            <a:r>
-              <a:rPr lang="en-US" dirty="0" err="1">
-                <a:latin typeface="Eras Light ITC" panose="020B0402030504020804" pitchFamily="34" charset="0"/>
-              </a:rPr>
-              <a:t>afbeeldingen</a:t>
-            </a:r>
-            <a:r>
-              <a:rPr lang="en-US" dirty="0">
-                <a:latin typeface="Eras Light ITC" panose="020B0402030504020804" pitchFamily="34" charset="0"/>
-              </a:rPr>
-              <a:t> </a:t>
-            </a:r>
-            <a:r>
-              <a:rPr lang="en-US" dirty="0" err="1">
-                <a:latin typeface="Eras Light ITC" panose="020B0402030504020804" pitchFamily="34" charset="0"/>
-              </a:rPr>
-              <a:t>laten</a:t>
-            </a:r>
-            <a:r>
-              <a:rPr lang="en-US" dirty="0">
-                <a:latin typeface="Eras Light ITC" panose="020B0402030504020804" pitchFamily="34" charset="0"/>
-              </a:rPr>
-              <a:t> </a:t>
-            </a:r>
-            <a:r>
-              <a:rPr lang="en-US" dirty="0" err="1">
-                <a:latin typeface="Eras Light ITC" panose="020B0402030504020804" pitchFamily="34" charset="0"/>
-              </a:rPr>
-              <a:t>zien</a:t>
-            </a:r>
-            <a:endParaRPr lang="en-US" dirty="0">
-              <a:latin typeface="Eras Light ITC" panose="020B0402030504020804" pitchFamily="34" charset="0"/>
-            </a:endParaRPr>
-          </a:p>
         </p:txBody>
       </p:sp>
     </p:spTree>
     <p:extLst>
       <p:ext uri="{BB962C8B-B14F-4D97-AF65-F5344CB8AC3E}">
-        <p14:creationId xmlns:p14="http://schemas.microsoft.com/office/powerpoint/2010/main" val="2186174452"/>
+        <p14:creationId xmlns:p14="http://schemas.microsoft.com/office/powerpoint/2010/main" val="3593717693"/>
       </p:ext>
     </p:extLst>
   </p:cSld>
@@ -8324,7 +7304,7 @@
         </p:nvSpPr>
         <p:spPr>
           <a:xfrm>
-            <a:off x="1" y="2679940"/>
+            <a:off x="0" y="609600"/>
             <a:ext cx="12191999" cy="1456267"/>
           </a:xfrm>
         </p:spPr>
@@ -8337,7 +7317,7 @@
               <a:rPr lang="nl-NL" sz="6600" dirty="0" smtClean="0">
                 <a:latin typeface="Eras Light ITC" panose="020B0402030504020804" pitchFamily="34" charset="0"/>
               </a:rPr>
-              <a:t>Vragen ? </a:t>
+              <a:t>Taakverdeling</a:t>
             </a:r>
             <a:endParaRPr lang="nl-NL" sz="6600" dirty="0">
               <a:latin typeface="Eras Light ITC" panose="020B0402030504020804" pitchFamily="34" charset="0"/>
@@ -8355,13 +7335,954 @@
             <p:ph idx="1"/>
           </p:nvPr>
         </p:nvSpPr>
-        <p:spPr/>
+        <p:spPr>
+          <a:xfrm>
+            <a:off x="685801" y="2065867"/>
+            <a:ext cx="10131425" cy="4367123"/>
+          </a:xfrm>
+        </p:spPr>
         <p:txBody>
           <a:bodyPr>
             <a:normAutofit/>
           </a:bodyPr>
           <a:lstStyle/>
           <a:p>
+            <a:r>
+              <a:rPr lang="en-US" sz="2000" dirty="0" smtClean="0">
+                <a:latin typeface="Eras Light ITC" panose="020B0402030504020804" pitchFamily="34" charset="0"/>
+              </a:rPr>
+              <a:t>Per sprint</a:t>
+            </a:r>
+          </a:p>
+          <a:p>
+            <a:r>
+              <a:rPr lang="en-US" sz="2000" dirty="0" err="1" smtClean="0">
+                <a:latin typeface="Eras Light ITC" panose="020B0402030504020804" pitchFamily="34" charset="0"/>
+              </a:rPr>
+              <a:t>Factoren</a:t>
+            </a:r>
+            <a:endParaRPr lang="en-US" sz="2000" dirty="0" smtClean="0">
+              <a:latin typeface="Eras Light ITC" panose="020B0402030504020804" pitchFamily="34" charset="0"/>
+            </a:endParaRPr>
+          </a:p>
+          <a:p>
+            <a:pPr lvl="1"/>
+            <a:r>
+              <a:rPr lang="en-US" dirty="0" err="1" smtClean="0">
+                <a:latin typeface="Eras Light ITC" panose="020B0402030504020804" pitchFamily="34" charset="0"/>
+              </a:rPr>
+              <a:t>Te</a:t>
+            </a:r>
+            <a:r>
+              <a:rPr lang="en-US" dirty="0" smtClean="0">
+                <a:latin typeface="Eras Light ITC" panose="020B0402030504020804" pitchFamily="34" charset="0"/>
+              </a:rPr>
+              <a:t> </a:t>
+            </a:r>
+            <a:r>
+              <a:rPr lang="en-US" dirty="0" err="1" smtClean="0">
+                <a:latin typeface="Eras Light ITC" panose="020B0402030504020804" pitchFamily="34" charset="0"/>
+              </a:rPr>
+              <a:t>maken</a:t>
+            </a:r>
+            <a:r>
+              <a:rPr lang="en-US" dirty="0" smtClean="0">
+                <a:latin typeface="Eras Light ITC" panose="020B0402030504020804" pitchFamily="34" charset="0"/>
+              </a:rPr>
+              <a:t> met </a:t>
+            </a:r>
+            <a:r>
+              <a:rPr lang="en-US" dirty="0" err="1" smtClean="0">
+                <a:latin typeface="Eras Light ITC" panose="020B0402030504020804" pitchFamily="34" charset="0"/>
+              </a:rPr>
+              <a:t>vorig</a:t>
+            </a:r>
+            <a:r>
+              <a:rPr lang="en-US" dirty="0" smtClean="0">
+                <a:latin typeface="Eras Light ITC" panose="020B0402030504020804" pitchFamily="34" charset="0"/>
+              </a:rPr>
+              <a:t> script?</a:t>
+            </a:r>
+          </a:p>
+          <a:p>
+            <a:pPr lvl="1"/>
+            <a:r>
+              <a:rPr lang="en-US" dirty="0" smtClean="0">
+                <a:latin typeface="Eras Light ITC" panose="020B0402030504020804" pitchFamily="34" charset="0"/>
+              </a:rPr>
+              <a:t>Past </a:t>
+            </a:r>
+            <a:r>
+              <a:rPr lang="en-US" dirty="0" err="1" smtClean="0">
+                <a:latin typeface="Eras Light ITC" panose="020B0402030504020804" pitchFamily="34" charset="0"/>
+              </a:rPr>
+              <a:t>bij</a:t>
+            </a:r>
+            <a:r>
+              <a:rPr lang="en-US" dirty="0" smtClean="0">
+                <a:latin typeface="Eras Light ITC" panose="020B0402030504020804" pitchFamily="34" charset="0"/>
+              </a:rPr>
+              <a:t> </a:t>
+            </a:r>
+            <a:r>
+              <a:rPr lang="en-US" dirty="0" err="1" smtClean="0">
+                <a:latin typeface="Eras Light ITC" panose="020B0402030504020804" pitchFamily="34" charset="0"/>
+              </a:rPr>
+              <a:t>vorig</a:t>
+            </a:r>
+            <a:r>
+              <a:rPr lang="en-US" dirty="0" smtClean="0">
+                <a:latin typeface="Eras Light ITC" panose="020B0402030504020804" pitchFamily="34" charset="0"/>
+              </a:rPr>
+              <a:t> script?</a:t>
+            </a:r>
+          </a:p>
+          <a:p>
+            <a:pPr lvl="1"/>
+            <a:r>
+              <a:rPr lang="en-US" dirty="0" err="1" smtClean="0">
+                <a:latin typeface="Eras Light ITC" panose="020B0402030504020804" pitchFamily="34" charset="0"/>
+              </a:rPr>
+              <a:t>Wie</a:t>
+            </a:r>
+            <a:r>
+              <a:rPr lang="en-US" dirty="0" smtClean="0">
+                <a:latin typeface="Eras Light ITC" panose="020B0402030504020804" pitchFamily="34" charset="0"/>
+              </a:rPr>
+              <a:t> </a:t>
+            </a:r>
+            <a:r>
+              <a:rPr lang="en-US" dirty="0" err="1" smtClean="0">
+                <a:latin typeface="Eras Light ITC" panose="020B0402030504020804" pitchFamily="34" charset="0"/>
+              </a:rPr>
+              <a:t>heeft</a:t>
+            </a:r>
+            <a:r>
+              <a:rPr lang="en-US" dirty="0" smtClean="0">
+                <a:latin typeface="Eras Light ITC" panose="020B0402030504020804" pitchFamily="34" charset="0"/>
+              </a:rPr>
+              <a:t> </a:t>
+            </a:r>
+            <a:r>
+              <a:rPr lang="en-US" dirty="0" err="1" smtClean="0">
+                <a:latin typeface="Eras Light ITC" panose="020B0402030504020804" pitchFamily="34" charset="0"/>
+              </a:rPr>
+              <a:t>er</a:t>
+            </a:r>
+            <a:r>
+              <a:rPr lang="en-US" dirty="0" smtClean="0">
+                <a:latin typeface="Eras Light ITC" panose="020B0402030504020804" pitchFamily="34" charset="0"/>
+              </a:rPr>
+              <a:t> zin in?</a:t>
+            </a:r>
+            <a:endParaRPr lang="en-US" dirty="0">
+              <a:latin typeface="Eras Light ITC" panose="020B0402030504020804" pitchFamily="34" charset="0"/>
+            </a:endParaRPr>
+          </a:p>
+          <a:p>
+            <a:endParaRPr lang="en-US" sz="2000" dirty="0" smtClean="0">
+              <a:latin typeface="Eras Light ITC" panose="020B0402030504020804" pitchFamily="34" charset="0"/>
+            </a:endParaRPr>
+          </a:p>
+          <a:p>
+            <a:endParaRPr lang="en-US" sz="2000" dirty="0">
+              <a:latin typeface="Eras Light ITC" panose="020B0402030504020804" pitchFamily="34" charset="0"/>
+            </a:endParaRPr>
+          </a:p>
+          <a:p>
+            <a:endParaRPr lang="nl-NL" sz="2000" dirty="0" smtClean="0">
+              <a:latin typeface="Eras Light ITC" panose="020B0402030504020804" pitchFamily="34" charset="0"/>
+            </a:endParaRPr>
+          </a:p>
+        </p:txBody>
+      </p:sp>
+      <p:sp>
+        <p:nvSpPr>
+          <p:cNvPr id="5" name="Tijdelijke aanduiding voor inhoud 2"/>
+          <p:cNvSpPr txBox="1">
+            <a:spLocks/>
+          </p:cNvSpPr>
+          <p:nvPr/>
+        </p:nvSpPr>
+        <p:spPr>
+          <a:xfrm>
+            <a:off x="3876136" y="2065867"/>
+            <a:ext cx="7404395" cy="4367123"/>
+          </a:xfrm>
+          <a:prstGeom prst="rect">
+            <a:avLst/>
+          </a:prstGeom>
+        </p:spPr>
+        <p:txBody>
+          <a:bodyPr vert="horz" lIns="91440" tIns="45720" rIns="91440" bIns="45720" rtlCol="0" anchor="ctr">
+            <a:normAutofit/>
+          </a:bodyPr>
+          <a:lstStyle>
+            <a:lvl1pPr marL="285750" indent="-285750" algn="l" defTabSz="457200" rtl="0" eaLnBrk="1" latinLnBrk="0" hangingPunct="1">
+              <a:spcBef>
+                <a:spcPts val="0"/>
+              </a:spcBef>
+              <a:spcAft>
+                <a:spcPts val="1000"/>
+              </a:spcAft>
+              <a:buClr>
+                <a:schemeClr val="tx1"/>
+              </a:buClr>
+              <a:buSzPct val="100000"/>
+              <a:buFont typeface="Arial"/>
+              <a:buChar char="•"/>
+              <a:defRPr sz="1800" kern="1200" cap="none">
+                <a:solidFill>
+                  <a:schemeClr val="tx1"/>
+                </a:solidFill>
+                <a:effectLst/>
+                <a:latin typeface="+mn-lt"/>
+                <a:ea typeface="+mn-ea"/>
+                <a:cs typeface="+mn-cs"/>
+              </a:defRPr>
+            </a:lvl1pPr>
+            <a:lvl2pPr marL="742950" indent="-285750" algn="l" defTabSz="457200" rtl="0" eaLnBrk="1" latinLnBrk="0" hangingPunct="1">
+              <a:spcBef>
+                <a:spcPts val="0"/>
+              </a:spcBef>
+              <a:spcAft>
+                <a:spcPts val="1000"/>
+              </a:spcAft>
+              <a:buClr>
+                <a:schemeClr val="tx1"/>
+              </a:buClr>
+              <a:buSzPct val="100000"/>
+              <a:buFont typeface="Arial"/>
+              <a:buChar char="•"/>
+              <a:defRPr sz="1600" kern="1200" cap="none">
+                <a:solidFill>
+                  <a:schemeClr val="tx1"/>
+                </a:solidFill>
+                <a:effectLst/>
+                <a:latin typeface="+mn-lt"/>
+                <a:ea typeface="+mn-ea"/>
+                <a:cs typeface="+mn-cs"/>
+              </a:defRPr>
+            </a:lvl2pPr>
+            <a:lvl3pPr marL="1200150" indent="-285750" algn="l" defTabSz="457200" rtl="0" eaLnBrk="1" latinLnBrk="0" hangingPunct="1">
+              <a:spcBef>
+                <a:spcPts val="0"/>
+              </a:spcBef>
+              <a:spcAft>
+                <a:spcPts val="1000"/>
+              </a:spcAft>
+              <a:buClr>
+                <a:schemeClr val="tx1"/>
+              </a:buClr>
+              <a:buSzPct val="100000"/>
+              <a:buFont typeface="Arial"/>
+              <a:buChar char="•"/>
+              <a:defRPr sz="1400" kern="1200" cap="none">
+                <a:solidFill>
+                  <a:schemeClr val="tx1"/>
+                </a:solidFill>
+                <a:effectLst/>
+                <a:latin typeface="+mn-lt"/>
+                <a:ea typeface="+mn-ea"/>
+                <a:cs typeface="+mn-cs"/>
+              </a:defRPr>
+            </a:lvl3pPr>
+            <a:lvl4pPr marL="1543050" indent="-171450" algn="l" defTabSz="457200" rtl="0" eaLnBrk="1" latinLnBrk="0" hangingPunct="1">
+              <a:spcBef>
+                <a:spcPts val="0"/>
+              </a:spcBef>
+              <a:spcAft>
+                <a:spcPts val="1000"/>
+              </a:spcAft>
+              <a:buClr>
+                <a:schemeClr val="tx1"/>
+              </a:buClr>
+              <a:buSzPct val="100000"/>
+              <a:buFont typeface="Arial"/>
+              <a:buChar char="•"/>
+              <a:defRPr sz="1200" kern="1200" cap="none">
+                <a:solidFill>
+                  <a:schemeClr val="tx1"/>
+                </a:solidFill>
+                <a:effectLst/>
+                <a:latin typeface="+mn-lt"/>
+                <a:ea typeface="+mn-ea"/>
+                <a:cs typeface="+mn-cs"/>
+              </a:defRPr>
+            </a:lvl4pPr>
+            <a:lvl5pPr marL="2000250" indent="-171450" algn="l" defTabSz="457200" rtl="0" eaLnBrk="1" latinLnBrk="0" hangingPunct="1">
+              <a:spcBef>
+                <a:spcPts val="0"/>
+              </a:spcBef>
+              <a:spcAft>
+                <a:spcPts val="1000"/>
+              </a:spcAft>
+              <a:buClr>
+                <a:schemeClr val="tx1"/>
+              </a:buClr>
+              <a:buSzPct val="100000"/>
+              <a:buFont typeface="Arial"/>
+              <a:buChar char="•"/>
+              <a:defRPr sz="1200" kern="1200" cap="none">
+                <a:solidFill>
+                  <a:schemeClr val="tx1"/>
+                </a:solidFill>
+                <a:effectLst/>
+                <a:latin typeface="+mn-lt"/>
+                <a:ea typeface="+mn-ea"/>
+                <a:cs typeface="+mn-cs"/>
+              </a:defRPr>
+            </a:lvl5pPr>
+            <a:lvl6pPr marL="2514600" indent="-228600" algn="l" defTabSz="457200" rtl="0" eaLnBrk="1" latinLnBrk="0" hangingPunct="1">
+              <a:spcBef>
+                <a:spcPts val="0"/>
+              </a:spcBef>
+              <a:spcAft>
+                <a:spcPts val="1000"/>
+              </a:spcAft>
+              <a:buClr>
+                <a:schemeClr val="tx1"/>
+              </a:buClr>
+              <a:buSzPct val="100000"/>
+              <a:buFont typeface="Arial"/>
+              <a:buChar char="•"/>
+              <a:defRPr sz="1200" kern="1200" cap="none">
+                <a:solidFill>
+                  <a:schemeClr val="tx1"/>
+                </a:solidFill>
+                <a:effectLst/>
+                <a:latin typeface="+mn-lt"/>
+                <a:ea typeface="+mn-ea"/>
+                <a:cs typeface="+mn-cs"/>
+              </a:defRPr>
+            </a:lvl6pPr>
+            <a:lvl7pPr marL="2971800" indent="-228600" algn="l" defTabSz="457200" rtl="0" eaLnBrk="1" latinLnBrk="0" hangingPunct="1">
+              <a:spcBef>
+                <a:spcPts val="0"/>
+              </a:spcBef>
+              <a:spcAft>
+                <a:spcPts val="1000"/>
+              </a:spcAft>
+              <a:buClr>
+                <a:schemeClr val="tx1"/>
+              </a:buClr>
+              <a:buSzPct val="100000"/>
+              <a:buFont typeface="Arial"/>
+              <a:buChar char="•"/>
+              <a:defRPr sz="1200" kern="1200" cap="none">
+                <a:solidFill>
+                  <a:schemeClr val="tx1"/>
+                </a:solidFill>
+                <a:effectLst/>
+                <a:latin typeface="+mn-lt"/>
+                <a:ea typeface="+mn-ea"/>
+                <a:cs typeface="+mn-cs"/>
+              </a:defRPr>
+            </a:lvl7pPr>
+            <a:lvl8pPr marL="3429000" indent="-228600" algn="l" defTabSz="457200" rtl="0" eaLnBrk="1" latinLnBrk="0" hangingPunct="1">
+              <a:spcBef>
+                <a:spcPts val="0"/>
+              </a:spcBef>
+              <a:spcAft>
+                <a:spcPts val="1000"/>
+              </a:spcAft>
+              <a:buClr>
+                <a:schemeClr val="tx1"/>
+              </a:buClr>
+              <a:buSzPct val="100000"/>
+              <a:buFont typeface="Arial"/>
+              <a:buChar char="•"/>
+              <a:defRPr sz="1200" kern="1200" cap="none">
+                <a:solidFill>
+                  <a:schemeClr val="tx1"/>
+                </a:solidFill>
+                <a:effectLst/>
+                <a:latin typeface="+mn-lt"/>
+                <a:ea typeface="+mn-ea"/>
+                <a:cs typeface="+mn-cs"/>
+              </a:defRPr>
+            </a:lvl8pPr>
+            <a:lvl9pPr marL="3886200" indent="-228600" algn="l" defTabSz="457200" rtl="0" eaLnBrk="1" latinLnBrk="0" hangingPunct="1">
+              <a:spcBef>
+                <a:spcPts val="0"/>
+              </a:spcBef>
+              <a:spcAft>
+                <a:spcPts val="1000"/>
+              </a:spcAft>
+              <a:buClr>
+                <a:schemeClr val="tx1"/>
+              </a:buClr>
+              <a:buSzPct val="100000"/>
+              <a:buFont typeface="Arial"/>
+              <a:buChar char="•"/>
+              <a:defRPr sz="1200" kern="1200" cap="none">
+                <a:solidFill>
+                  <a:schemeClr val="tx1"/>
+                </a:solidFill>
+                <a:effectLst/>
+                <a:latin typeface="+mn-lt"/>
+                <a:ea typeface="+mn-ea"/>
+                <a:cs typeface="+mn-cs"/>
+              </a:defRPr>
+            </a:lvl9pPr>
+          </a:lstStyle>
+          <a:p>
+            <a:endParaRPr lang="nl-NL" sz="2000" dirty="0" smtClean="0">
+              <a:latin typeface="Eras Light ITC" panose="020B0402030504020804" pitchFamily="34" charset="0"/>
+            </a:endParaRPr>
+          </a:p>
+          <a:p>
+            <a:endParaRPr lang="nl-NL" sz="2000" dirty="0">
+              <a:latin typeface="Eras Light ITC" panose="020B0402030504020804" pitchFamily="34" charset="0"/>
+            </a:endParaRPr>
+          </a:p>
+          <a:p>
+            <a:endParaRPr lang="nl-NL" sz="2000" dirty="0" smtClean="0">
+              <a:latin typeface="Eras Light ITC" panose="020B0402030504020804" pitchFamily="34" charset="0"/>
+            </a:endParaRPr>
+          </a:p>
+          <a:p>
+            <a:endParaRPr lang="nl-NL" sz="2000" dirty="0">
+              <a:latin typeface="Eras Light ITC" panose="020B0402030504020804" pitchFamily="34" charset="0"/>
+            </a:endParaRPr>
+          </a:p>
+          <a:p>
+            <a:endParaRPr lang="nl-NL" sz="2000" dirty="0" smtClean="0">
+              <a:latin typeface="Eras Light ITC" panose="020B0402030504020804" pitchFamily="34" charset="0"/>
+            </a:endParaRPr>
+          </a:p>
+        </p:txBody>
+      </p:sp>
+    </p:spTree>
+    <p:extLst>
+      <p:ext uri="{BB962C8B-B14F-4D97-AF65-F5344CB8AC3E}">
+        <p14:creationId xmlns:p14="http://schemas.microsoft.com/office/powerpoint/2010/main" val="526152376"/>
+      </p:ext>
+    </p:extLst>
+  </p:cSld>
+  <p:clrMapOvr>
+    <a:masterClrMapping/>
+  </p:clrMapOvr>
+  <p:timing>
+    <p:tnLst>
+      <p:par>
+        <p:cTn id="1" dur="indefinite" restart="never" nodeType="tmRoot"/>
+      </p:par>
+    </p:tnLst>
+  </p:timing>
+</p:sld>
+</file>
+
+<file path=ppt/slides/slide13.xml><?xml version="1.0" encoding="utf-8"?>
+<p:sld xmlns:a="http://schemas.openxmlformats.org/drawingml/2006/main" xmlns:r="http://schemas.openxmlformats.org/officeDocument/2006/relationships" xmlns:p="http://schemas.openxmlformats.org/presentationml/2006/main">
+  <p:cSld>
+    <p:spTree>
+      <p:nvGrpSpPr>
+        <p:cNvPr id="1" name=""/>
+        <p:cNvGrpSpPr/>
+        <p:nvPr/>
+      </p:nvGrpSpPr>
+      <p:grpSpPr>
+        <a:xfrm>
+          <a:off x="0" y="0"/>
+          <a:ext cx="0" cy="0"/>
+          <a:chOff x="0" y="0"/>
+          <a:chExt cx="0" cy="0"/>
+        </a:xfrm>
+      </p:grpSpPr>
+      <p:sp>
+        <p:nvSpPr>
+          <p:cNvPr id="2" name="Titel 1"/>
+          <p:cNvSpPr>
+            <a:spLocks noGrp="1"/>
+          </p:cNvSpPr>
+          <p:nvPr>
+            <p:ph type="title"/>
+          </p:nvPr>
+        </p:nvSpPr>
+        <p:spPr>
+          <a:xfrm>
+            <a:off x="0" y="609600"/>
+            <a:ext cx="12191999" cy="1456267"/>
+          </a:xfrm>
+        </p:spPr>
+        <p:txBody>
+          <a:bodyPr/>
+          <a:lstStyle/>
+          <a:p>
+            <a:pPr algn="ctr"/>
+            <a:r>
+              <a:rPr lang="nl-NL" sz="6600" dirty="0" smtClean="0">
+                <a:latin typeface="Eras Light ITC" panose="020B0402030504020804" pitchFamily="34" charset="0"/>
+              </a:rPr>
+              <a:t>QA</a:t>
+            </a:r>
+            <a:endParaRPr lang="nl-NL" sz="6600" dirty="0">
+              <a:latin typeface="Eras Light ITC" panose="020B0402030504020804" pitchFamily="34" charset="0"/>
+            </a:endParaRPr>
+          </a:p>
+        </p:txBody>
+      </p:sp>
+      <p:sp>
+        <p:nvSpPr>
+          <p:cNvPr id="5" name="Tijdelijke aanduiding voor inhoud 2"/>
+          <p:cNvSpPr txBox="1">
+            <a:spLocks/>
+          </p:cNvSpPr>
+          <p:nvPr/>
+        </p:nvSpPr>
+        <p:spPr>
+          <a:xfrm>
+            <a:off x="3876136" y="2065867"/>
+            <a:ext cx="7404395" cy="4367123"/>
+          </a:xfrm>
+          <a:prstGeom prst="rect">
+            <a:avLst/>
+          </a:prstGeom>
+        </p:spPr>
+        <p:txBody>
+          <a:bodyPr vert="horz" lIns="91440" tIns="45720" rIns="91440" bIns="45720" rtlCol="0" anchor="ctr">
+            <a:normAutofit/>
+          </a:bodyPr>
+          <a:lstStyle>
+            <a:lvl1pPr marL="285750" indent="-285750" algn="l" defTabSz="457200" rtl="0" eaLnBrk="1" latinLnBrk="0" hangingPunct="1">
+              <a:spcBef>
+                <a:spcPts val="0"/>
+              </a:spcBef>
+              <a:spcAft>
+                <a:spcPts val="1000"/>
+              </a:spcAft>
+              <a:buClr>
+                <a:schemeClr val="tx1"/>
+              </a:buClr>
+              <a:buSzPct val="100000"/>
+              <a:buFont typeface="Arial"/>
+              <a:buChar char="•"/>
+              <a:defRPr sz="1800" kern="1200" cap="none">
+                <a:solidFill>
+                  <a:schemeClr val="tx1"/>
+                </a:solidFill>
+                <a:effectLst/>
+                <a:latin typeface="+mn-lt"/>
+                <a:ea typeface="+mn-ea"/>
+                <a:cs typeface="+mn-cs"/>
+              </a:defRPr>
+            </a:lvl1pPr>
+            <a:lvl2pPr marL="742950" indent="-285750" algn="l" defTabSz="457200" rtl="0" eaLnBrk="1" latinLnBrk="0" hangingPunct="1">
+              <a:spcBef>
+                <a:spcPts val="0"/>
+              </a:spcBef>
+              <a:spcAft>
+                <a:spcPts val="1000"/>
+              </a:spcAft>
+              <a:buClr>
+                <a:schemeClr val="tx1"/>
+              </a:buClr>
+              <a:buSzPct val="100000"/>
+              <a:buFont typeface="Arial"/>
+              <a:buChar char="•"/>
+              <a:defRPr sz="1600" kern="1200" cap="none">
+                <a:solidFill>
+                  <a:schemeClr val="tx1"/>
+                </a:solidFill>
+                <a:effectLst/>
+                <a:latin typeface="+mn-lt"/>
+                <a:ea typeface="+mn-ea"/>
+                <a:cs typeface="+mn-cs"/>
+              </a:defRPr>
+            </a:lvl2pPr>
+            <a:lvl3pPr marL="1200150" indent="-285750" algn="l" defTabSz="457200" rtl="0" eaLnBrk="1" latinLnBrk="0" hangingPunct="1">
+              <a:spcBef>
+                <a:spcPts val="0"/>
+              </a:spcBef>
+              <a:spcAft>
+                <a:spcPts val="1000"/>
+              </a:spcAft>
+              <a:buClr>
+                <a:schemeClr val="tx1"/>
+              </a:buClr>
+              <a:buSzPct val="100000"/>
+              <a:buFont typeface="Arial"/>
+              <a:buChar char="•"/>
+              <a:defRPr sz="1400" kern="1200" cap="none">
+                <a:solidFill>
+                  <a:schemeClr val="tx1"/>
+                </a:solidFill>
+                <a:effectLst/>
+                <a:latin typeface="+mn-lt"/>
+                <a:ea typeface="+mn-ea"/>
+                <a:cs typeface="+mn-cs"/>
+              </a:defRPr>
+            </a:lvl3pPr>
+            <a:lvl4pPr marL="1543050" indent="-171450" algn="l" defTabSz="457200" rtl="0" eaLnBrk="1" latinLnBrk="0" hangingPunct="1">
+              <a:spcBef>
+                <a:spcPts val="0"/>
+              </a:spcBef>
+              <a:spcAft>
+                <a:spcPts val="1000"/>
+              </a:spcAft>
+              <a:buClr>
+                <a:schemeClr val="tx1"/>
+              </a:buClr>
+              <a:buSzPct val="100000"/>
+              <a:buFont typeface="Arial"/>
+              <a:buChar char="•"/>
+              <a:defRPr sz="1200" kern="1200" cap="none">
+                <a:solidFill>
+                  <a:schemeClr val="tx1"/>
+                </a:solidFill>
+                <a:effectLst/>
+                <a:latin typeface="+mn-lt"/>
+                <a:ea typeface="+mn-ea"/>
+                <a:cs typeface="+mn-cs"/>
+              </a:defRPr>
+            </a:lvl4pPr>
+            <a:lvl5pPr marL="2000250" indent="-171450" algn="l" defTabSz="457200" rtl="0" eaLnBrk="1" latinLnBrk="0" hangingPunct="1">
+              <a:spcBef>
+                <a:spcPts val="0"/>
+              </a:spcBef>
+              <a:spcAft>
+                <a:spcPts val="1000"/>
+              </a:spcAft>
+              <a:buClr>
+                <a:schemeClr val="tx1"/>
+              </a:buClr>
+              <a:buSzPct val="100000"/>
+              <a:buFont typeface="Arial"/>
+              <a:buChar char="•"/>
+              <a:defRPr sz="1200" kern="1200" cap="none">
+                <a:solidFill>
+                  <a:schemeClr val="tx1"/>
+                </a:solidFill>
+                <a:effectLst/>
+                <a:latin typeface="+mn-lt"/>
+                <a:ea typeface="+mn-ea"/>
+                <a:cs typeface="+mn-cs"/>
+              </a:defRPr>
+            </a:lvl5pPr>
+            <a:lvl6pPr marL="2514600" indent="-228600" algn="l" defTabSz="457200" rtl="0" eaLnBrk="1" latinLnBrk="0" hangingPunct="1">
+              <a:spcBef>
+                <a:spcPts val="0"/>
+              </a:spcBef>
+              <a:spcAft>
+                <a:spcPts val="1000"/>
+              </a:spcAft>
+              <a:buClr>
+                <a:schemeClr val="tx1"/>
+              </a:buClr>
+              <a:buSzPct val="100000"/>
+              <a:buFont typeface="Arial"/>
+              <a:buChar char="•"/>
+              <a:defRPr sz="1200" kern="1200" cap="none">
+                <a:solidFill>
+                  <a:schemeClr val="tx1"/>
+                </a:solidFill>
+                <a:effectLst/>
+                <a:latin typeface="+mn-lt"/>
+                <a:ea typeface="+mn-ea"/>
+                <a:cs typeface="+mn-cs"/>
+              </a:defRPr>
+            </a:lvl6pPr>
+            <a:lvl7pPr marL="2971800" indent="-228600" algn="l" defTabSz="457200" rtl="0" eaLnBrk="1" latinLnBrk="0" hangingPunct="1">
+              <a:spcBef>
+                <a:spcPts val="0"/>
+              </a:spcBef>
+              <a:spcAft>
+                <a:spcPts val="1000"/>
+              </a:spcAft>
+              <a:buClr>
+                <a:schemeClr val="tx1"/>
+              </a:buClr>
+              <a:buSzPct val="100000"/>
+              <a:buFont typeface="Arial"/>
+              <a:buChar char="•"/>
+              <a:defRPr sz="1200" kern="1200" cap="none">
+                <a:solidFill>
+                  <a:schemeClr val="tx1"/>
+                </a:solidFill>
+                <a:effectLst/>
+                <a:latin typeface="+mn-lt"/>
+                <a:ea typeface="+mn-ea"/>
+                <a:cs typeface="+mn-cs"/>
+              </a:defRPr>
+            </a:lvl7pPr>
+            <a:lvl8pPr marL="3429000" indent="-228600" algn="l" defTabSz="457200" rtl="0" eaLnBrk="1" latinLnBrk="0" hangingPunct="1">
+              <a:spcBef>
+                <a:spcPts val="0"/>
+              </a:spcBef>
+              <a:spcAft>
+                <a:spcPts val="1000"/>
+              </a:spcAft>
+              <a:buClr>
+                <a:schemeClr val="tx1"/>
+              </a:buClr>
+              <a:buSzPct val="100000"/>
+              <a:buFont typeface="Arial"/>
+              <a:buChar char="•"/>
+              <a:defRPr sz="1200" kern="1200" cap="none">
+                <a:solidFill>
+                  <a:schemeClr val="tx1"/>
+                </a:solidFill>
+                <a:effectLst/>
+                <a:latin typeface="+mn-lt"/>
+                <a:ea typeface="+mn-ea"/>
+                <a:cs typeface="+mn-cs"/>
+              </a:defRPr>
+            </a:lvl8pPr>
+            <a:lvl9pPr marL="3886200" indent="-228600" algn="l" defTabSz="457200" rtl="0" eaLnBrk="1" latinLnBrk="0" hangingPunct="1">
+              <a:spcBef>
+                <a:spcPts val="0"/>
+              </a:spcBef>
+              <a:spcAft>
+                <a:spcPts val="1000"/>
+              </a:spcAft>
+              <a:buClr>
+                <a:schemeClr val="tx1"/>
+              </a:buClr>
+              <a:buSzPct val="100000"/>
+              <a:buFont typeface="Arial"/>
+              <a:buChar char="•"/>
+              <a:defRPr sz="1200" kern="1200" cap="none">
+                <a:solidFill>
+                  <a:schemeClr val="tx1"/>
+                </a:solidFill>
+                <a:effectLst/>
+                <a:latin typeface="+mn-lt"/>
+                <a:ea typeface="+mn-ea"/>
+                <a:cs typeface="+mn-cs"/>
+              </a:defRPr>
+            </a:lvl9pPr>
+          </a:lstStyle>
+          <a:p>
+            <a:endParaRPr lang="nl-NL" sz="2000" dirty="0" smtClean="0">
+              <a:latin typeface="Eras Light ITC" panose="020B0402030504020804" pitchFamily="34" charset="0"/>
+            </a:endParaRPr>
+          </a:p>
+          <a:p>
+            <a:endParaRPr lang="nl-NL" sz="2000" dirty="0">
+              <a:latin typeface="Eras Light ITC" panose="020B0402030504020804" pitchFamily="34" charset="0"/>
+            </a:endParaRPr>
+          </a:p>
+          <a:p>
+            <a:endParaRPr lang="nl-NL" sz="2000" dirty="0" smtClean="0">
+              <a:latin typeface="Eras Light ITC" panose="020B0402030504020804" pitchFamily="34" charset="0"/>
+            </a:endParaRPr>
+          </a:p>
+          <a:p>
+            <a:endParaRPr lang="nl-NL" sz="2000" dirty="0">
+              <a:latin typeface="Eras Light ITC" panose="020B0402030504020804" pitchFamily="34" charset="0"/>
+            </a:endParaRPr>
+          </a:p>
+          <a:p>
+            <a:endParaRPr lang="nl-NL" sz="2000" dirty="0" smtClean="0">
+              <a:latin typeface="Eras Light ITC" panose="020B0402030504020804" pitchFamily="34" charset="0"/>
+            </a:endParaRPr>
+          </a:p>
+        </p:txBody>
+      </p:sp>
+      <p:pic>
+        <p:nvPicPr>
+          <p:cNvPr id="4" name="Afbeelding 3"/>
+          <p:cNvPicPr>
+            <a:picLocks noChangeAspect="1"/>
+          </p:cNvPicPr>
+          <p:nvPr/>
+        </p:nvPicPr>
+        <p:blipFill>
+          <a:blip r:embed="rId2"/>
+          <a:stretch>
+            <a:fillRect/>
+          </a:stretch>
+        </p:blipFill>
+        <p:spPr>
+          <a:xfrm>
+            <a:off x="2888393" y="1762080"/>
+            <a:ext cx="6415212" cy="4974697"/>
+          </a:xfrm>
+          <a:prstGeom prst="rect">
+            <a:avLst/>
+          </a:prstGeom>
+        </p:spPr>
+      </p:pic>
+      <p:pic>
+        <p:nvPicPr>
+          <p:cNvPr id="9" name="Afbeelding 8"/>
+          <p:cNvPicPr>
+            <a:picLocks noChangeAspect="1"/>
+          </p:cNvPicPr>
+          <p:nvPr/>
+        </p:nvPicPr>
+        <p:blipFill>
+          <a:blip r:embed="rId3"/>
+          <a:stretch>
+            <a:fillRect/>
+          </a:stretch>
+        </p:blipFill>
+        <p:spPr>
+          <a:xfrm>
+            <a:off x="2888393" y="1753132"/>
+            <a:ext cx="6415212" cy="4983645"/>
+          </a:xfrm>
+          <a:prstGeom prst="rect">
+            <a:avLst/>
+          </a:prstGeom>
+        </p:spPr>
+      </p:pic>
+    </p:spTree>
+    <p:extLst>
+      <p:ext uri="{BB962C8B-B14F-4D97-AF65-F5344CB8AC3E}">
+        <p14:creationId xmlns:p14="http://schemas.microsoft.com/office/powerpoint/2010/main" val="928330923"/>
+      </p:ext>
+    </p:extLst>
+  </p:cSld>
+  <p:clrMapOvr>
+    <a:masterClrMapping/>
+  </p:clrMapOvr>
+  <p:timing>
+    <p:tnLst>
+      <p:par>
+        <p:cTn id="1" dur="indefinite" restart="never" nodeType="tmRoot">
+          <p:childTnLst>
+            <p:seq concurrent="1" nextAc="seek">
+              <p:cTn id="2" dur="indefinite" nodeType="mainSeq">
+                <p:childTnLst>
+                  <p:par>
+                    <p:cTn id="3" fill="hold">
+                      <p:stCondLst>
+                        <p:cond delay="indefinite"/>
+                      </p:stCondLst>
+                      <p:childTnLst>
+                        <p:par>
+                          <p:cTn id="4" fill="hold">
+                            <p:stCondLst>
+                              <p:cond delay="0"/>
+                            </p:stCondLst>
+                            <p:childTnLst>
+                              <p:par>
+                                <p:cTn id="5" presetID="1" presetClass="entr" presetSubtype="0" fill="hold" nodeType="clickEffect">
+                                  <p:stCondLst>
+                                    <p:cond delay="0"/>
+                                  </p:stCondLst>
+                                  <p:childTnLst>
+                                    <p:set>
+                                      <p:cBhvr>
+                                        <p:cTn id="6" dur="1" fill="hold">
+                                          <p:stCondLst>
+                                            <p:cond delay="0"/>
+                                          </p:stCondLst>
+                                        </p:cTn>
+                                        <p:tgtEl>
+                                          <p:spTgt spid="9"/>
+                                        </p:tgtEl>
+                                        <p:attrNameLst>
+                                          <p:attrName>style.visibility</p:attrName>
+                                        </p:attrNameLst>
+                                      </p:cBhvr>
+                                      <p:to>
+                                        <p:strVal val="visible"/>
+                                      </p:to>
+                                    </p:set>
+                                  </p:childTnLst>
+                                </p:cTn>
+                              </p:par>
+                            </p:childTnLst>
+                          </p:cTn>
+                        </p:par>
+                      </p:childTnLst>
+                    </p:cTn>
+                  </p:par>
+                </p:childTnLst>
+              </p:cTn>
+              <p:prevCondLst>
+                <p:cond evt="onPrev" delay="0">
+                  <p:tgtEl>
+                    <p:sldTgt/>
+                  </p:tgtEl>
+                </p:cond>
+              </p:prevCondLst>
+              <p:nextCondLst>
+                <p:cond evt="onNext" delay="0">
+                  <p:tgtEl>
+                    <p:sldTgt/>
+                  </p:tgtEl>
+                </p:cond>
+              </p:nextCondLst>
+            </p:seq>
+          </p:childTnLst>
+        </p:cTn>
+      </p:par>
+    </p:tnLst>
+  </p:timing>
+</p:sld>
+</file>
+
+<file path=ppt/slides/slide14.xml><?xml version="1.0" encoding="utf-8"?>
+<p:sld xmlns:a="http://schemas.openxmlformats.org/drawingml/2006/main" xmlns:r="http://schemas.openxmlformats.org/officeDocument/2006/relationships" xmlns:p="http://schemas.openxmlformats.org/presentationml/2006/main">
+  <p:cSld>
+    <p:spTree>
+      <p:nvGrpSpPr>
+        <p:cNvPr id="1" name=""/>
+        <p:cNvGrpSpPr/>
+        <p:nvPr/>
+      </p:nvGrpSpPr>
+      <p:grpSpPr>
+        <a:xfrm>
+          <a:off x="0" y="0"/>
+          <a:ext cx="0" cy="0"/>
+          <a:chOff x="0" y="0"/>
+          <a:chExt cx="0" cy="0"/>
+        </a:xfrm>
+      </p:grpSpPr>
+      <p:sp>
+        <p:nvSpPr>
+          <p:cNvPr id="2" name="Titel 1"/>
+          <p:cNvSpPr>
+            <a:spLocks noGrp="1"/>
+          </p:cNvSpPr>
+          <p:nvPr>
+            <p:ph type="title"/>
+          </p:nvPr>
+        </p:nvSpPr>
+        <p:spPr>
+          <a:xfrm>
+            <a:off x="1" y="841308"/>
+            <a:ext cx="12191999" cy="1456267"/>
+          </a:xfrm>
+        </p:spPr>
+        <p:txBody>
+          <a:bodyPr/>
+          <a:lstStyle/>
+          <a:p>
+            <a:pPr algn="ctr"/>
+            <a:r>
+              <a:rPr lang="nl-NL" sz="6600" dirty="0" smtClean="0">
+                <a:latin typeface="Eras Light ITC" panose="020B0402030504020804" pitchFamily="34" charset="0"/>
+              </a:rPr>
+              <a:t>Vragen ? </a:t>
+            </a:r>
+            <a:endParaRPr lang="nl-NL" sz="6600" dirty="0">
+              <a:latin typeface="Eras Light ITC" panose="020B0402030504020804" pitchFamily="34" charset="0"/>
+            </a:endParaRPr>
+          </a:p>
+        </p:txBody>
+      </p:sp>
+      <p:sp>
+        <p:nvSpPr>
+          <p:cNvPr id="3" name="Tijdelijke aanduiding voor inhoud 2"/>
+          <p:cNvSpPr>
+            <a:spLocks noGrp="1"/>
+          </p:cNvSpPr>
+          <p:nvPr>
+            <p:ph idx="1"/>
+          </p:nvPr>
+        </p:nvSpPr>
+        <p:spPr/>
+        <p:txBody>
+          <a:bodyPr>
+            <a:normAutofit/>
+          </a:bodyPr>
+          <a:lstStyle/>
+          <a:p>
             <a:endParaRPr lang="nl-NL" sz="2000" dirty="0" smtClean="0">
               <a:latin typeface="Eras Light ITC" panose="020B0402030504020804" pitchFamily="34" charset="0"/>
             </a:endParaRPr>
@@ -8404,10 +8325,719 @@
           </a:p>
         </p:txBody>
       </p:sp>
+      <p:sp>
+        <p:nvSpPr>
+          <p:cNvPr id="4" name="Tijdelijke aanduiding voor inhoud 2"/>
+          <p:cNvSpPr txBox="1">
+            <a:spLocks/>
+          </p:cNvSpPr>
+          <p:nvPr/>
+        </p:nvSpPr>
+        <p:spPr>
+          <a:xfrm>
+            <a:off x="685801" y="2065867"/>
+            <a:ext cx="10131425" cy="4367123"/>
+          </a:xfrm>
+          <a:prstGeom prst="rect">
+            <a:avLst/>
+          </a:prstGeom>
+        </p:spPr>
+        <p:txBody>
+          <a:bodyPr vert="horz" lIns="91440" tIns="45720" rIns="91440" bIns="45720" rtlCol="0" anchor="ctr">
+            <a:normAutofit/>
+          </a:bodyPr>
+          <a:lstStyle>
+            <a:lvl1pPr marL="285750" indent="-285750" algn="l" defTabSz="457200" rtl="0" eaLnBrk="1" latinLnBrk="0" hangingPunct="1">
+              <a:spcBef>
+                <a:spcPts val="0"/>
+              </a:spcBef>
+              <a:spcAft>
+                <a:spcPts val="1000"/>
+              </a:spcAft>
+              <a:buClr>
+                <a:schemeClr val="tx1"/>
+              </a:buClr>
+              <a:buSzPct val="100000"/>
+              <a:buFont typeface="Arial"/>
+              <a:buChar char="•"/>
+              <a:defRPr sz="1800" kern="1200" cap="none">
+                <a:solidFill>
+                  <a:schemeClr val="tx1"/>
+                </a:solidFill>
+                <a:effectLst/>
+                <a:latin typeface="+mn-lt"/>
+                <a:ea typeface="+mn-ea"/>
+                <a:cs typeface="+mn-cs"/>
+              </a:defRPr>
+            </a:lvl1pPr>
+            <a:lvl2pPr marL="742950" indent="-285750" algn="l" defTabSz="457200" rtl="0" eaLnBrk="1" latinLnBrk="0" hangingPunct="1">
+              <a:spcBef>
+                <a:spcPts val="0"/>
+              </a:spcBef>
+              <a:spcAft>
+                <a:spcPts val="1000"/>
+              </a:spcAft>
+              <a:buClr>
+                <a:schemeClr val="tx1"/>
+              </a:buClr>
+              <a:buSzPct val="100000"/>
+              <a:buFont typeface="Arial"/>
+              <a:buChar char="•"/>
+              <a:defRPr sz="1600" kern="1200" cap="none">
+                <a:solidFill>
+                  <a:schemeClr val="tx1"/>
+                </a:solidFill>
+                <a:effectLst/>
+                <a:latin typeface="+mn-lt"/>
+                <a:ea typeface="+mn-ea"/>
+                <a:cs typeface="+mn-cs"/>
+              </a:defRPr>
+            </a:lvl2pPr>
+            <a:lvl3pPr marL="1200150" indent="-285750" algn="l" defTabSz="457200" rtl="0" eaLnBrk="1" latinLnBrk="0" hangingPunct="1">
+              <a:spcBef>
+                <a:spcPts val="0"/>
+              </a:spcBef>
+              <a:spcAft>
+                <a:spcPts val="1000"/>
+              </a:spcAft>
+              <a:buClr>
+                <a:schemeClr val="tx1"/>
+              </a:buClr>
+              <a:buSzPct val="100000"/>
+              <a:buFont typeface="Arial"/>
+              <a:buChar char="•"/>
+              <a:defRPr sz="1400" kern="1200" cap="none">
+                <a:solidFill>
+                  <a:schemeClr val="tx1"/>
+                </a:solidFill>
+                <a:effectLst/>
+                <a:latin typeface="+mn-lt"/>
+                <a:ea typeface="+mn-ea"/>
+                <a:cs typeface="+mn-cs"/>
+              </a:defRPr>
+            </a:lvl3pPr>
+            <a:lvl4pPr marL="1543050" indent="-171450" algn="l" defTabSz="457200" rtl="0" eaLnBrk="1" latinLnBrk="0" hangingPunct="1">
+              <a:spcBef>
+                <a:spcPts val="0"/>
+              </a:spcBef>
+              <a:spcAft>
+                <a:spcPts val="1000"/>
+              </a:spcAft>
+              <a:buClr>
+                <a:schemeClr val="tx1"/>
+              </a:buClr>
+              <a:buSzPct val="100000"/>
+              <a:buFont typeface="Arial"/>
+              <a:buChar char="•"/>
+              <a:defRPr sz="1200" kern="1200" cap="none">
+                <a:solidFill>
+                  <a:schemeClr val="tx1"/>
+                </a:solidFill>
+                <a:effectLst/>
+                <a:latin typeface="+mn-lt"/>
+                <a:ea typeface="+mn-ea"/>
+                <a:cs typeface="+mn-cs"/>
+              </a:defRPr>
+            </a:lvl4pPr>
+            <a:lvl5pPr marL="2000250" indent="-171450" algn="l" defTabSz="457200" rtl="0" eaLnBrk="1" latinLnBrk="0" hangingPunct="1">
+              <a:spcBef>
+                <a:spcPts val="0"/>
+              </a:spcBef>
+              <a:spcAft>
+                <a:spcPts val="1000"/>
+              </a:spcAft>
+              <a:buClr>
+                <a:schemeClr val="tx1"/>
+              </a:buClr>
+              <a:buSzPct val="100000"/>
+              <a:buFont typeface="Arial"/>
+              <a:buChar char="•"/>
+              <a:defRPr sz="1200" kern="1200" cap="none">
+                <a:solidFill>
+                  <a:schemeClr val="tx1"/>
+                </a:solidFill>
+                <a:effectLst/>
+                <a:latin typeface="+mn-lt"/>
+                <a:ea typeface="+mn-ea"/>
+                <a:cs typeface="+mn-cs"/>
+              </a:defRPr>
+            </a:lvl5pPr>
+            <a:lvl6pPr marL="2514600" indent="-228600" algn="l" defTabSz="457200" rtl="0" eaLnBrk="1" latinLnBrk="0" hangingPunct="1">
+              <a:spcBef>
+                <a:spcPts val="0"/>
+              </a:spcBef>
+              <a:spcAft>
+                <a:spcPts val="1000"/>
+              </a:spcAft>
+              <a:buClr>
+                <a:schemeClr val="tx1"/>
+              </a:buClr>
+              <a:buSzPct val="100000"/>
+              <a:buFont typeface="Arial"/>
+              <a:buChar char="•"/>
+              <a:defRPr sz="1200" kern="1200" cap="none">
+                <a:solidFill>
+                  <a:schemeClr val="tx1"/>
+                </a:solidFill>
+                <a:effectLst/>
+                <a:latin typeface="+mn-lt"/>
+                <a:ea typeface="+mn-ea"/>
+                <a:cs typeface="+mn-cs"/>
+              </a:defRPr>
+            </a:lvl6pPr>
+            <a:lvl7pPr marL="2971800" indent="-228600" algn="l" defTabSz="457200" rtl="0" eaLnBrk="1" latinLnBrk="0" hangingPunct="1">
+              <a:spcBef>
+                <a:spcPts val="0"/>
+              </a:spcBef>
+              <a:spcAft>
+                <a:spcPts val="1000"/>
+              </a:spcAft>
+              <a:buClr>
+                <a:schemeClr val="tx1"/>
+              </a:buClr>
+              <a:buSzPct val="100000"/>
+              <a:buFont typeface="Arial"/>
+              <a:buChar char="•"/>
+              <a:defRPr sz="1200" kern="1200" cap="none">
+                <a:solidFill>
+                  <a:schemeClr val="tx1"/>
+                </a:solidFill>
+                <a:effectLst/>
+                <a:latin typeface="+mn-lt"/>
+                <a:ea typeface="+mn-ea"/>
+                <a:cs typeface="+mn-cs"/>
+              </a:defRPr>
+            </a:lvl7pPr>
+            <a:lvl8pPr marL="3429000" indent="-228600" algn="l" defTabSz="457200" rtl="0" eaLnBrk="1" latinLnBrk="0" hangingPunct="1">
+              <a:spcBef>
+                <a:spcPts val="0"/>
+              </a:spcBef>
+              <a:spcAft>
+                <a:spcPts val="1000"/>
+              </a:spcAft>
+              <a:buClr>
+                <a:schemeClr val="tx1"/>
+              </a:buClr>
+              <a:buSzPct val="100000"/>
+              <a:buFont typeface="Arial"/>
+              <a:buChar char="•"/>
+              <a:defRPr sz="1200" kern="1200" cap="none">
+                <a:solidFill>
+                  <a:schemeClr val="tx1"/>
+                </a:solidFill>
+                <a:effectLst/>
+                <a:latin typeface="+mn-lt"/>
+                <a:ea typeface="+mn-ea"/>
+                <a:cs typeface="+mn-cs"/>
+              </a:defRPr>
+            </a:lvl8pPr>
+            <a:lvl9pPr marL="3886200" indent="-228600" algn="l" defTabSz="457200" rtl="0" eaLnBrk="1" latinLnBrk="0" hangingPunct="1">
+              <a:spcBef>
+                <a:spcPts val="0"/>
+              </a:spcBef>
+              <a:spcAft>
+                <a:spcPts val="1000"/>
+              </a:spcAft>
+              <a:buClr>
+                <a:schemeClr val="tx1"/>
+              </a:buClr>
+              <a:buSzPct val="100000"/>
+              <a:buFont typeface="Arial"/>
+              <a:buChar char="•"/>
+              <a:defRPr sz="1200" kern="1200" cap="none">
+                <a:solidFill>
+                  <a:schemeClr val="tx1"/>
+                </a:solidFill>
+                <a:effectLst/>
+                <a:latin typeface="+mn-lt"/>
+                <a:ea typeface="+mn-ea"/>
+                <a:cs typeface="+mn-cs"/>
+              </a:defRPr>
+            </a:lvl9pPr>
+          </a:lstStyle>
+          <a:p>
+            <a:r>
+              <a:rPr lang="en-US" sz="2000" dirty="0" smtClean="0">
+                <a:latin typeface="Eras Light ITC" panose="020B0402030504020804" pitchFamily="34" charset="0"/>
+              </a:rPr>
+              <a:t>We zo </a:t>
+            </a:r>
+            <a:r>
+              <a:rPr lang="en-US" sz="2000" dirty="0" err="1" smtClean="0">
+                <a:latin typeface="Eras Light ITC" panose="020B0402030504020804" pitchFamily="34" charset="0"/>
+              </a:rPr>
+              <a:t>gaan</a:t>
+            </a:r>
+            <a:r>
+              <a:rPr lang="en-US" sz="2000" dirty="0" smtClean="0">
+                <a:latin typeface="Eras Light ITC" panose="020B0402030504020804" pitchFamily="34" charset="0"/>
+              </a:rPr>
+              <a:t> </a:t>
+            </a:r>
+            <a:r>
+              <a:rPr lang="en-US" sz="2000" dirty="0" err="1" smtClean="0">
+                <a:latin typeface="Eras Light ITC" panose="020B0402030504020804" pitchFamily="34" charset="0"/>
+              </a:rPr>
+              <a:t>demonstreren</a:t>
+            </a:r>
+            <a:endParaRPr lang="en-US" sz="2000" dirty="0" smtClean="0">
+              <a:latin typeface="Eras Light ITC" panose="020B0402030504020804" pitchFamily="34" charset="0"/>
+            </a:endParaRPr>
+          </a:p>
+          <a:p>
+            <a:endParaRPr lang="nl-NL" sz="2000" dirty="0" smtClean="0">
+              <a:latin typeface="Eras Light ITC" panose="020B0402030504020804" pitchFamily="34" charset="0"/>
+            </a:endParaRPr>
+          </a:p>
+        </p:txBody>
+      </p:sp>
     </p:spTree>
     <p:extLst>
       <p:ext uri="{BB962C8B-B14F-4D97-AF65-F5344CB8AC3E}">
         <p14:creationId xmlns:p14="http://schemas.microsoft.com/office/powerpoint/2010/main" val="2316736939"/>
+      </p:ext>
+    </p:extLst>
+  </p:cSld>
+  <p:clrMapOvr>
+    <a:masterClrMapping/>
+  </p:clrMapOvr>
+  <p:timing>
+    <p:tnLst>
+      <p:par>
+        <p:cTn id="1" dur="indefinite" restart="never" nodeType="tmRoot"/>
+      </p:par>
+    </p:tnLst>
+  </p:timing>
+</p:sld>
+</file>
+
+<file path=ppt/slides/slide15.xml><?xml version="1.0" encoding="utf-8"?>
+<p:sld xmlns:a="http://schemas.openxmlformats.org/drawingml/2006/main" xmlns:r="http://schemas.openxmlformats.org/officeDocument/2006/relationships" xmlns:p="http://schemas.openxmlformats.org/presentationml/2006/main">
+  <p:cSld>
+    <p:spTree>
+      <p:nvGrpSpPr>
+        <p:cNvPr id="1" name=""/>
+        <p:cNvGrpSpPr/>
+        <p:nvPr/>
+      </p:nvGrpSpPr>
+      <p:grpSpPr>
+        <a:xfrm>
+          <a:off x="0" y="0"/>
+          <a:ext cx="0" cy="0"/>
+          <a:chOff x="0" y="0"/>
+          <a:chExt cx="0" cy="0"/>
+        </a:xfrm>
+      </p:grpSpPr>
+      <p:sp>
+        <p:nvSpPr>
+          <p:cNvPr id="2" name="Titel 1"/>
+          <p:cNvSpPr>
+            <a:spLocks noGrp="1"/>
+          </p:cNvSpPr>
+          <p:nvPr>
+            <p:ph type="title"/>
+          </p:nvPr>
+        </p:nvSpPr>
+        <p:spPr>
+          <a:xfrm>
+            <a:off x="0" y="609600"/>
+            <a:ext cx="12191999" cy="1456267"/>
+          </a:xfrm>
+        </p:spPr>
+        <p:txBody>
+          <a:bodyPr/>
+          <a:lstStyle/>
+          <a:p>
+            <a:pPr algn="ctr"/>
+            <a:r>
+              <a:rPr lang="nl-NL" sz="6600" dirty="0" smtClean="0">
+                <a:latin typeface="Eras Light ITC" panose="020B0402030504020804" pitchFamily="34" charset="0"/>
+              </a:rPr>
+              <a:t>Zone &amp; UX</a:t>
+            </a:r>
+            <a:endParaRPr lang="nl-NL" sz="6600" dirty="0">
+              <a:latin typeface="Eras Light ITC" panose="020B0402030504020804" pitchFamily="34" charset="0"/>
+            </a:endParaRPr>
+          </a:p>
+        </p:txBody>
+      </p:sp>
+      <p:sp>
+        <p:nvSpPr>
+          <p:cNvPr id="3" name="Tijdelijke aanduiding voor inhoud 2"/>
+          <p:cNvSpPr>
+            <a:spLocks noGrp="1"/>
+          </p:cNvSpPr>
+          <p:nvPr>
+            <p:ph idx="1"/>
+          </p:nvPr>
+        </p:nvSpPr>
+        <p:spPr>
+          <a:xfrm>
+            <a:off x="685801" y="2065867"/>
+            <a:ext cx="10131425" cy="4367123"/>
+          </a:xfrm>
+        </p:spPr>
+        <p:txBody>
+          <a:bodyPr>
+            <a:normAutofit/>
+          </a:bodyPr>
+          <a:lstStyle/>
+          <a:p>
+            <a:r>
+              <a:rPr lang="en-US" sz="2000" dirty="0" smtClean="0">
+                <a:latin typeface="Eras Light ITC" panose="020B0402030504020804" pitchFamily="34" charset="0"/>
+              </a:rPr>
+              <a:t>Map </a:t>
+            </a:r>
+            <a:r>
+              <a:rPr lang="en-US" sz="2000" dirty="0" smtClean="0">
+                <a:latin typeface="Eras Light ITC" panose="020B0402030504020804" pitchFamily="34" charset="0"/>
+              </a:rPr>
+              <a:t>van de </a:t>
+            </a:r>
+            <a:r>
+              <a:rPr lang="en-US" sz="2000" dirty="0" err="1" smtClean="0">
+                <a:latin typeface="Eras Light ITC" panose="020B0402030504020804" pitchFamily="34" charset="0"/>
+              </a:rPr>
+              <a:t>conceptfase</a:t>
+            </a:r>
+            <a:endParaRPr lang="en-US" sz="2000" dirty="0" smtClean="0">
+              <a:latin typeface="Eras Light ITC" panose="020B0402030504020804" pitchFamily="34" charset="0"/>
+            </a:endParaRPr>
+          </a:p>
+          <a:p>
+            <a:r>
+              <a:rPr lang="en-US" sz="2000" dirty="0" smtClean="0">
+                <a:latin typeface="Eras Light ITC" panose="020B0402030504020804" pitchFamily="34" charset="0"/>
+              </a:rPr>
+              <a:t>Walk through</a:t>
+            </a:r>
+            <a:endParaRPr lang="en-US" sz="2000" dirty="0" smtClean="0">
+              <a:latin typeface="Eras Light ITC" panose="020B0402030504020804" pitchFamily="34" charset="0"/>
+            </a:endParaRPr>
+          </a:p>
+          <a:p>
+            <a:r>
+              <a:rPr lang="en-US" sz="2000" dirty="0" err="1" smtClean="0">
+                <a:latin typeface="Eras Light ITC" panose="020B0402030504020804" pitchFamily="34" charset="0"/>
+              </a:rPr>
+              <a:t>Uitleg</a:t>
+            </a:r>
+            <a:r>
+              <a:rPr lang="en-US" sz="2000" dirty="0" smtClean="0">
+                <a:latin typeface="Eras Light ITC" panose="020B0402030504020804" pitchFamily="34" charset="0"/>
+              </a:rPr>
+              <a:t> </a:t>
+            </a:r>
+            <a:r>
+              <a:rPr lang="en-US" sz="2000" dirty="0" err="1" smtClean="0">
+                <a:latin typeface="Eras Light ITC" panose="020B0402030504020804" pitchFamily="34" charset="0"/>
+              </a:rPr>
+              <a:t>Grayboxes</a:t>
+            </a:r>
+            <a:endParaRPr lang="en-US" sz="2000" dirty="0" smtClean="0">
+              <a:latin typeface="Eras Light ITC" panose="020B0402030504020804" pitchFamily="34" charset="0"/>
+            </a:endParaRPr>
+          </a:p>
+          <a:p>
+            <a:r>
+              <a:rPr lang="en-US" sz="2000" dirty="0">
+                <a:latin typeface="Eras Light ITC" panose="020B0402030504020804" pitchFamily="34" charset="0"/>
+              </a:rPr>
+              <a:t>fun-to-play element</a:t>
+            </a:r>
+          </a:p>
+          <a:p>
+            <a:r>
+              <a:rPr lang="en-US" sz="2000" dirty="0" err="1">
+                <a:latin typeface="Eras Light ITC" panose="020B0402030504020804" pitchFamily="34" charset="0"/>
+              </a:rPr>
+              <a:t>Interactie</a:t>
+            </a:r>
+            <a:r>
+              <a:rPr lang="en-US" sz="2000" dirty="0">
+                <a:latin typeface="Eras Light ITC" panose="020B0402030504020804" pitchFamily="34" charset="0"/>
+              </a:rPr>
+              <a:t> met </a:t>
+            </a:r>
+            <a:r>
+              <a:rPr lang="en-US" sz="2000" dirty="0" err="1">
+                <a:latin typeface="Eras Light ITC" panose="020B0402030504020804" pitchFamily="34" charset="0"/>
+              </a:rPr>
+              <a:t>speler</a:t>
+            </a:r>
+            <a:endParaRPr lang="en-US" sz="2000" dirty="0">
+              <a:latin typeface="Eras Light ITC" panose="020B0402030504020804" pitchFamily="34" charset="0"/>
+            </a:endParaRPr>
+          </a:p>
+          <a:p>
+            <a:endParaRPr lang="nl-NL" sz="2000" dirty="0" smtClean="0">
+              <a:latin typeface="Eras Light ITC" panose="020B0402030504020804" pitchFamily="34" charset="0"/>
+            </a:endParaRPr>
+          </a:p>
+        </p:txBody>
+      </p:sp>
+      <p:sp>
+        <p:nvSpPr>
+          <p:cNvPr id="5" name="Tijdelijke aanduiding voor inhoud 2"/>
+          <p:cNvSpPr txBox="1">
+            <a:spLocks/>
+          </p:cNvSpPr>
+          <p:nvPr/>
+        </p:nvSpPr>
+        <p:spPr>
+          <a:xfrm>
+            <a:off x="3876136" y="2065867"/>
+            <a:ext cx="7404395" cy="4367123"/>
+          </a:xfrm>
+          <a:prstGeom prst="rect">
+            <a:avLst/>
+          </a:prstGeom>
+        </p:spPr>
+        <p:txBody>
+          <a:bodyPr vert="horz" lIns="91440" tIns="45720" rIns="91440" bIns="45720" rtlCol="0" anchor="ctr">
+            <a:normAutofit/>
+          </a:bodyPr>
+          <a:lstStyle>
+            <a:lvl1pPr marL="285750" indent="-285750" algn="l" defTabSz="457200" rtl="0" eaLnBrk="1" latinLnBrk="0" hangingPunct="1">
+              <a:spcBef>
+                <a:spcPts val="0"/>
+              </a:spcBef>
+              <a:spcAft>
+                <a:spcPts val="1000"/>
+              </a:spcAft>
+              <a:buClr>
+                <a:schemeClr val="tx1"/>
+              </a:buClr>
+              <a:buSzPct val="100000"/>
+              <a:buFont typeface="Arial"/>
+              <a:buChar char="•"/>
+              <a:defRPr sz="1800" kern="1200" cap="none">
+                <a:solidFill>
+                  <a:schemeClr val="tx1"/>
+                </a:solidFill>
+                <a:effectLst/>
+                <a:latin typeface="+mn-lt"/>
+                <a:ea typeface="+mn-ea"/>
+                <a:cs typeface="+mn-cs"/>
+              </a:defRPr>
+            </a:lvl1pPr>
+            <a:lvl2pPr marL="742950" indent="-285750" algn="l" defTabSz="457200" rtl="0" eaLnBrk="1" latinLnBrk="0" hangingPunct="1">
+              <a:spcBef>
+                <a:spcPts val="0"/>
+              </a:spcBef>
+              <a:spcAft>
+                <a:spcPts val="1000"/>
+              </a:spcAft>
+              <a:buClr>
+                <a:schemeClr val="tx1"/>
+              </a:buClr>
+              <a:buSzPct val="100000"/>
+              <a:buFont typeface="Arial"/>
+              <a:buChar char="•"/>
+              <a:defRPr sz="1600" kern="1200" cap="none">
+                <a:solidFill>
+                  <a:schemeClr val="tx1"/>
+                </a:solidFill>
+                <a:effectLst/>
+                <a:latin typeface="+mn-lt"/>
+                <a:ea typeface="+mn-ea"/>
+                <a:cs typeface="+mn-cs"/>
+              </a:defRPr>
+            </a:lvl2pPr>
+            <a:lvl3pPr marL="1200150" indent="-285750" algn="l" defTabSz="457200" rtl="0" eaLnBrk="1" latinLnBrk="0" hangingPunct="1">
+              <a:spcBef>
+                <a:spcPts val="0"/>
+              </a:spcBef>
+              <a:spcAft>
+                <a:spcPts val="1000"/>
+              </a:spcAft>
+              <a:buClr>
+                <a:schemeClr val="tx1"/>
+              </a:buClr>
+              <a:buSzPct val="100000"/>
+              <a:buFont typeface="Arial"/>
+              <a:buChar char="•"/>
+              <a:defRPr sz="1400" kern="1200" cap="none">
+                <a:solidFill>
+                  <a:schemeClr val="tx1"/>
+                </a:solidFill>
+                <a:effectLst/>
+                <a:latin typeface="+mn-lt"/>
+                <a:ea typeface="+mn-ea"/>
+                <a:cs typeface="+mn-cs"/>
+              </a:defRPr>
+            </a:lvl3pPr>
+            <a:lvl4pPr marL="1543050" indent="-171450" algn="l" defTabSz="457200" rtl="0" eaLnBrk="1" latinLnBrk="0" hangingPunct="1">
+              <a:spcBef>
+                <a:spcPts val="0"/>
+              </a:spcBef>
+              <a:spcAft>
+                <a:spcPts val="1000"/>
+              </a:spcAft>
+              <a:buClr>
+                <a:schemeClr val="tx1"/>
+              </a:buClr>
+              <a:buSzPct val="100000"/>
+              <a:buFont typeface="Arial"/>
+              <a:buChar char="•"/>
+              <a:defRPr sz="1200" kern="1200" cap="none">
+                <a:solidFill>
+                  <a:schemeClr val="tx1"/>
+                </a:solidFill>
+                <a:effectLst/>
+                <a:latin typeface="+mn-lt"/>
+                <a:ea typeface="+mn-ea"/>
+                <a:cs typeface="+mn-cs"/>
+              </a:defRPr>
+            </a:lvl4pPr>
+            <a:lvl5pPr marL="2000250" indent="-171450" algn="l" defTabSz="457200" rtl="0" eaLnBrk="1" latinLnBrk="0" hangingPunct="1">
+              <a:spcBef>
+                <a:spcPts val="0"/>
+              </a:spcBef>
+              <a:spcAft>
+                <a:spcPts val="1000"/>
+              </a:spcAft>
+              <a:buClr>
+                <a:schemeClr val="tx1"/>
+              </a:buClr>
+              <a:buSzPct val="100000"/>
+              <a:buFont typeface="Arial"/>
+              <a:buChar char="•"/>
+              <a:defRPr sz="1200" kern="1200" cap="none">
+                <a:solidFill>
+                  <a:schemeClr val="tx1"/>
+                </a:solidFill>
+                <a:effectLst/>
+                <a:latin typeface="+mn-lt"/>
+                <a:ea typeface="+mn-ea"/>
+                <a:cs typeface="+mn-cs"/>
+              </a:defRPr>
+            </a:lvl5pPr>
+            <a:lvl6pPr marL="2514600" indent="-228600" algn="l" defTabSz="457200" rtl="0" eaLnBrk="1" latinLnBrk="0" hangingPunct="1">
+              <a:spcBef>
+                <a:spcPts val="0"/>
+              </a:spcBef>
+              <a:spcAft>
+                <a:spcPts val="1000"/>
+              </a:spcAft>
+              <a:buClr>
+                <a:schemeClr val="tx1"/>
+              </a:buClr>
+              <a:buSzPct val="100000"/>
+              <a:buFont typeface="Arial"/>
+              <a:buChar char="•"/>
+              <a:defRPr sz="1200" kern="1200" cap="none">
+                <a:solidFill>
+                  <a:schemeClr val="tx1"/>
+                </a:solidFill>
+                <a:effectLst/>
+                <a:latin typeface="+mn-lt"/>
+                <a:ea typeface="+mn-ea"/>
+                <a:cs typeface="+mn-cs"/>
+              </a:defRPr>
+            </a:lvl6pPr>
+            <a:lvl7pPr marL="2971800" indent="-228600" algn="l" defTabSz="457200" rtl="0" eaLnBrk="1" latinLnBrk="0" hangingPunct="1">
+              <a:spcBef>
+                <a:spcPts val="0"/>
+              </a:spcBef>
+              <a:spcAft>
+                <a:spcPts val="1000"/>
+              </a:spcAft>
+              <a:buClr>
+                <a:schemeClr val="tx1"/>
+              </a:buClr>
+              <a:buSzPct val="100000"/>
+              <a:buFont typeface="Arial"/>
+              <a:buChar char="•"/>
+              <a:defRPr sz="1200" kern="1200" cap="none">
+                <a:solidFill>
+                  <a:schemeClr val="tx1"/>
+                </a:solidFill>
+                <a:effectLst/>
+                <a:latin typeface="+mn-lt"/>
+                <a:ea typeface="+mn-ea"/>
+                <a:cs typeface="+mn-cs"/>
+              </a:defRPr>
+            </a:lvl7pPr>
+            <a:lvl8pPr marL="3429000" indent="-228600" algn="l" defTabSz="457200" rtl="0" eaLnBrk="1" latinLnBrk="0" hangingPunct="1">
+              <a:spcBef>
+                <a:spcPts val="0"/>
+              </a:spcBef>
+              <a:spcAft>
+                <a:spcPts val="1000"/>
+              </a:spcAft>
+              <a:buClr>
+                <a:schemeClr val="tx1"/>
+              </a:buClr>
+              <a:buSzPct val="100000"/>
+              <a:buFont typeface="Arial"/>
+              <a:buChar char="•"/>
+              <a:defRPr sz="1200" kern="1200" cap="none">
+                <a:solidFill>
+                  <a:schemeClr val="tx1"/>
+                </a:solidFill>
+                <a:effectLst/>
+                <a:latin typeface="+mn-lt"/>
+                <a:ea typeface="+mn-ea"/>
+                <a:cs typeface="+mn-cs"/>
+              </a:defRPr>
+            </a:lvl8pPr>
+            <a:lvl9pPr marL="3886200" indent="-228600" algn="l" defTabSz="457200" rtl="0" eaLnBrk="1" latinLnBrk="0" hangingPunct="1">
+              <a:spcBef>
+                <a:spcPts val="0"/>
+              </a:spcBef>
+              <a:spcAft>
+                <a:spcPts val="1000"/>
+              </a:spcAft>
+              <a:buClr>
+                <a:schemeClr val="tx1"/>
+              </a:buClr>
+              <a:buSzPct val="100000"/>
+              <a:buFont typeface="Arial"/>
+              <a:buChar char="•"/>
+              <a:defRPr sz="1200" kern="1200" cap="none">
+                <a:solidFill>
+                  <a:schemeClr val="tx1"/>
+                </a:solidFill>
+                <a:effectLst/>
+                <a:latin typeface="+mn-lt"/>
+                <a:ea typeface="+mn-ea"/>
+                <a:cs typeface="+mn-cs"/>
+              </a:defRPr>
+            </a:lvl9pPr>
+          </a:lstStyle>
+          <a:p>
+            <a:endParaRPr lang="nl-NL" sz="2000" dirty="0" smtClean="0">
+              <a:latin typeface="Eras Light ITC" panose="020B0402030504020804" pitchFamily="34" charset="0"/>
+            </a:endParaRPr>
+          </a:p>
+          <a:p>
+            <a:endParaRPr lang="nl-NL" sz="2000" dirty="0">
+              <a:latin typeface="Eras Light ITC" panose="020B0402030504020804" pitchFamily="34" charset="0"/>
+            </a:endParaRPr>
+          </a:p>
+          <a:p>
+            <a:endParaRPr lang="nl-NL" sz="2000" dirty="0" smtClean="0">
+              <a:latin typeface="Eras Light ITC" panose="020B0402030504020804" pitchFamily="34" charset="0"/>
+            </a:endParaRPr>
+          </a:p>
+          <a:p>
+            <a:endParaRPr lang="nl-NL" sz="2000" dirty="0">
+              <a:latin typeface="Eras Light ITC" panose="020B0402030504020804" pitchFamily="34" charset="0"/>
+            </a:endParaRPr>
+          </a:p>
+          <a:p>
+            <a:endParaRPr lang="nl-NL" sz="2000" dirty="0" smtClean="0">
+              <a:latin typeface="Eras Light ITC" panose="020B0402030504020804" pitchFamily="34" charset="0"/>
+            </a:endParaRPr>
+          </a:p>
+        </p:txBody>
+      </p:sp>
+    </p:spTree>
+    <p:extLst>
+      <p:ext uri="{BB962C8B-B14F-4D97-AF65-F5344CB8AC3E}">
+        <p14:creationId xmlns:p14="http://schemas.microsoft.com/office/powerpoint/2010/main" val="1562790998"/>
       </p:ext>
     </p:extLst>
   </p:cSld>
@@ -8466,19 +9096,13 @@
               <a:rPr lang="nl-NL" sz="6600" dirty="0" smtClean="0">
                 <a:latin typeface="Eras Light ITC" panose="020B0402030504020804" pitchFamily="34" charset="0"/>
               </a:rPr>
-              <a:t>Voorstellen groep(</a:t>
-            </a:r>
-            <a:r>
-              <a:rPr lang="nl-NL" sz="6600" dirty="0" err="1" smtClean="0">
-                <a:latin typeface="Eras Light ITC" panose="020B0402030504020804" pitchFamily="34" charset="0"/>
-              </a:rPr>
-              <a:t>Fahra</a:t>
+              <a:t>Voorstellen </a:t>
             </a:r>
             <a:r>
               <a:rPr lang="nl-NL" sz="6600" dirty="0" smtClean="0">
                 <a:latin typeface="Eras Light ITC" panose="020B0402030504020804" pitchFamily="34" charset="0"/>
               </a:rPr>
-              <a:t>)</a:t>
+              <a:t>groep</a:t>
             </a:r>
             <a:endParaRPr lang="nl-NL" sz="6600" dirty="0">
               <a:latin typeface="Eras Light ITC" panose="020B0402030504020804" pitchFamily="34" charset="0"/>
@@ -8510,7 +9134,13 @@
               <a:rPr lang="nl-NL" sz="2000" dirty="0" smtClean="0">
                 <a:latin typeface="Eras Light ITC" panose="020B0402030504020804" pitchFamily="34" charset="0"/>
               </a:rPr>
-              <a:t>Producer:				Fahrettin Güngör		(manage project, </a:t>
+              <a:t>Producer:				Fahrettin Güngör		</a:t>
+            </a:r>
+            <a:r>
+              <a:rPr lang="nl-NL" sz="2000" dirty="0" smtClean="0">
+                <a:latin typeface="Eras Light ITC" panose="020B0402030504020804" pitchFamily="34" charset="0"/>
+              </a:rPr>
+              <a:t>(manage project, </a:t>
             </a:r>
             <a:r>
               <a:rPr lang="nl-NL" sz="2000" dirty="0" err="1" smtClean="0">
@@ -8530,39 +9160,33 @@
               <a:rPr lang="nl-NL" sz="2000" dirty="0" smtClean="0">
                 <a:latin typeface="Eras Light ITC" panose="020B0402030504020804" pitchFamily="34" charset="0"/>
               </a:rPr>
-              <a:t>Lead Developer:		Mack </a:t>
+              <a:t>Lead Developer:		Mack Mendes Moreira	(aansturen </a:t>
             </a:r>
             <a:r>
               <a:rPr lang="nl-NL" sz="2000" dirty="0" err="1" smtClean="0">
                 <a:latin typeface="Eras Light ITC" panose="020B0402030504020804" pitchFamily="34" charset="0"/>
               </a:rPr>
-              <a:t>Mendes</a:t>
+              <a:t>developers</a:t>
             </a:r>
             <a:r>
               <a:rPr lang="nl-NL" sz="2000" dirty="0" smtClean="0">
                 <a:latin typeface="Eras Light ITC" panose="020B0402030504020804" pitchFamily="34" charset="0"/>
               </a:rPr>
-              <a:t> Moreira	(aansturen </a:t>
-            </a:r>
-            <a:r>
-              <a:rPr lang="nl-NL" sz="2000" dirty="0" err="1" smtClean="0">
-                <a:latin typeface="Eras Light ITC" panose="020B0402030504020804" pitchFamily="34" charset="0"/>
-              </a:rPr>
-              <a:t>developers</a:t>
-            </a:r>
+              <a:t>, overzicht scripts, consistentie)</a:t>
+            </a:r>
+          </a:p>
+          <a:p>
             <a:r>
               <a:rPr lang="nl-NL" sz="2000" dirty="0" smtClean="0">
                 <a:latin typeface="Eras Light ITC" panose="020B0402030504020804" pitchFamily="34" charset="0"/>
               </a:rPr>
-              <a:t>, overzicht scripts, consistentie)</a:t>
-            </a:r>
-          </a:p>
-          <a:p>
+              <a:t>Lead </a:t>
+            </a:r>
             <a:r>
               <a:rPr lang="nl-NL" sz="2000" dirty="0" smtClean="0">
                 <a:latin typeface="Eras Light ITC" panose="020B0402030504020804" pitchFamily="34" charset="0"/>
               </a:rPr>
-              <a:t>Lead Artist:			Ruben de Water			(art </a:t>
+              <a:t>Artist:			Ruben de Water			(art </a:t>
             </a:r>
             <a:r>
               <a:rPr lang="nl-NL" sz="2000" dirty="0" err="1" smtClean="0">
@@ -8746,19 +9370,7 @@
               <a:rPr lang="nl-NL" sz="6600" dirty="0" smtClean="0">
                 <a:latin typeface="Eras Light ITC" panose="020B0402030504020804" pitchFamily="34" charset="0"/>
               </a:rPr>
-              <a:t>Inhoudsopgave(</a:t>
-            </a:r>
-            <a:r>
-              <a:rPr lang="nl-NL" sz="6600" dirty="0" err="1" smtClean="0">
-                <a:latin typeface="Eras Light ITC" panose="020B0402030504020804" pitchFamily="34" charset="0"/>
-              </a:rPr>
-              <a:t>Fahra</a:t>
-            </a:r>
-            <a:r>
-              <a:rPr lang="nl-NL" sz="6600" dirty="0" smtClean="0">
-                <a:latin typeface="Eras Light ITC" panose="020B0402030504020804" pitchFamily="34" charset="0"/>
-              </a:rPr>
-              <a:t>)</a:t>
+              <a:t>Inhoudsopgave</a:t>
             </a:r>
             <a:endParaRPr lang="nl-NL" sz="6600" dirty="0">
               <a:latin typeface="Eras Light ITC" panose="020B0402030504020804" pitchFamily="34" charset="0"/>
@@ -8778,8 +9390,8 @@
         </p:nvSpPr>
         <p:spPr>
           <a:xfrm>
-            <a:off x="685801" y="2065867"/>
-            <a:ext cx="10131425" cy="4367123"/>
+            <a:off x="3350343" y="1987209"/>
+            <a:ext cx="5245103" cy="4792133"/>
           </a:xfrm>
         </p:spPr>
         <p:txBody>
@@ -8808,9 +9420,39 @@
           </a:p>
           <a:p>
             <a:r>
+              <a:rPr lang="en-US" sz="2000" dirty="0" err="1" smtClean="0">
+                <a:latin typeface="Eras Light ITC" panose="020B0402030504020804" pitchFamily="34" charset="0"/>
+              </a:rPr>
+              <a:t>Presentie</a:t>
+            </a:r>
+            <a:endParaRPr lang="en-US" sz="2000" dirty="0" smtClean="0">
+              <a:latin typeface="Eras Light ITC" panose="020B0402030504020804" pitchFamily="34" charset="0"/>
+            </a:endParaRPr>
+          </a:p>
+          <a:p>
+            <a:r>
               <a:rPr lang="en-US" sz="2000" dirty="0" smtClean="0">
                 <a:latin typeface="Eras Light ITC" panose="020B0402030504020804" pitchFamily="34" charset="0"/>
               </a:rPr>
+              <a:t>Planning</a:t>
+            </a:r>
+          </a:p>
+          <a:p>
+            <a:r>
+              <a:rPr lang="en-US" sz="2000" dirty="0" smtClean="0">
+                <a:latin typeface="Eras Light ITC" panose="020B0402030504020804" pitchFamily="34" charset="0"/>
+              </a:rPr>
+              <a:t>Backlog</a:t>
+            </a:r>
+            <a:endParaRPr lang="en-US" sz="2000" dirty="0" smtClean="0">
+              <a:latin typeface="Eras Light ITC" panose="020B0402030504020804" pitchFamily="34" charset="0"/>
+            </a:endParaRPr>
+          </a:p>
+          <a:p>
+            <a:r>
+              <a:rPr lang="en-US" sz="2000" dirty="0" smtClean="0">
+                <a:latin typeface="Eras Light ITC" panose="020B0402030504020804" pitchFamily="34" charset="0"/>
+              </a:rPr>
               <a:t>Art</a:t>
             </a:r>
           </a:p>
@@ -8819,39 +9461,43 @@
               <a:rPr lang="en-US" sz="2000" dirty="0" smtClean="0">
                 <a:latin typeface="Eras Light ITC" panose="020B0402030504020804" pitchFamily="34" charset="0"/>
               </a:rPr>
-              <a:t>Zone</a:t>
-            </a:r>
+              <a:t>Development</a:t>
+            </a:r>
+            <a:endParaRPr lang="en-US" sz="2000" dirty="0" smtClean="0">
+              <a:latin typeface="Eras Light ITC" panose="020B0402030504020804" pitchFamily="34" charset="0"/>
+            </a:endParaRPr>
           </a:p>
           <a:p>
             <a:r>
               <a:rPr lang="en-US" sz="2000" dirty="0" smtClean="0">
                 <a:latin typeface="Eras Light ITC" panose="020B0402030504020804" pitchFamily="34" charset="0"/>
               </a:rPr>
-              <a:t>Planning</a:t>
-            </a:r>
-          </a:p>
-          <a:p>
+              <a:t>QA</a:t>
+            </a:r>
+          </a:p>
+          <a:p>
+            <a:r>
+              <a:rPr lang="en-US" sz="2000" dirty="0" err="1" smtClean="0">
+                <a:latin typeface="Eras Light ITC" panose="020B0402030504020804" pitchFamily="34" charset="0"/>
+              </a:rPr>
+              <a:t>Vragen</a:t>
+            </a:r>
             <a:r>
               <a:rPr lang="en-US" sz="2000" dirty="0" smtClean="0">
                 <a:latin typeface="Eras Light ITC" panose="020B0402030504020804" pitchFamily="34" charset="0"/>
               </a:rPr>
-              <a:t>UX</a:t>
-            </a:r>
+              <a:t>?</a:t>
+            </a:r>
+            <a:endParaRPr lang="en-US" sz="2000" dirty="0" smtClean="0">
+              <a:latin typeface="Eras Light ITC" panose="020B0402030504020804" pitchFamily="34" charset="0"/>
+            </a:endParaRPr>
           </a:p>
           <a:p>
             <a:r>
               <a:rPr lang="en-US" sz="2000" dirty="0" smtClean="0">
                 <a:latin typeface="Eras Light ITC" panose="020B0402030504020804" pitchFamily="34" charset="0"/>
               </a:rPr>
-              <a:t>QA</a:t>
-            </a:r>
-          </a:p>
-          <a:p>
-            <a:r>
-              <a:rPr lang="en-US" sz="2000" dirty="0" smtClean="0">
-                <a:latin typeface="Eras Light ITC" panose="020B0402030504020804" pitchFamily="34" charset="0"/>
-              </a:rPr>
-              <a:t>Development</a:t>
+              <a:t>Zone/UX</a:t>
             </a:r>
             <a:endParaRPr lang="nl-NL" sz="2000" dirty="0" smtClean="0">
               <a:latin typeface="Eras Light ITC" panose="020B0402030504020804" pitchFamily="34" charset="0"/>
@@ -9178,19 +9824,7 @@
               <a:rPr lang="nl-NL" sz="6600" dirty="0" smtClean="0">
                 <a:latin typeface="Eras Light ITC" panose="020B0402030504020804" pitchFamily="34" charset="0"/>
               </a:rPr>
-              <a:t>Status(</a:t>
-            </a:r>
-            <a:r>
-              <a:rPr lang="nl-NL" sz="6600" dirty="0" err="1" smtClean="0">
-                <a:latin typeface="Eras Light ITC" panose="020B0402030504020804" pitchFamily="34" charset="0"/>
-              </a:rPr>
-              <a:t>fahra</a:t>
-            </a:r>
-            <a:r>
-              <a:rPr lang="nl-NL" sz="6600" dirty="0" smtClean="0">
-                <a:latin typeface="Eras Light ITC" panose="020B0402030504020804" pitchFamily="34" charset="0"/>
-              </a:rPr>
-              <a:t>)</a:t>
+              <a:t>Status</a:t>
             </a:r>
             <a:endParaRPr lang="nl-NL" sz="6600" dirty="0">
               <a:latin typeface="Eras Light ITC" panose="020B0402030504020804" pitchFamily="34" charset="0"/>
@@ -9221,28 +9855,10 @@
           <a:lstStyle/>
           <a:p>
             <a:r>
-              <a:rPr lang="en-US" sz="2000" dirty="0" err="1" smtClean="0">
-                <a:latin typeface="Eras Light ITC" panose="020B0402030504020804" pitchFamily="34" charset="0"/>
-              </a:rPr>
-              <a:t>Uitgebreidt</a:t>
-            </a:r>
-            <a:r>
               <a:rPr lang="en-US" sz="2000" dirty="0" smtClean="0">
                 <a:latin typeface="Eras Light ITC" panose="020B0402030504020804" pitchFamily="34" charset="0"/>
               </a:rPr>
-              <a:t> </a:t>
-            </a:r>
-            <a:r>
-              <a:rPr lang="en-US" sz="2000" dirty="0" err="1" smtClean="0">
-                <a:latin typeface="Eras Light ITC" panose="020B0402030504020804" pitchFamily="34" charset="0"/>
-              </a:rPr>
-              <a:t>vertellen</a:t>
-            </a:r>
-            <a:r>
-              <a:rPr lang="en-US" sz="2000" dirty="0" smtClean="0">
-                <a:latin typeface="Eras Light ITC" panose="020B0402030504020804" pitchFamily="34" charset="0"/>
-              </a:rPr>
-              <a:t> over status van game</a:t>
+              <a:t>Status van game</a:t>
             </a:r>
             <a:endParaRPr lang="en-US" sz="2000" dirty="0">
               <a:latin typeface="Eras Light ITC" panose="020B0402030504020804" pitchFamily="34" charset="0"/>
@@ -9586,24 +10202,6 @@
               </a:rPr>
               <a:t>GroepsDynamiek</a:t>
             </a:r>
-            <a:r>
-              <a:rPr lang="nl-NL" sz="6600" dirty="0" smtClean="0">
-                <a:latin typeface="Eras Light ITC" panose="020B0402030504020804" pitchFamily="34" charset="0"/>
-              </a:rPr>
-              <a:t>(</a:t>
-            </a:r>
-            <a:r>
-              <a:rPr lang="nl-NL" sz="6600" dirty="0" err="1" smtClean="0">
-                <a:latin typeface="Eras Light ITC" panose="020B0402030504020804" pitchFamily="34" charset="0"/>
-              </a:rPr>
-              <a:t>fahra</a:t>
-            </a:r>
-            <a:r>
-              <a:rPr lang="nl-NL" sz="6600" dirty="0" smtClean="0">
-                <a:latin typeface="Eras Light ITC" panose="020B0402030504020804" pitchFamily="34" charset="0"/>
-              </a:rPr>
-              <a:t>)</a:t>
-            </a:r>
             <a:endParaRPr lang="nl-NL" sz="6600" dirty="0">
               <a:latin typeface="Eras Light ITC" panose="020B0402030504020804" pitchFamily="34" charset="0"/>
             </a:endParaRPr>
@@ -9654,169 +10252,118 @@
               <a:rPr lang="en-US" sz="2000" dirty="0" err="1" smtClean="0">
                 <a:latin typeface="Eras Light ITC" panose="020B0402030504020804" pitchFamily="34" charset="0"/>
               </a:rPr>
-              <a:t>er</a:t>
+              <a:t>goed</a:t>
             </a:r>
             <a:r>
               <a:rPr lang="en-US" sz="2000" dirty="0" smtClean="0">
                 <a:latin typeface="Eras Light ITC" panose="020B0402030504020804" pitchFamily="34" charset="0"/>
               </a:rPr>
+              <a:t>?</a:t>
+            </a:r>
+            <a:endParaRPr lang="en-US" sz="2000" dirty="0" smtClean="0">
+              <a:latin typeface="Eras Light ITC" panose="020B0402030504020804" pitchFamily="34" charset="0"/>
+            </a:endParaRPr>
+          </a:p>
+          <a:p>
+            <a:r>
+              <a:rPr lang="en-US" sz="2000" dirty="0" smtClean="0">
+                <a:latin typeface="Eras Light ITC" panose="020B0402030504020804" pitchFamily="34" charset="0"/>
+              </a:rPr>
+              <a:t>Wat </a:t>
+            </a:r>
+            <a:r>
+              <a:rPr lang="en-US" sz="2000" dirty="0" err="1" smtClean="0">
+                <a:latin typeface="Eras Light ITC" panose="020B0402030504020804" pitchFamily="34" charset="0"/>
+              </a:rPr>
+              <a:t>gaat</a:t>
+            </a:r>
+            <a:r>
+              <a:rPr lang="en-US" sz="2000" dirty="0" smtClean="0">
+                <a:latin typeface="Eras Light ITC" panose="020B0402030504020804" pitchFamily="34" charset="0"/>
+              </a:rPr>
+              <a:t>/</a:t>
+            </a:r>
+            <a:r>
+              <a:rPr lang="en-US" sz="2000" dirty="0" err="1" smtClean="0">
+                <a:latin typeface="Eras Light ITC" panose="020B0402030504020804" pitchFamily="34" charset="0"/>
+              </a:rPr>
+              <a:t>ging</a:t>
+            </a:r>
+            <a:r>
+              <a:rPr lang="en-US" sz="2000" dirty="0" smtClean="0">
+                <a:latin typeface="Eras Light ITC" panose="020B0402030504020804" pitchFamily="34" charset="0"/>
+              </a:rPr>
               <a:t> </a:t>
             </a:r>
             <a:r>
               <a:rPr lang="en-US" sz="2000" dirty="0" err="1" smtClean="0">
                 <a:latin typeface="Eras Light ITC" panose="020B0402030504020804" pitchFamily="34" charset="0"/>
               </a:rPr>
-              <a:t>goed</a:t>
+              <a:t>verkeerd</a:t>
             </a:r>
             <a:r>
               <a:rPr lang="en-US" sz="2000" dirty="0" smtClean="0">
                 <a:latin typeface="Eras Light ITC" panose="020B0402030504020804" pitchFamily="34" charset="0"/>
               </a:rPr>
-              <a:t> in </a:t>
+              <a:t>?</a:t>
+            </a:r>
+            <a:endParaRPr lang="en-US" sz="2000" dirty="0" smtClean="0">
+              <a:latin typeface="Eras Light ITC" panose="020B0402030504020804" pitchFamily="34" charset="0"/>
+            </a:endParaRPr>
+          </a:p>
+          <a:p>
+            <a:r>
+              <a:rPr lang="en-US" sz="2000" dirty="0" smtClean="0">
+                <a:latin typeface="Eras Light ITC" panose="020B0402030504020804" pitchFamily="34" charset="0"/>
+              </a:rPr>
+              <a:t>Hoe </a:t>
             </a:r>
             <a:r>
               <a:rPr lang="en-US" sz="2000" dirty="0" err="1" smtClean="0">
                 <a:latin typeface="Eras Light ITC" panose="020B0402030504020804" pitchFamily="34" charset="0"/>
               </a:rPr>
-              <a:t>groep</a:t>
+              <a:t>zijn</a:t>
             </a:r>
             <a:r>
               <a:rPr lang="en-US" sz="2000" dirty="0" smtClean="0">
                 <a:latin typeface="Eras Light ITC" panose="020B0402030504020804" pitchFamily="34" charset="0"/>
               </a:rPr>
+              <a:t> de </a:t>
+            </a:r>
+            <a:r>
+              <a:rPr lang="en-US" sz="2000" dirty="0" err="1" smtClean="0">
+                <a:latin typeface="Eras Light ITC" panose="020B0402030504020804" pitchFamily="34" charset="0"/>
+              </a:rPr>
+              <a:t>problemen</a:t>
+            </a:r>
+            <a:r>
+              <a:rPr lang="en-US" sz="2000" dirty="0" smtClean="0">
+                <a:latin typeface="Eras Light ITC" panose="020B0402030504020804" pitchFamily="34" charset="0"/>
+              </a:rPr>
+              <a:t> </a:t>
+            </a:r>
+            <a:r>
+              <a:rPr lang="en-US" sz="2000" dirty="0" err="1" smtClean="0">
+                <a:latin typeface="Eras Light ITC" panose="020B0402030504020804" pitchFamily="34" charset="0"/>
+              </a:rPr>
+              <a:t>getackeled</a:t>
+            </a:r>
+            <a:r>
+              <a:rPr lang="en-US" sz="2000" dirty="0" smtClean="0">
+                <a:latin typeface="Eras Light ITC" panose="020B0402030504020804" pitchFamily="34" charset="0"/>
+              </a:rPr>
               <a:t>?</a:t>
             </a:r>
-          </a:p>
-          <a:p>
-            <a:r>
-              <a:rPr lang="en-US" sz="2000" dirty="0" smtClean="0">
-                <a:latin typeface="Eras Light ITC" panose="020B0402030504020804" pitchFamily="34" charset="0"/>
-              </a:rPr>
-              <a:t>Wat is </a:t>
-            </a:r>
+            <a:endParaRPr lang="en-US" sz="2000" dirty="0" smtClean="0">
+              <a:latin typeface="Eras Light ITC" panose="020B0402030504020804" pitchFamily="34" charset="0"/>
+            </a:endParaRPr>
+          </a:p>
+          <a:p>
             <a:r>
               <a:rPr lang="en-US" sz="2000" dirty="0" err="1" smtClean="0">
                 <a:latin typeface="Eras Light ITC" panose="020B0402030504020804" pitchFamily="34" charset="0"/>
               </a:rPr>
-              <a:t>er</a:t>
-            </a:r>
-            <a:r>
-              <a:rPr lang="en-US" sz="2000" dirty="0" smtClean="0">
-                <a:latin typeface="Eras Light ITC" panose="020B0402030504020804" pitchFamily="34" charset="0"/>
-              </a:rPr>
-              <a:t> </a:t>
-            </a:r>
-            <a:r>
-              <a:rPr lang="en-US" sz="2000" dirty="0" err="1" smtClean="0">
-                <a:latin typeface="Eras Light ITC" panose="020B0402030504020804" pitchFamily="34" charset="0"/>
-              </a:rPr>
-              <a:t>misgegeaan</a:t>
-            </a:r>
-            <a:r>
-              <a:rPr lang="en-US" sz="2000" dirty="0" smtClean="0">
-                <a:latin typeface="Eras Light ITC" panose="020B0402030504020804" pitchFamily="34" charset="0"/>
-              </a:rPr>
-              <a:t> in </a:t>
-            </a:r>
-            <a:r>
-              <a:rPr lang="en-US" sz="2000" dirty="0" err="1" smtClean="0">
-                <a:latin typeface="Eras Light ITC" panose="020B0402030504020804" pitchFamily="34" charset="0"/>
-              </a:rPr>
-              <a:t>groep</a:t>
-            </a:r>
-            <a:r>
-              <a:rPr lang="en-US" sz="2000" dirty="0" smtClean="0">
-                <a:latin typeface="Eras Light ITC" panose="020B0402030504020804" pitchFamily="34" charset="0"/>
-              </a:rPr>
-              <a:t>?</a:t>
-            </a:r>
-          </a:p>
-          <a:p>
-            <a:r>
-              <a:rPr lang="en-US" sz="2000" dirty="0" smtClean="0">
-                <a:latin typeface="Eras Light ITC" panose="020B0402030504020804" pitchFamily="34" charset="0"/>
-              </a:rPr>
-              <a:t>Hoe </a:t>
-            </a:r>
-            <a:r>
-              <a:rPr lang="en-US" sz="2000" dirty="0" err="1" smtClean="0">
-                <a:latin typeface="Eras Light ITC" panose="020B0402030504020804" pitchFamily="34" charset="0"/>
-              </a:rPr>
-              <a:t>zijn</a:t>
-            </a:r>
-            <a:r>
-              <a:rPr lang="en-US" sz="2000" dirty="0" smtClean="0">
-                <a:latin typeface="Eras Light ITC" panose="020B0402030504020804" pitchFamily="34" charset="0"/>
-              </a:rPr>
-              <a:t> </a:t>
-            </a:r>
-            <a:r>
-              <a:rPr lang="en-US" sz="2000" dirty="0" err="1" smtClean="0">
-                <a:latin typeface="Eras Light ITC" panose="020B0402030504020804" pitchFamily="34" charset="0"/>
-              </a:rPr>
-              <a:t>deze</a:t>
-            </a:r>
-            <a:r>
-              <a:rPr lang="en-US" sz="2000" dirty="0" smtClean="0">
-                <a:latin typeface="Eras Light ITC" panose="020B0402030504020804" pitchFamily="34" charset="0"/>
-              </a:rPr>
-              <a:t> </a:t>
-            </a:r>
-            <a:r>
-              <a:rPr lang="en-US" sz="2000" dirty="0" err="1" smtClean="0">
-                <a:latin typeface="Eras Light ITC" panose="020B0402030504020804" pitchFamily="34" charset="0"/>
-              </a:rPr>
-              <a:t>problemen</a:t>
-            </a:r>
-            <a:r>
-              <a:rPr lang="en-US" sz="2000" dirty="0" smtClean="0">
-                <a:latin typeface="Eras Light ITC" panose="020B0402030504020804" pitchFamily="34" charset="0"/>
-              </a:rPr>
-              <a:t> </a:t>
-            </a:r>
-            <a:r>
-              <a:rPr lang="en-US" sz="2000" dirty="0" err="1" smtClean="0">
-                <a:latin typeface="Eras Light ITC" panose="020B0402030504020804" pitchFamily="34" charset="0"/>
-              </a:rPr>
-              <a:t>getackeled</a:t>
-            </a:r>
-            <a:r>
-              <a:rPr lang="en-US" sz="2000" dirty="0" smtClean="0">
-                <a:latin typeface="Eras Light ITC" panose="020B0402030504020804" pitchFamily="34" charset="0"/>
-              </a:rPr>
-              <a:t>?***</a:t>
-            </a:r>
-          </a:p>
-          <a:p>
-            <a:r>
-              <a:rPr lang="en-US" sz="2000" dirty="0" err="1" smtClean="0">
-                <a:latin typeface="Eras Light ITC" panose="020B0402030504020804" pitchFamily="34" charset="0"/>
-              </a:rPr>
-              <a:t>Laten</a:t>
-            </a:r>
-            <a:r>
-              <a:rPr lang="en-US" sz="2000" dirty="0" smtClean="0">
-                <a:latin typeface="Eras Light ITC" panose="020B0402030504020804" pitchFamily="34" charset="0"/>
-              </a:rPr>
-              <a:t> </a:t>
-            </a:r>
-            <a:r>
-              <a:rPr lang="en-US" sz="2000" dirty="0" err="1" smtClean="0">
-                <a:latin typeface="Eras Light ITC" panose="020B0402030504020804" pitchFamily="34" charset="0"/>
-              </a:rPr>
-              <a:t>zien</a:t>
-            </a:r>
-            <a:r>
-              <a:rPr lang="en-US" sz="2000" dirty="0" smtClean="0">
-                <a:latin typeface="Eras Light ITC" panose="020B0402030504020804" pitchFamily="34" charset="0"/>
-              </a:rPr>
-              <a:t> </a:t>
-            </a:r>
-            <a:r>
-              <a:rPr lang="en-US" sz="2000" dirty="0" err="1" smtClean="0">
-                <a:latin typeface="Eras Light ITC" panose="020B0402030504020804" pitchFamily="34" charset="0"/>
-              </a:rPr>
-              <a:t>afwezigheidscijfers</a:t>
+              <a:t>Afwezigheidscijfers</a:t>
             </a:r>
             <a:endParaRPr lang="en-US" sz="2000" dirty="0">
               <a:latin typeface="Eras Light ITC" panose="020B0402030504020804" pitchFamily="34" charset="0"/>
@@ -10158,19 +10705,7 @@
               <a:rPr lang="nl-NL" sz="6600" dirty="0" smtClean="0">
                 <a:latin typeface="Eras Light ITC" panose="020B0402030504020804" pitchFamily="34" charset="0"/>
               </a:rPr>
-              <a:t>Art***(</a:t>
-            </a:r>
-            <a:r>
-              <a:rPr lang="nl-NL" sz="6600" dirty="0" err="1" smtClean="0">
-                <a:latin typeface="Eras Light ITC" panose="020B0402030504020804" pitchFamily="34" charset="0"/>
-              </a:rPr>
-              <a:t>ruben</a:t>
-            </a:r>
-            <a:r>
-              <a:rPr lang="nl-NL" sz="6600" dirty="0" smtClean="0">
-                <a:latin typeface="Eras Light ITC" panose="020B0402030504020804" pitchFamily="34" charset="0"/>
-              </a:rPr>
-              <a:t>)</a:t>
+              <a:t>presentie</a:t>
             </a:r>
             <a:endParaRPr lang="nl-NL" sz="6600" dirty="0">
               <a:latin typeface="Eras Light ITC" panose="020B0402030504020804" pitchFamily="34" charset="0"/>
@@ -10178,356 +10713,106 @@
           </a:p>
         </p:txBody>
       </p:sp>
-      <p:sp>
-        <p:nvSpPr>
-          <p:cNvPr id="3" name="Tijdelijke aanduiding voor inhoud 2"/>
-          <p:cNvSpPr>
-            <a:spLocks noGrp="1"/>
-          </p:cNvSpPr>
-          <p:nvPr>
-            <p:ph idx="1"/>
-          </p:nvPr>
-        </p:nvSpPr>
+      <p:pic>
+        <p:nvPicPr>
+          <p:cNvPr id="8" name="Afbeelding 7"/>
+          <p:cNvPicPr>
+            <a:picLocks noChangeAspect="1"/>
+          </p:cNvPicPr>
+          <p:nvPr/>
+        </p:nvPicPr>
+        <p:blipFill>
+          <a:blip r:embed="rId2"/>
+          <a:stretch>
+            <a:fillRect/>
+          </a:stretch>
+        </p:blipFill>
         <p:spPr>
           <a:xfrm>
-            <a:off x="685801" y="2065867"/>
-            <a:ext cx="10131425" cy="4367123"/>
-          </a:xfrm>
-        </p:spPr>
-        <p:txBody>
-          <a:bodyPr>
-            <a:normAutofit/>
-          </a:bodyPr>
-          <a:lstStyle/>
-          <a:p>
-            <a:r>
-              <a:rPr lang="en-US" sz="2000" dirty="0" smtClean="0">
-                <a:latin typeface="Eras Light ITC" panose="020B0402030504020804" pitchFamily="34" charset="0"/>
-              </a:rPr>
-              <a:t>Render van diverse characters/props </a:t>
-            </a:r>
-            <a:r>
-              <a:rPr lang="en-US" sz="2000" dirty="0" err="1" smtClean="0">
-                <a:latin typeface="Eras Light ITC" panose="020B0402030504020804" pitchFamily="34" charset="0"/>
-              </a:rPr>
-              <a:t>showen</a:t>
-            </a:r>
-            <a:endParaRPr lang="en-US" sz="2000" dirty="0" smtClean="0">
-              <a:latin typeface="Eras Light ITC" panose="020B0402030504020804" pitchFamily="34" charset="0"/>
-            </a:endParaRPr>
-          </a:p>
-          <a:p>
-            <a:r>
-              <a:rPr lang="en-US" sz="2000" dirty="0" smtClean="0">
-                <a:latin typeface="Eras Light ITC" panose="020B0402030504020804" pitchFamily="34" charset="0"/>
-              </a:rPr>
-              <a:t>Unwraps van diverse characters/props </a:t>
-            </a:r>
-            <a:r>
-              <a:rPr lang="en-US" sz="2000" dirty="0" err="1" smtClean="0">
-                <a:latin typeface="Eras Light ITC" panose="020B0402030504020804" pitchFamily="34" charset="0"/>
-              </a:rPr>
-              <a:t>showen</a:t>
-            </a:r>
-            <a:endParaRPr lang="en-US" sz="2000" dirty="0" smtClean="0">
-              <a:latin typeface="Eras Light ITC" panose="020B0402030504020804" pitchFamily="34" charset="0"/>
-            </a:endParaRPr>
-          </a:p>
-          <a:p>
-            <a:r>
-              <a:rPr lang="en-US" sz="2000" dirty="0" smtClean="0">
-                <a:latin typeface="Eras Light ITC" panose="020B0402030504020804" pitchFamily="34" charset="0"/>
-              </a:rPr>
-              <a:t>Textures van diverse characters/props </a:t>
-            </a:r>
-            <a:r>
-              <a:rPr lang="en-US" sz="2000" dirty="0" err="1" smtClean="0">
-                <a:latin typeface="Eras Light ITC" panose="020B0402030504020804" pitchFamily="34" charset="0"/>
-              </a:rPr>
-              <a:t>showen</a:t>
-            </a:r>
-            <a:endParaRPr lang="en-US" sz="2000" dirty="0">
-              <a:latin typeface="Eras Light ITC" panose="020B0402030504020804" pitchFamily="34" charset="0"/>
-            </a:endParaRPr>
-          </a:p>
-          <a:p>
-            <a:endParaRPr lang="en-US" sz="2000" dirty="0" smtClean="0">
-              <a:latin typeface="Eras Light ITC" panose="020B0402030504020804" pitchFamily="34" charset="0"/>
-            </a:endParaRPr>
-          </a:p>
-          <a:p>
-            <a:endParaRPr lang="en-US" sz="2000" dirty="0">
-              <a:latin typeface="Eras Light ITC" panose="020B0402030504020804" pitchFamily="34" charset="0"/>
-            </a:endParaRPr>
-          </a:p>
-          <a:p>
-            <a:endParaRPr lang="nl-NL" sz="2000" dirty="0" smtClean="0">
-              <a:latin typeface="Eras Light ITC" panose="020B0402030504020804" pitchFamily="34" charset="0"/>
-            </a:endParaRPr>
-          </a:p>
-        </p:txBody>
-      </p:sp>
-      <p:sp>
-        <p:nvSpPr>
-          <p:cNvPr id="5" name="Tijdelijke aanduiding voor inhoud 2"/>
-          <p:cNvSpPr txBox="1">
-            <a:spLocks/>
-          </p:cNvSpPr>
-          <p:nvPr/>
-        </p:nvSpPr>
-        <p:spPr>
-          <a:xfrm>
-            <a:off x="3876136" y="2065867"/>
-            <a:ext cx="7404395" cy="4367123"/>
+            <a:off x="1683160" y="1795995"/>
+            <a:ext cx="8080273" cy="4811435"/>
           </a:xfrm>
           <a:prstGeom prst="rect">
             <a:avLst/>
           </a:prstGeom>
         </p:spPr>
-        <p:txBody>
-          <a:bodyPr vert="horz" lIns="91440" tIns="45720" rIns="91440" bIns="45720" rtlCol="0" anchor="ctr">
-            <a:normAutofit/>
-          </a:bodyPr>
-          <a:lstStyle>
-            <a:lvl1pPr marL="285750" indent="-285750" algn="l" defTabSz="457200" rtl="0" eaLnBrk="1" latinLnBrk="0" hangingPunct="1">
-              <a:spcBef>
-                <a:spcPts val="0"/>
-              </a:spcBef>
-              <a:spcAft>
-                <a:spcPts val="1000"/>
-              </a:spcAft>
-              <a:buClr>
-                <a:schemeClr val="tx1"/>
-              </a:buClr>
-              <a:buSzPct val="100000"/>
-              <a:buFont typeface="Arial"/>
-              <a:buChar char="•"/>
-              <a:defRPr sz="1800" kern="1200" cap="none">
-                <a:solidFill>
-                  <a:schemeClr val="tx1"/>
-                </a:solidFill>
-                <a:effectLst/>
-                <a:latin typeface="+mn-lt"/>
-                <a:ea typeface="+mn-ea"/>
-                <a:cs typeface="+mn-cs"/>
-              </a:defRPr>
-            </a:lvl1pPr>
-            <a:lvl2pPr marL="742950" indent="-285750" algn="l" defTabSz="457200" rtl="0" eaLnBrk="1" latinLnBrk="0" hangingPunct="1">
-              <a:spcBef>
-                <a:spcPts val="0"/>
-              </a:spcBef>
-              <a:spcAft>
-                <a:spcPts val="1000"/>
-              </a:spcAft>
-              <a:buClr>
-                <a:schemeClr val="tx1"/>
-              </a:buClr>
-              <a:buSzPct val="100000"/>
-              <a:buFont typeface="Arial"/>
-              <a:buChar char="•"/>
-              <a:defRPr sz="1600" kern="1200" cap="none">
-                <a:solidFill>
-                  <a:schemeClr val="tx1"/>
-                </a:solidFill>
-                <a:effectLst/>
-                <a:latin typeface="+mn-lt"/>
-                <a:ea typeface="+mn-ea"/>
-                <a:cs typeface="+mn-cs"/>
-              </a:defRPr>
-            </a:lvl2pPr>
-            <a:lvl3pPr marL="1200150" indent="-285750" algn="l" defTabSz="457200" rtl="0" eaLnBrk="1" latinLnBrk="0" hangingPunct="1">
-              <a:spcBef>
-                <a:spcPts val="0"/>
-              </a:spcBef>
-              <a:spcAft>
-                <a:spcPts val="1000"/>
-              </a:spcAft>
-              <a:buClr>
-                <a:schemeClr val="tx1"/>
-              </a:buClr>
-              <a:buSzPct val="100000"/>
-              <a:buFont typeface="Arial"/>
-              <a:buChar char="•"/>
-              <a:defRPr sz="1400" kern="1200" cap="none">
-                <a:solidFill>
-                  <a:schemeClr val="tx1"/>
-                </a:solidFill>
-                <a:effectLst/>
-                <a:latin typeface="+mn-lt"/>
-                <a:ea typeface="+mn-ea"/>
-                <a:cs typeface="+mn-cs"/>
-              </a:defRPr>
-            </a:lvl3pPr>
-            <a:lvl4pPr marL="1543050" indent="-171450" algn="l" defTabSz="457200" rtl="0" eaLnBrk="1" latinLnBrk="0" hangingPunct="1">
-              <a:spcBef>
-                <a:spcPts val="0"/>
-              </a:spcBef>
-              <a:spcAft>
-                <a:spcPts val="1000"/>
-              </a:spcAft>
-              <a:buClr>
-                <a:schemeClr val="tx1"/>
-              </a:buClr>
-              <a:buSzPct val="100000"/>
-              <a:buFont typeface="Arial"/>
-              <a:buChar char="•"/>
-              <a:defRPr sz="1200" kern="1200" cap="none">
-                <a:solidFill>
-                  <a:schemeClr val="tx1"/>
-                </a:solidFill>
-                <a:effectLst/>
-                <a:latin typeface="+mn-lt"/>
-                <a:ea typeface="+mn-ea"/>
-                <a:cs typeface="+mn-cs"/>
-              </a:defRPr>
-            </a:lvl4pPr>
-            <a:lvl5pPr marL="2000250" indent="-171450" algn="l" defTabSz="457200" rtl="0" eaLnBrk="1" latinLnBrk="0" hangingPunct="1">
-              <a:spcBef>
-                <a:spcPts val="0"/>
-              </a:spcBef>
-              <a:spcAft>
-                <a:spcPts val="1000"/>
-              </a:spcAft>
-              <a:buClr>
-                <a:schemeClr val="tx1"/>
-              </a:buClr>
-              <a:buSzPct val="100000"/>
-              <a:buFont typeface="Arial"/>
-              <a:buChar char="•"/>
-              <a:defRPr sz="1200" kern="1200" cap="none">
-                <a:solidFill>
-                  <a:schemeClr val="tx1"/>
-                </a:solidFill>
-                <a:effectLst/>
-                <a:latin typeface="+mn-lt"/>
-                <a:ea typeface="+mn-ea"/>
-                <a:cs typeface="+mn-cs"/>
-              </a:defRPr>
-            </a:lvl5pPr>
-            <a:lvl6pPr marL="2514600" indent="-228600" algn="l" defTabSz="457200" rtl="0" eaLnBrk="1" latinLnBrk="0" hangingPunct="1">
-              <a:spcBef>
-                <a:spcPts val="0"/>
-              </a:spcBef>
-              <a:spcAft>
-                <a:spcPts val="1000"/>
-              </a:spcAft>
-              <a:buClr>
-                <a:schemeClr val="tx1"/>
-              </a:buClr>
-              <a:buSzPct val="100000"/>
-              <a:buFont typeface="Arial"/>
-              <a:buChar char="•"/>
-              <a:defRPr sz="1200" kern="1200" cap="none">
-                <a:solidFill>
-                  <a:schemeClr val="tx1"/>
-                </a:solidFill>
-                <a:effectLst/>
-                <a:latin typeface="+mn-lt"/>
-                <a:ea typeface="+mn-ea"/>
-                <a:cs typeface="+mn-cs"/>
-              </a:defRPr>
-            </a:lvl6pPr>
-            <a:lvl7pPr marL="2971800" indent="-228600" algn="l" defTabSz="457200" rtl="0" eaLnBrk="1" latinLnBrk="0" hangingPunct="1">
-              <a:spcBef>
-                <a:spcPts val="0"/>
-              </a:spcBef>
-              <a:spcAft>
-                <a:spcPts val="1000"/>
-              </a:spcAft>
-              <a:buClr>
-                <a:schemeClr val="tx1"/>
-              </a:buClr>
-              <a:buSzPct val="100000"/>
-              <a:buFont typeface="Arial"/>
-              <a:buChar char="•"/>
-              <a:defRPr sz="1200" kern="1200" cap="none">
-                <a:solidFill>
-                  <a:schemeClr val="tx1"/>
-                </a:solidFill>
-                <a:effectLst/>
-                <a:latin typeface="+mn-lt"/>
-                <a:ea typeface="+mn-ea"/>
-                <a:cs typeface="+mn-cs"/>
-              </a:defRPr>
-            </a:lvl7pPr>
-            <a:lvl8pPr marL="3429000" indent="-228600" algn="l" defTabSz="457200" rtl="0" eaLnBrk="1" latinLnBrk="0" hangingPunct="1">
-              <a:spcBef>
-                <a:spcPts val="0"/>
-              </a:spcBef>
-              <a:spcAft>
-                <a:spcPts val="1000"/>
-              </a:spcAft>
-              <a:buClr>
-                <a:schemeClr val="tx1"/>
-              </a:buClr>
-              <a:buSzPct val="100000"/>
-              <a:buFont typeface="Arial"/>
-              <a:buChar char="•"/>
-              <a:defRPr sz="1200" kern="1200" cap="none">
-                <a:solidFill>
-                  <a:schemeClr val="tx1"/>
-                </a:solidFill>
-                <a:effectLst/>
-                <a:latin typeface="+mn-lt"/>
-                <a:ea typeface="+mn-ea"/>
-                <a:cs typeface="+mn-cs"/>
-              </a:defRPr>
-            </a:lvl8pPr>
-            <a:lvl9pPr marL="3886200" indent="-228600" algn="l" defTabSz="457200" rtl="0" eaLnBrk="1" latinLnBrk="0" hangingPunct="1">
-              <a:spcBef>
-                <a:spcPts val="0"/>
-              </a:spcBef>
-              <a:spcAft>
-                <a:spcPts val="1000"/>
-              </a:spcAft>
-              <a:buClr>
-                <a:schemeClr val="tx1"/>
-              </a:buClr>
-              <a:buSzPct val="100000"/>
-              <a:buFont typeface="Arial"/>
-              <a:buChar char="•"/>
-              <a:defRPr sz="1200" kern="1200" cap="none">
-                <a:solidFill>
-                  <a:schemeClr val="tx1"/>
-                </a:solidFill>
-                <a:effectLst/>
-                <a:latin typeface="+mn-lt"/>
-                <a:ea typeface="+mn-ea"/>
-                <a:cs typeface="+mn-cs"/>
-              </a:defRPr>
-            </a:lvl9pPr>
-          </a:lstStyle>
-          <a:p>
-            <a:endParaRPr lang="nl-NL" sz="2000" dirty="0" smtClean="0">
-              <a:latin typeface="Eras Light ITC" panose="020B0402030504020804" pitchFamily="34" charset="0"/>
-            </a:endParaRPr>
-          </a:p>
-          <a:p>
-            <a:endParaRPr lang="nl-NL" sz="2000" dirty="0">
-              <a:latin typeface="Eras Light ITC" panose="020B0402030504020804" pitchFamily="34" charset="0"/>
-            </a:endParaRPr>
-          </a:p>
-          <a:p>
-            <a:endParaRPr lang="nl-NL" sz="2000" dirty="0" smtClean="0">
-              <a:latin typeface="Eras Light ITC" panose="020B0402030504020804" pitchFamily="34" charset="0"/>
-            </a:endParaRPr>
-          </a:p>
-          <a:p>
-            <a:endParaRPr lang="nl-NL" sz="2000" dirty="0">
-              <a:latin typeface="Eras Light ITC" panose="020B0402030504020804" pitchFamily="34" charset="0"/>
-            </a:endParaRPr>
-          </a:p>
-          <a:p>
-            <a:endParaRPr lang="nl-NL" sz="2000" dirty="0" smtClean="0">
-              <a:latin typeface="Eras Light ITC" panose="020B0402030504020804" pitchFamily="34" charset="0"/>
-            </a:endParaRPr>
-          </a:p>
-        </p:txBody>
-      </p:sp>
+      </p:pic>
+      <p:pic>
+        <p:nvPicPr>
+          <p:cNvPr id="9" name="Afbeelding 8"/>
+          <p:cNvPicPr>
+            <a:picLocks noChangeAspect="1"/>
+          </p:cNvPicPr>
+          <p:nvPr/>
+        </p:nvPicPr>
+        <p:blipFill>
+          <a:blip r:embed="rId3"/>
+          <a:stretch>
+            <a:fillRect/>
+          </a:stretch>
+        </p:blipFill>
+        <p:spPr>
+          <a:xfrm>
+            <a:off x="1683160" y="1795995"/>
+            <a:ext cx="8129434" cy="4825928"/>
+          </a:xfrm>
+          <a:prstGeom prst="rect">
+            <a:avLst/>
+          </a:prstGeom>
+        </p:spPr>
+      </p:pic>
+      <p:pic>
+        <p:nvPicPr>
+          <p:cNvPr id="10" name="Afbeelding 9"/>
+          <p:cNvPicPr>
+            <a:picLocks noChangeAspect="1"/>
+          </p:cNvPicPr>
+          <p:nvPr/>
+        </p:nvPicPr>
+        <p:blipFill>
+          <a:blip r:embed="rId4"/>
+          <a:stretch>
+            <a:fillRect/>
+          </a:stretch>
+        </p:blipFill>
+        <p:spPr>
+          <a:xfrm>
+            <a:off x="1683160" y="1788748"/>
+            <a:ext cx="8129434" cy="4825928"/>
+          </a:xfrm>
+          <a:prstGeom prst="rect">
+            <a:avLst/>
+          </a:prstGeom>
+        </p:spPr>
+      </p:pic>
+      <p:pic>
+        <p:nvPicPr>
+          <p:cNvPr id="12" name="Afbeelding 11"/>
+          <p:cNvPicPr>
+            <a:picLocks noChangeAspect="1"/>
+          </p:cNvPicPr>
+          <p:nvPr/>
+        </p:nvPicPr>
+        <p:blipFill>
+          <a:blip r:embed="rId5"/>
+          <a:stretch>
+            <a:fillRect/>
+          </a:stretch>
+        </p:blipFill>
+        <p:spPr>
+          <a:xfrm>
+            <a:off x="1683160" y="1781501"/>
+            <a:ext cx="8129434" cy="4777736"/>
+          </a:xfrm>
+          <a:prstGeom prst="rect">
+            <a:avLst/>
+          </a:prstGeom>
+        </p:spPr>
+      </p:pic>
     </p:spTree>
     <p:extLst>
       <p:ext uri="{BB962C8B-B14F-4D97-AF65-F5344CB8AC3E}">
-        <p14:creationId xmlns:p14="http://schemas.microsoft.com/office/powerpoint/2010/main" val="2152042220"/>
+        <p14:creationId xmlns:p14="http://schemas.microsoft.com/office/powerpoint/2010/main" val="3854380715"/>
       </p:ext>
     </p:extLst>
   </p:cSld>
@@ -10537,7 +10822,165 @@
   <p:timing>
     <p:tnLst>
       <p:par>
-        <p:cTn id="1" dur="indefinite" restart="never" nodeType="tmRoot"/>
+        <p:cTn id="1" dur="indefinite" restart="never" nodeType="tmRoot">
+          <p:childTnLst>
+            <p:seq concurrent="1" nextAc="seek">
+              <p:cTn id="2" dur="indefinite" nodeType="mainSeq">
+                <p:childTnLst>
+                  <p:par>
+                    <p:cTn id="3" fill="hold">
+                      <p:stCondLst>
+                        <p:cond delay="indefinite"/>
+                      </p:stCondLst>
+                      <p:childTnLst>
+                        <p:par>
+                          <p:cTn id="4" fill="hold">
+                            <p:stCondLst>
+                              <p:cond delay="0"/>
+                            </p:stCondLst>
+                            <p:childTnLst>
+                              <p:par>
+                                <p:cTn id="5" presetID="1" presetClass="entr" presetSubtype="0" fill="hold" nodeType="clickEffect">
+                                  <p:stCondLst>
+                                    <p:cond delay="0"/>
+                                  </p:stCondLst>
+                                  <p:childTnLst>
+                                    <p:set>
+                                      <p:cBhvr>
+                                        <p:cTn id="6" dur="1" fill="hold">
+                                          <p:stCondLst>
+                                            <p:cond delay="0"/>
+                                          </p:stCondLst>
+                                        </p:cTn>
+                                        <p:tgtEl>
+                                          <p:spTgt spid="9"/>
+                                        </p:tgtEl>
+                                        <p:attrNameLst>
+                                          <p:attrName>style.visibility</p:attrName>
+                                        </p:attrNameLst>
+                                      </p:cBhvr>
+                                      <p:to>
+                                        <p:strVal val="visible"/>
+                                      </p:to>
+                                    </p:set>
+                                  </p:childTnLst>
+                                </p:cTn>
+                              </p:par>
+                            </p:childTnLst>
+                          </p:cTn>
+                        </p:par>
+                      </p:childTnLst>
+                    </p:cTn>
+                  </p:par>
+                  <p:par>
+                    <p:cTn id="7" fill="hold">
+                      <p:stCondLst>
+                        <p:cond delay="indefinite"/>
+                      </p:stCondLst>
+                      <p:childTnLst>
+                        <p:par>
+                          <p:cTn id="8" fill="hold">
+                            <p:stCondLst>
+                              <p:cond delay="0"/>
+                            </p:stCondLst>
+                            <p:childTnLst>
+                              <p:par>
+                                <p:cTn id="9" presetID="1" presetClass="entr" presetSubtype="0" fill="hold" nodeType="clickEffect">
+                                  <p:stCondLst>
+                                    <p:cond delay="0"/>
+                                  </p:stCondLst>
+                                  <p:childTnLst>
+                                    <p:set>
+                                      <p:cBhvr>
+                                        <p:cTn id="10" dur="1" fill="hold">
+                                          <p:stCondLst>
+                                            <p:cond delay="0"/>
+                                          </p:stCondLst>
+                                        </p:cTn>
+                                        <p:tgtEl>
+                                          <p:spTgt spid="10"/>
+                                        </p:tgtEl>
+                                        <p:attrNameLst>
+                                          <p:attrName>style.visibility</p:attrName>
+                                        </p:attrNameLst>
+                                      </p:cBhvr>
+                                      <p:to>
+                                        <p:strVal val="visible"/>
+                                      </p:to>
+                                    </p:set>
+                                  </p:childTnLst>
+                                </p:cTn>
+                              </p:par>
+                            </p:childTnLst>
+                          </p:cTn>
+                        </p:par>
+                      </p:childTnLst>
+                    </p:cTn>
+                  </p:par>
+                  <p:par>
+                    <p:cTn id="11" fill="hold">
+                      <p:stCondLst>
+                        <p:cond delay="indefinite"/>
+                      </p:stCondLst>
+                      <p:childTnLst>
+                        <p:par>
+                          <p:cTn id="12" fill="hold">
+                            <p:stCondLst>
+                              <p:cond delay="0"/>
+                            </p:stCondLst>
+                            <p:childTnLst>
+                              <p:par>
+                                <p:cTn id="13" presetID="1" presetClass="entr" presetSubtype="0" fill="hold" nodeType="clickEffect">
+                                  <p:stCondLst>
+                                    <p:cond delay="0"/>
+                                  </p:stCondLst>
+                                  <p:childTnLst>
+                                    <p:set>
+                                      <p:cBhvr>
+                                        <p:cTn id="14" dur="1" fill="hold">
+                                          <p:stCondLst>
+                                            <p:cond delay="0"/>
+                                          </p:stCondLst>
+                                        </p:cTn>
+                                        <p:tgtEl>
+                                          <p:spTgt spid="12"/>
+                                        </p:tgtEl>
+                                        <p:attrNameLst>
+                                          <p:attrName>style.visibility</p:attrName>
+                                        </p:attrNameLst>
+                                      </p:cBhvr>
+                                      <p:to>
+                                        <p:strVal val="visible"/>
+                                      </p:to>
+                                    </p:set>
+                                  </p:childTnLst>
+                                </p:cTn>
+                              </p:par>
+                            </p:childTnLst>
+                          </p:cTn>
+                        </p:par>
+                      </p:childTnLst>
+                    </p:cTn>
+                  </p:par>
+                </p:childTnLst>
+              </p:cTn>
+              <p:prevCondLst>
+                <p:cond evt="onPrev" delay="0">
+                  <p:tgtEl>
+                    <p:sldTgt/>
+                  </p:tgtEl>
+                </p:cond>
+              </p:prevCondLst>
+              <p:nextCondLst>
+                <p:cond evt="onNext" delay="0">
+                  <p:tgtEl>
+                    <p:sldTgt/>
+                  </p:tgtEl>
+                </p:cond>
+              </p:nextCondLst>
+            </p:seq>
+          </p:childTnLst>
+        </p:cTn>
       </p:par>
     </p:tnLst>
   </p:timing>
@@ -10586,31 +11029,7 @@
               <a:rPr lang="nl-NL" sz="6600" dirty="0" smtClean="0">
                 <a:latin typeface="Eras Light ITC" panose="020B0402030504020804" pitchFamily="34" charset="0"/>
               </a:rPr>
-              <a:t>Zone(</a:t>
-            </a:r>
-            <a:r>
-              <a:rPr lang="nl-NL" sz="6600" dirty="0" err="1" smtClean="0">
-                <a:latin typeface="Eras Light ITC" panose="020B0402030504020804" pitchFamily="34" charset="0"/>
-              </a:rPr>
-              <a:t>ruben</a:t>
-            </a:r>
-            <a:r>
-              <a:rPr lang="nl-NL" sz="6600" dirty="0" smtClean="0">
-                <a:latin typeface="Eras Light ITC" panose="020B0402030504020804" pitchFamily="34" charset="0"/>
-              </a:rPr>
-              <a:t>/</a:t>
-            </a:r>
-            <a:r>
-              <a:rPr lang="nl-NL" sz="6600" dirty="0" err="1" smtClean="0">
-                <a:latin typeface="Eras Light ITC" panose="020B0402030504020804" pitchFamily="34" charset="0"/>
-              </a:rPr>
-              <a:t>lara</a:t>
-            </a:r>
-            <a:r>
-              <a:rPr lang="nl-NL" sz="6600" dirty="0" smtClean="0">
-                <a:latin typeface="Eras Light ITC" panose="020B0402030504020804" pitchFamily="34" charset="0"/>
-              </a:rPr>
-              <a:t>)</a:t>
+              <a:t>Planning</a:t>
             </a:r>
             <a:endParaRPr lang="nl-NL" sz="6600" dirty="0">
               <a:latin typeface="Eras Light ITC" panose="020B0402030504020804" pitchFamily="34" charset="0"/>
@@ -10618,425 +11037,154 @@
           </a:p>
         </p:txBody>
       </p:sp>
-      <p:sp>
-        <p:nvSpPr>
-          <p:cNvPr id="3" name="Tijdelijke aanduiding voor inhoud 2"/>
-          <p:cNvSpPr>
-            <a:spLocks noGrp="1"/>
-          </p:cNvSpPr>
-          <p:nvPr>
-            <p:ph idx="1"/>
-          </p:nvPr>
-        </p:nvSpPr>
+      <p:pic>
+        <p:nvPicPr>
+          <p:cNvPr id="3" name="Afbeelding 2"/>
+          <p:cNvPicPr>
+            <a:picLocks noChangeAspect="1"/>
+          </p:cNvPicPr>
+          <p:nvPr/>
+        </p:nvPicPr>
+        <p:blipFill>
+          <a:blip r:embed="rId2"/>
+          <a:stretch>
+            <a:fillRect/>
+          </a:stretch>
+        </p:blipFill>
         <p:spPr>
           <a:xfrm>
-            <a:off x="685801" y="2065867"/>
-            <a:ext cx="10131425" cy="4367123"/>
-          </a:xfrm>
-        </p:spPr>
-        <p:txBody>
-          <a:bodyPr>
-            <a:normAutofit/>
-          </a:bodyPr>
-          <a:lstStyle/>
-          <a:p>
-            <a:r>
-              <a:rPr lang="en-US" sz="2000" dirty="0" err="1" smtClean="0">
-                <a:latin typeface="Eras Light ITC" panose="020B0402030504020804" pitchFamily="34" charset="0"/>
-              </a:rPr>
-              <a:t>Showen</a:t>
-            </a:r>
-            <a:r>
-              <a:rPr lang="en-US" sz="2000" dirty="0" smtClean="0">
-                <a:latin typeface="Eras Light ITC" panose="020B0402030504020804" pitchFamily="34" charset="0"/>
-              </a:rPr>
-              <a:t> map van de </a:t>
-            </a:r>
-            <a:r>
-              <a:rPr lang="en-US" sz="2000" dirty="0" err="1" smtClean="0">
-                <a:latin typeface="Eras Light ITC" panose="020B0402030504020804" pitchFamily="34" charset="0"/>
-              </a:rPr>
-              <a:t>conceptfase</a:t>
-            </a:r>
-            <a:endParaRPr lang="en-US" sz="2000" dirty="0" smtClean="0">
-              <a:latin typeface="Eras Light ITC" panose="020B0402030504020804" pitchFamily="34" charset="0"/>
-            </a:endParaRPr>
-          </a:p>
-          <a:p>
-            <a:r>
-              <a:rPr lang="en-US" sz="2000" dirty="0" smtClean="0">
-                <a:latin typeface="Eras Light ITC" panose="020B0402030504020804" pitchFamily="34" charset="0"/>
-              </a:rPr>
-              <a:t>De game in </a:t>
-            </a:r>
-            <a:r>
-              <a:rPr lang="en-US" sz="2000" dirty="0" err="1" smtClean="0">
-                <a:latin typeface="Eras Light ITC" panose="020B0402030504020804" pitchFamily="34" charset="0"/>
-              </a:rPr>
-              <a:t>huidige</a:t>
-            </a:r>
-            <a:r>
-              <a:rPr lang="en-US" sz="2000" dirty="0" smtClean="0">
-                <a:latin typeface="Eras Light ITC" panose="020B0402030504020804" pitchFamily="34" charset="0"/>
-              </a:rPr>
-              <a:t> </a:t>
-            </a:r>
-            <a:r>
-              <a:rPr lang="en-US" sz="2000" dirty="0" err="1" smtClean="0">
-                <a:latin typeface="Eras Light ITC" panose="020B0402030504020804" pitchFamily="34" charset="0"/>
-              </a:rPr>
-              <a:t>staat</a:t>
-            </a:r>
-            <a:r>
-              <a:rPr lang="en-US" sz="2000" dirty="0" smtClean="0">
-                <a:latin typeface="Eras Light ITC" panose="020B0402030504020804" pitchFamily="34" charset="0"/>
-              </a:rPr>
-              <a:t> </a:t>
-            </a:r>
-            <a:r>
-              <a:rPr lang="en-US" sz="2000" dirty="0" err="1" smtClean="0">
-                <a:latin typeface="Eras Light ITC" panose="020B0402030504020804" pitchFamily="34" charset="0"/>
-              </a:rPr>
-              <a:t>showen</a:t>
-            </a:r>
-            <a:r>
-              <a:rPr lang="en-US" sz="2000" dirty="0" smtClean="0">
-                <a:latin typeface="Eras Light ITC" panose="020B0402030504020804" pitchFamily="34" charset="0"/>
-              </a:rPr>
-              <a:t> (Walk through)***</a:t>
-            </a:r>
-          </a:p>
-          <a:p>
-            <a:r>
-              <a:rPr lang="en-US" sz="2000" dirty="0" err="1" smtClean="0">
-                <a:latin typeface="Eras Light ITC" panose="020B0402030504020804" pitchFamily="34" charset="0"/>
-              </a:rPr>
-              <a:t>Uitleg</a:t>
-            </a:r>
-            <a:r>
-              <a:rPr lang="en-US" sz="2000" dirty="0" smtClean="0">
-                <a:latin typeface="Eras Light ITC" panose="020B0402030504020804" pitchFamily="34" charset="0"/>
-              </a:rPr>
-              <a:t> </a:t>
-            </a:r>
-            <a:r>
-              <a:rPr lang="en-US" sz="2000" dirty="0" err="1" smtClean="0">
-                <a:latin typeface="Eras Light ITC" panose="020B0402030504020804" pitchFamily="34" charset="0"/>
-              </a:rPr>
-              <a:t>Grayboxes</a:t>
-            </a:r>
-            <a:r>
-              <a:rPr lang="en-US" sz="2000" dirty="0" smtClean="0">
-                <a:latin typeface="Eras Light ITC" panose="020B0402030504020804" pitchFamily="34" charset="0"/>
-              </a:rPr>
-              <a:t> (wat </a:t>
-            </a:r>
-            <a:r>
-              <a:rPr lang="en-US" sz="2000" dirty="0" err="1" smtClean="0">
-                <a:latin typeface="Eras Light ITC" panose="020B0402030504020804" pitchFamily="34" charset="0"/>
-              </a:rPr>
-              <a:t>komt</a:t>
-            </a:r>
-            <a:r>
-              <a:rPr lang="en-US" sz="2000" dirty="0" smtClean="0">
-                <a:latin typeface="Eras Light ITC" panose="020B0402030504020804" pitchFamily="34" charset="0"/>
-              </a:rPr>
-              <a:t> </a:t>
-            </a:r>
-            <a:r>
-              <a:rPr lang="en-US" sz="2000" dirty="0" err="1" smtClean="0">
-                <a:latin typeface="Eras Light ITC" panose="020B0402030504020804" pitchFamily="34" charset="0"/>
-              </a:rPr>
-              <a:t>waar</a:t>
-            </a:r>
-            <a:r>
-              <a:rPr lang="en-US" sz="2000" dirty="0" smtClean="0">
-                <a:latin typeface="Eras Light ITC" panose="020B0402030504020804" pitchFamily="34" charset="0"/>
-              </a:rPr>
-              <a:t>)</a:t>
-            </a:r>
-            <a:endParaRPr lang="en-US" sz="2000" dirty="0">
-              <a:latin typeface="Eras Light ITC" panose="020B0402030504020804" pitchFamily="34" charset="0"/>
-            </a:endParaRPr>
-          </a:p>
-          <a:p>
-            <a:endParaRPr lang="en-US" sz="2000" dirty="0" smtClean="0">
-              <a:latin typeface="Eras Light ITC" panose="020B0402030504020804" pitchFamily="34" charset="0"/>
-            </a:endParaRPr>
-          </a:p>
-          <a:p>
-            <a:endParaRPr lang="en-US" sz="2000" dirty="0">
-              <a:latin typeface="Eras Light ITC" panose="020B0402030504020804" pitchFamily="34" charset="0"/>
-            </a:endParaRPr>
-          </a:p>
-          <a:p>
-            <a:endParaRPr lang="nl-NL" sz="2000" dirty="0" smtClean="0">
-              <a:latin typeface="Eras Light ITC" panose="020B0402030504020804" pitchFamily="34" charset="0"/>
-            </a:endParaRPr>
-          </a:p>
-        </p:txBody>
-      </p:sp>
-      <p:sp>
-        <p:nvSpPr>
-          <p:cNvPr id="5" name="Tijdelijke aanduiding voor inhoud 2"/>
-          <p:cNvSpPr txBox="1">
-            <a:spLocks/>
-          </p:cNvSpPr>
-          <p:nvPr/>
-        </p:nvSpPr>
-        <p:spPr>
-          <a:xfrm>
-            <a:off x="3876136" y="2065867"/>
-            <a:ext cx="7404395" cy="4367123"/>
+            <a:off x="138111" y="1790700"/>
+            <a:ext cx="11915775" cy="5067300"/>
           </a:xfrm>
           <a:prstGeom prst="rect">
             <a:avLst/>
           </a:prstGeom>
         </p:spPr>
-        <p:txBody>
-          <a:bodyPr vert="horz" lIns="91440" tIns="45720" rIns="91440" bIns="45720" rtlCol="0" anchor="ctr">
-            <a:normAutofit/>
-          </a:bodyPr>
-          <a:lstStyle>
-            <a:lvl1pPr marL="285750" indent="-285750" algn="l" defTabSz="457200" rtl="0" eaLnBrk="1" latinLnBrk="0" hangingPunct="1">
-              <a:spcBef>
-                <a:spcPts val="0"/>
-              </a:spcBef>
-              <a:spcAft>
-                <a:spcPts val="1000"/>
-              </a:spcAft>
-              <a:buClr>
-                <a:schemeClr val="tx1"/>
-              </a:buClr>
-              <a:buSzPct val="100000"/>
-              <a:buFont typeface="Arial"/>
-              <a:buChar char="•"/>
-              <a:defRPr sz="1800" kern="1200" cap="none">
-                <a:solidFill>
-                  <a:schemeClr val="tx1"/>
-                </a:solidFill>
-                <a:effectLst/>
-                <a:latin typeface="+mn-lt"/>
-                <a:ea typeface="+mn-ea"/>
-                <a:cs typeface="+mn-cs"/>
-              </a:defRPr>
-            </a:lvl1pPr>
-            <a:lvl2pPr marL="742950" indent="-285750" algn="l" defTabSz="457200" rtl="0" eaLnBrk="1" latinLnBrk="0" hangingPunct="1">
-              <a:spcBef>
-                <a:spcPts val="0"/>
-              </a:spcBef>
-              <a:spcAft>
-                <a:spcPts val="1000"/>
-              </a:spcAft>
-              <a:buClr>
-                <a:schemeClr val="tx1"/>
-              </a:buClr>
-              <a:buSzPct val="100000"/>
-              <a:buFont typeface="Arial"/>
-              <a:buChar char="•"/>
-              <a:defRPr sz="1600" kern="1200" cap="none">
-                <a:solidFill>
-                  <a:schemeClr val="tx1"/>
-                </a:solidFill>
-                <a:effectLst/>
-                <a:latin typeface="+mn-lt"/>
-                <a:ea typeface="+mn-ea"/>
-                <a:cs typeface="+mn-cs"/>
-              </a:defRPr>
-            </a:lvl2pPr>
-            <a:lvl3pPr marL="1200150" indent="-285750" algn="l" defTabSz="457200" rtl="0" eaLnBrk="1" latinLnBrk="0" hangingPunct="1">
-              <a:spcBef>
-                <a:spcPts val="0"/>
-              </a:spcBef>
-              <a:spcAft>
-                <a:spcPts val="1000"/>
-              </a:spcAft>
-              <a:buClr>
-                <a:schemeClr val="tx1"/>
-              </a:buClr>
-              <a:buSzPct val="100000"/>
-              <a:buFont typeface="Arial"/>
-              <a:buChar char="•"/>
-              <a:defRPr sz="1400" kern="1200" cap="none">
-                <a:solidFill>
-                  <a:schemeClr val="tx1"/>
-                </a:solidFill>
-                <a:effectLst/>
-                <a:latin typeface="+mn-lt"/>
-                <a:ea typeface="+mn-ea"/>
-                <a:cs typeface="+mn-cs"/>
-              </a:defRPr>
-            </a:lvl3pPr>
-            <a:lvl4pPr marL="1543050" indent="-171450" algn="l" defTabSz="457200" rtl="0" eaLnBrk="1" latinLnBrk="0" hangingPunct="1">
-              <a:spcBef>
-                <a:spcPts val="0"/>
-              </a:spcBef>
-              <a:spcAft>
-                <a:spcPts val="1000"/>
-              </a:spcAft>
-              <a:buClr>
-                <a:schemeClr val="tx1"/>
-              </a:buClr>
-              <a:buSzPct val="100000"/>
-              <a:buFont typeface="Arial"/>
-              <a:buChar char="•"/>
-              <a:defRPr sz="1200" kern="1200" cap="none">
-                <a:solidFill>
-                  <a:schemeClr val="tx1"/>
-                </a:solidFill>
-                <a:effectLst/>
-                <a:latin typeface="+mn-lt"/>
-                <a:ea typeface="+mn-ea"/>
-                <a:cs typeface="+mn-cs"/>
-              </a:defRPr>
-            </a:lvl4pPr>
-            <a:lvl5pPr marL="2000250" indent="-171450" algn="l" defTabSz="457200" rtl="0" eaLnBrk="1" latinLnBrk="0" hangingPunct="1">
-              <a:spcBef>
-                <a:spcPts val="0"/>
-              </a:spcBef>
-              <a:spcAft>
-                <a:spcPts val="1000"/>
-              </a:spcAft>
-              <a:buClr>
-                <a:schemeClr val="tx1"/>
-              </a:buClr>
-              <a:buSzPct val="100000"/>
-              <a:buFont typeface="Arial"/>
-              <a:buChar char="•"/>
-              <a:defRPr sz="1200" kern="1200" cap="none">
-                <a:solidFill>
-                  <a:schemeClr val="tx1"/>
-                </a:solidFill>
-                <a:effectLst/>
-                <a:latin typeface="+mn-lt"/>
-                <a:ea typeface="+mn-ea"/>
-                <a:cs typeface="+mn-cs"/>
-              </a:defRPr>
-            </a:lvl5pPr>
-            <a:lvl6pPr marL="2514600" indent="-228600" algn="l" defTabSz="457200" rtl="0" eaLnBrk="1" latinLnBrk="0" hangingPunct="1">
-              <a:spcBef>
-                <a:spcPts val="0"/>
-              </a:spcBef>
-              <a:spcAft>
-                <a:spcPts val="1000"/>
-              </a:spcAft>
-              <a:buClr>
-                <a:schemeClr val="tx1"/>
-              </a:buClr>
-              <a:buSzPct val="100000"/>
-              <a:buFont typeface="Arial"/>
-              <a:buChar char="•"/>
-              <a:defRPr sz="1200" kern="1200" cap="none">
-                <a:solidFill>
-                  <a:schemeClr val="tx1"/>
-                </a:solidFill>
-                <a:effectLst/>
-                <a:latin typeface="+mn-lt"/>
-                <a:ea typeface="+mn-ea"/>
-                <a:cs typeface="+mn-cs"/>
-              </a:defRPr>
-            </a:lvl6pPr>
-            <a:lvl7pPr marL="2971800" indent="-228600" algn="l" defTabSz="457200" rtl="0" eaLnBrk="1" latinLnBrk="0" hangingPunct="1">
-              <a:spcBef>
-                <a:spcPts val="0"/>
-              </a:spcBef>
-              <a:spcAft>
-                <a:spcPts val="1000"/>
-              </a:spcAft>
-              <a:buClr>
-                <a:schemeClr val="tx1"/>
-              </a:buClr>
-              <a:buSzPct val="100000"/>
-              <a:buFont typeface="Arial"/>
-              <a:buChar char="•"/>
-              <a:defRPr sz="1200" kern="1200" cap="none">
-                <a:solidFill>
-                  <a:schemeClr val="tx1"/>
-                </a:solidFill>
-                <a:effectLst/>
-                <a:latin typeface="+mn-lt"/>
-                <a:ea typeface="+mn-ea"/>
-                <a:cs typeface="+mn-cs"/>
-              </a:defRPr>
-            </a:lvl7pPr>
-            <a:lvl8pPr marL="3429000" indent="-228600" algn="l" defTabSz="457200" rtl="0" eaLnBrk="1" latinLnBrk="0" hangingPunct="1">
-              <a:spcBef>
-                <a:spcPts val="0"/>
-              </a:spcBef>
-              <a:spcAft>
-                <a:spcPts val="1000"/>
-              </a:spcAft>
-              <a:buClr>
-                <a:schemeClr val="tx1"/>
-              </a:buClr>
-              <a:buSzPct val="100000"/>
-              <a:buFont typeface="Arial"/>
-              <a:buChar char="•"/>
-              <a:defRPr sz="1200" kern="1200" cap="none">
-                <a:solidFill>
-                  <a:schemeClr val="tx1"/>
-                </a:solidFill>
-                <a:effectLst/>
-                <a:latin typeface="+mn-lt"/>
-                <a:ea typeface="+mn-ea"/>
-                <a:cs typeface="+mn-cs"/>
-              </a:defRPr>
-            </a:lvl8pPr>
-            <a:lvl9pPr marL="3886200" indent="-228600" algn="l" defTabSz="457200" rtl="0" eaLnBrk="1" latinLnBrk="0" hangingPunct="1">
-              <a:spcBef>
-                <a:spcPts val="0"/>
-              </a:spcBef>
-              <a:spcAft>
-                <a:spcPts val="1000"/>
-              </a:spcAft>
-              <a:buClr>
-                <a:schemeClr val="tx1"/>
-              </a:buClr>
-              <a:buSzPct val="100000"/>
-              <a:buFont typeface="Arial"/>
-              <a:buChar char="•"/>
-              <a:defRPr sz="1200" kern="1200" cap="none">
-                <a:solidFill>
-                  <a:schemeClr val="tx1"/>
-                </a:solidFill>
-                <a:effectLst/>
-                <a:latin typeface="+mn-lt"/>
-                <a:ea typeface="+mn-ea"/>
-                <a:cs typeface="+mn-cs"/>
-              </a:defRPr>
-            </a:lvl9pPr>
-          </a:lstStyle>
-          <a:p>
-            <a:endParaRPr lang="nl-NL" sz="2000" dirty="0" smtClean="0">
-              <a:latin typeface="Eras Light ITC" panose="020B0402030504020804" pitchFamily="34" charset="0"/>
-            </a:endParaRPr>
-          </a:p>
-          <a:p>
-            <a:endParaRPr lang="nl-NL" sz="2000" dirty="0">
-              <a:latin typeface="Eras Light ITC" panose="020B0402030504020804" pitchFamily="34" charset="0"/>
-            </a:endParaRPr>
-          </a:p>
-          <a:p>
-            <a:endParaRPr lang="nl-NL" sz="2000" dirty="0" smtClean="0">
-              <a:latin typeface="Eras Light ITC" panose="020B0402030504020804" pitchFamily="34" charset="0"/>
-            </a:endParaRPr>
-          </a:p>
-          <a:p>
-            <a:endParaRPr lang="nl-NL" sz="2000" dirty="0">
-              <a:latin typeface="Eras Light ITC" panose="020B0402030504020804" pitchFamily="34" charset="0"/>
-            </a:endParaRPr>
-          </a:p>
-          <a:p>
-            <a:endParaRPr lang="nl-NL" sz="2000" dirty="0" smtClean="0">
-              <a:latin typeface="Eras Light ITC" panose="020B0402030504020804" pitchFamily="34" charset="0"/>
-            </a:endParaRPr>
-          </a:p>
-        </p:txBody>
-      </p:sp>
+      </p:pic>
+      <p:pic>
+        <p:nvPicPr>
+          <p:cNvPr id="4" name="Afbeelding 3"/>
+          <p:cNvPicPr>
+            <a:picLocks noChangeAspect="1"/>
+          </p:cNvPicPr>
+          <p:nvPr/>
+        </p:nvPicPr>
+        <p:blipFill>
+          <a:blip r:embed="rId3"/>
+          <a:stretch>
+            <a:fillRect/>
+          </a:stretch>
+        </p:blipFill>
+        <p:spPr>
+          <a:xfrm>
+            <a:off x="138111" y="1787658"/>
+            <a:ext cx="11915775" cy="5070342"/>
+          </a:xfrm>
+          <a:prstGeom prst="rect">
+            <a:avLst/>
+          </a:prstGeom>
+        </p:spPr>
+      </p:pic>
+      <p:pic>
+        <p:nvPicPr>
+          <p:cNvPr id="7" name="Afbeelding 6"/>
+          <p:cNvPicPr>
+            <a:picLocks noChangeAspect="1"/>
+          </p:cNvPicPr>
+          <p:nvPr/>
+        </p:nvPicPr>
+        <p:blipFill>
+          <a:blip r:embed="rId4"/>
+          <a:stretch>
+            <a:fillRect/>
+          </a:stretch>
+        </p:blipFill>
+        <p:spPr>
+          <a:xfrm>
+            <a:off x="138110" y="1787658"/>
+            <a:ext cx="11915775" cy="5070342"/>
+          </a:xfrm>
+          <a:prstGeom prst="rect">
+            <a:avLst/>
+          </a:prstGeom>
+        </p:spPr>
+      </p:pic>
+      <p:pic>
+        <p:nvPicPr>
+          <p:cNvPr id="8" name="Afbeelding 7"/>
+          <p:cNvPicPr>
+            <a:picLocks noChangeAspect="1"/>
+          </p:cNvPicPr>
+          <p:nvPr/>
+        </p:nvPicPr>
+        <p:blipFill>
+          <a:blip r:embed="rId5"/>
+          <a:stretch>
+            <a:fillRect/>
+          </a:stretch>
+        </p:blipFill>
+        <p:spPr>
+          <a:xfrm>
+            <a:off x="138109" y="1785933"/>
+            <a:ext cx="11915775" cy="5072067"/>
+          </a:xfrm>
+          <a:prstGeom prst="rect">
+            <a:avLst/>
+          </a:prstGeom>
+        </p:spPr>
+      </p:pic>
+      <p:pic>
+        <p:nvPicPr>
+          <p:cNvPr id="9" name="Afbeelding 8"/>
+          <p:cNvPicPr>
+            <a:picLocks noChangeAspect="1"/>
+          </p:cNvPicPr>
+          <p:nvPr/>
+        </p:nvPicPr>
+        <p:blipFill>
+          <a:blip r:embed="rId6"/>
+          <a:stretch>
+            <a:fillRect/>
+          </a:stretch>
+        </p:blipFill>
+        <p:spPr>
+          <a:xfrm>
+            <a:off x="138107" y="1748414"/>
+            <a:ext cx="11915775" cy="5109586"/>
+          </a:xfrm>
+          <a:prstGeom prst="rect">
+            <a:avLst/>
+          </a:prstGeom>
+        </p:spPr>
+      </p:pic>
+      <p:pic>
+        <p:nvPicPr>
+          <p:cNvPr id="10" name="Afbeelding 9"/>
+          <p:cNvPicPr>
+            <a:picLocks noChangeAspect="1"/>
+          </p:cNvPicPr>
+          <p:nvPr/>
+        </p:nvPicPr>
+        <p:blipFill>
+          <a:blip r:embed="rId7"/>
+          <a:stretch>
+            <a:fillRect/>
+          </a:stretch>
+        </p:blipFill>
+        <p:spPr>
+          <a:xfrm>
+            <a:off x="138102" y="1748414"/>
+            <a:ext cx="11915779" cy="5109586"/>
+          </a:xfrm>
+          <a:prstGeom prst="rect">
+            <a:avLst/>
+          </a:prstGeom>
+        </p:spPr>
+      </p:pic>
     </p:spTree>
     <p:extLst>
       <p:ext uri="{BB962C8B-B14F-4D97-AF65-F5344CB8AC3E}">
-        <p14:creationId xmlns:p14="http://schemas.microsoft.com/office/powerpoint/2010/main" val="1562790998"/>
+        <p14:creationId xmlns:p14="http://schemas.microsoft.com/office/powerpoint/2010/main" val="2815130800"/>
       </p:ext>
     </p:extLst>
   </p:cSld>
@@ -11046,7 +11194,255 @@
   <p:timing>
     <p:tnLst>
       <p:par>
-        <p:cTn id="1" dur="indefinite" restart="never" nodeType="tmRoot"/>
+        <p:cTn id="1" dur="indefinite" restart="never" nodeType="tmRoot">
+          <p:childTnLst>
+            <p:seq concurrent="1" nextAc="seek">
+              <p:cTn id="2" dur="indefinite" nodeType="mainSeq">
+                <p:childTnLst>
+                  <p:par>
+                    <p:cTn id="3" fill="hold">
+                      <p:stCondLst>
+                        <p:cond delay="indefinite"/>
+                      </p:stCondLst>
+                      <p:childTnLst>
+                        <p:par>
+                          <p:cTn id="4" fill="hold">
+                            <p:stCondLst>
+                              <p:cond delay="0"/>
+                            </p:stCondLst>
+                            <p:childTnLst>
+                              <p:par>
+                                <p:cTn id="5" presetID="1" presetClass="entr" presetSubtype="0" fill="hold" nodeType="clickEffect">
+                                  <p:stCondLst>
+                                    <p:cond delay="0"/>
+                                  </p:stCondLst>
+                                  <p:childTnLst>
+                                    <p:set>
+                                      <p:cBhvr>
+                                        <p:cTn id="6" dur="1" fill="hold">
+                                          <p:stCondLst>
+                                            <p:cond delay="0"/>
+                                          </p:stCondLst>
+                                        </p:cTn>
+                                        <p:tgtEl>
+                                          <p:spTgt spid="4"/>
+                                        </p:tgtEl>
+                                        <p:attrNameLst>
+                                          <p:attrName>style.visibility</p:attrName>
+                                        </p:attrNameLst>
+                                      </p:cBhvr>
+                                      <p:to>
+                                        <p:strVal val="visible"/>
+                                      </p:to>
+                                    </p:set>
+                                  </p:childTnLst>
+                                </p:cTn>
+                              </p:par>
+                            </p:childTnLst>
+                          </p:cTn>
+                        </p:par>
+                      </p:childTnLst>
+                    </p:cTn>
+                  </p:par>
+                  <p:par>
+                    <p:cTn id="7" fill="hold">
+                      <p:stCondLst>
+                        <p:cond delay="indefinite"/>
+                      </p:stCondLst>
+                      <p:childTnLst>
+                        <p:par>
+                          <p:cTn id="8" fill="hold">
+                            <p:stCondLst>
+                              <p:cond delay="0"/>
+                            </p:stCondLst>
+                            <p:childTnLst>
+                              <p:par>
+                                <p:cTn id="9" presetID="1" presetClass="entr" presetSubtype="0" fill="hold" nodeType="clickEffect">
+                                  <p:stCondLst>
+                                    <p:cond delay="0"/>
+                                  </p:stCondLst>
+                                  <p:childTnLst>
+                                    <p:set>
+                                      <p:cBhvr>
+                                        <p:cTn id="10" dur="1" fill="hold">
+                                          <p:stCondLst>
+                                            <p:cond delay="0"/>
+                                          </p:stCondLst>
+                                        </p:cTn>
+                                        <p:tgtEl>
+                                          <p:spTgt spid="7"/>
+                                        </p:tgtEl>
+                                        <p:attrNameLst>
+                                          <p:attrName>style.visibility</p:attrName>
+                                        </p:attrNameLst>
+                                      </p:cBhvr>
+                                      <p:to>
+                                        <p:strVal val="visible"/>
+                                      </p:to>
+                                    </p:set>
+                                  </p:childTnLst>
+                                </p:cTn>
+                              </p:par>
+                            </p:childTnLst>
+                          </p:cTn>
+                        </p:par>
+                      </p:childTnLst>
+                    </p:cTn>
+                  </p:par>
+                  <p:par>
+                    <p:cTn id="11" fill="hold">
+                      <p:stCondLst>
+                        <p:cond delay="indefinite"/>
+                      </p:stCondLst>
+                      <p:childTnLst>
+                        <p:par>
+                          <p:cTn id="12" fill="hold">
+                            <p:stCondLst>
+                              <p:cond delay="0"/>
+                            </p:stCondLst>
+                            <p:childTnLst>
+                              <p:par>
+                                <p:cTn id="13" presetID="1" presetClass="entr" presetSubtype="0" fill="hold" nodeType="clickEffect">
+                                  <p:stCondLst>
+                                    <p:cond delay="0"/>
+                                  </p:stCondLst>
+                                  <p:childTnLst>
+                                    <p:set>
+                                      <p:cBhvr>
+                                        <p:cTn id="14" dur="1" fill="hold">
+                                          <p:stCondLst>
+                                            <p:cond delay="0"/>
+                                          </p:stCondLst>
+                                        </p:cTn>
+                                        <p:tgtEl>
+                                          <p:spTgt spid="8"/>
+                                        </p:tgtEl>
+                                        <p:attrNameLst>
+                                          <p:attrName>style.visibility</p:attrName>
+                                        </p:attrNameLst>
+                                      </p:cBhvr>
+                                      <p:to>
+                                        <p:strVal val="visible"/>
+                                      </p:to>
+                                    </p:set>
+                                  </p:childTnLst>
+                                </p:cTn>
+                              </p:par>
+                            </p:childTnLst>
+                          </p:cTn>
+                        </p:par>
+                      </p:childTnLst>
+                    </p:cTn>
+                  </p:par>
+                  <p:par>
+                    <p:cTn id="15" fill="hold">
+                      <p:stCondLst>
+                        <p:cond delay="indefinite"/>
+                      </p:stCondLst>
+                      <p:childTnLst>
+                        <p:par>
+                          <p:cTn id="16" fill="hold">
+                            <p:stCondLst>
+                              <p:cond delay="0"/>
+                            </p:stCondLst>
+                            <p:childTnLst>
+                              <p:par>
+                                <p:cTn id="17" presetID="1" presetClass="entr" presetSubtype="0" fill="hold" nodeType="clickEffect">
+                                  <p:stCondLst>
+                                    <p:cond delay="0"/>
+                                  </p:stCondLst>
+                                  <p:childTnLst>
+                                    <p:set>
+                                      <p:cBhvr>
+                                        <p:cTn id="18" dur="1" fill="hold">
+                                          <p:stCondLst>
+                                            <p:cond delay="0"/>
+                                          </p:stCondLst>
+                                        </p:cTn>
+                                        <p:tgtEl>
+                                          <p:spTgt spid="9"/>
+                                        </p:tgtEl>
+                                        <p:attrNameLst>
+                                          <p:attrName>style.visibility</p:attrName>
+                                        </p:attrNameLst>
+                                      </p:cBhvr>
+                                      <p:to>
+                                        <p:strVal val="visible"/>
+                                      </p:to>
+                                    </p:set>
+                                  </p:childTnLst>
+                                </p:cTn>
+                              </p:par>
+                            </p:childTnLst>
+                          </p:cTn>
+                        </p:par>
+                      </p:childTnLst>
+                    </p:cTn>
+                  </p:par>
+                  <p:par>
+                    <p:cTn id="19" fill="hold">
+                      <p:stCondLst>
+                        <p:cond delay="indefinite"/>
+                      </p:stCondLst>
+                      <p:childTnLst>
+                        <p:par>
+                          <p:cTn id="20" fill="hold">
+                            <p:stCondLst>
+                              <p:cond delay="0"/>
+                            </p:stCondLst>
+                            <p:childTnLst>
+                              <p:par>
+                                <p:cTn id="21" presetID="1" presetClass="entr" presetSubtype="0" fill="hold" nodeType="clickEffect">
+                                  <p:stCondLst>
+                                    <p:cond delay="0"/>
+                                  </p:stCondLst>
+                                  <p:childTnLst>
+                                    <p:set>
+                                      <p:cBhvr>
+                                        <p:cTn id="22" dur="1" fill="hold">
+                                          <p:stCondLst>
+                                            <p:cond delay="0"/>
+                                          </p:stCondLst>
+                                        </p:cTn>
+                                        <p:tgtEl>
+                                          <p:spTgt spid="10"/>
+                                        </p:tgtEl>
+                                        <p:attrNameLst>
+                                          <p:attrName>style.visibility</p:attrName>
+                                        </p:attrNameLst>
+                                      </p:cBhvr>
+                                      <p:to>
+                                        <p:strVal val="visible"/>
+                                      </p:to>
+                                    </p:set>
+                                  </p:childTnLst>
+                                </p:cTn>
+                              </p:par>
+                            </p:childTnLst>
+                          </p:cTn>
+                        </p:par>
+                      </p:childTnLst>
+                    </p:cTn>
+                  </p:par>
+                </p:childTnLst>
+              </p:cTn>
+              <p:prevCondLst>
+                <p:cond evt="onPrev" delay="0">
+                  <p:tgtEl>
+                    <p:sldTgt/>
+                  </p:tgtEl>
+                </p:cond>
+              </p:prevCondLst>
+              <p:nextCondLst>
+                <p:cond evt="onNext" delay="0">
+                  <p:tgtEl>
+                    <p:sldTgt/>
+                  </p:tgtEl>
+                </p:cond>
+              </p:nextCondLst>
+            </p:seq>
+          </p:childTnLst>
+        </p:cTn>
       </p:par>
     </p:tnLst>
   </p:timing>
@@ -11092,22 +11488,10 @@
           <a:p>
             <a:pPr algn="ctr"/>
             <a:r>
-              <a:rPr lang="nl-NL" sz="6600" dirty="0" smtClean="0">
-                <a:latin typeface="Eras Light ITC" panose="020B0402030504020804" pitchFamily="34" charset="0"/>
-              </a:rPr>
-              <a:t>Planning(</a:t>
-            </a:r>
-            <a:r>
               <a:rPr lang="nl-NL" sz="6600" dirty="0" err="1" smtClean="0">
                 <a:latin typeface="Eras Light ITC" panose="020B0402030504020804" pitchFamily="34" charset="0"/>
               </a:rPr>
-              <a:t>fahra</a:t>
-            </a:r>
-            <a:r>
-              <a:rPr lang="nl-NL" sz="6600" dirty="0" smtClean="0">
-                <a:latin typeface="Eras Light ITC" panose="020B0402030504020804" pitchFamily="34" charset="0"/>
-              </a:rPr>
-              <a:t>)</a:t>
+              <a:t>BackLog</a:t>
             </a:r>
             <a:endParaRPr lang="nl-NL" sz="6600" dirty="0">
               <a:latin typeface="Eras Light ITC" panose="020B0402030504020804" pitchFamily="34" charset="0"/>
@@ -11115,661 +11499,58 @@
           </a:p>
         </p:txBody>
       </p:sp>
-      <p:sp>
-        <p:nvSpPr>
-          <p:cNvPr id="3" name="Tijdelijke aanduiding voor inhoud 2"/>
-          <p:cNvSpPr>
-            <a:spLocks noGrp="1"/>
-          </p:cNvSpPr>
-          <p:nvPr>
-            <p:ph idx="1"/>
-          </p:nvPr>
-        </p:nvSpPr>
+      <p:pic>
+        <p:nvPicPr>
+          <p:cNvPr id="5" name="Afbeelding 4"/>
+          <p:cNvPicPr>
+            <a:picLocks noChangeAspect="1"/>
+          </p:cNvPicPr>
+          <p:nvPr/>
+        </p:nvPicPr>
+        <p:blipFill>
+          <a:blip r:embed="rId2"/>
+          <a:stretch>
+            <a:fillRect/>
+          </a:stretch>
+        </p:blipFill>
         <p:spPr>
           <a:xfrm>
-            <a:off x="685801" y="2065867"/>
-            <a:ext cx="10131425" cy="4367123"/>
-          </a:xfrm>
-        </p:spPr>
-        <p:txBody>
-          <a:bodyPr>
-            <a:normAutofit/>
-          </a:bodyPr>
-          <a:lstStyle/>
-          <a:p>
-            <a:r>
-              <a:rPr lang="en-US" sz="2000" dirty="0" smtClean="0">
-                <a:latin typeface="Eras Light ITC" panose="020B0402030504020804" pitchFamily="34" charset="0"/>
-              </a:rPr>
-              <a:t>Backlog </a:t>
-            </a:r>
-            <a:r>
-              <a:rPr lang="en-US" sz="2000" dirty="0" err="1" smtClean="0">
-                <a:latin typeface="Eras Light ITC" panose="020B0402030504020804" pitchFamily="34" charset="0"/>
-              </a:rPr>
-              <a:t>laten</a:t>
-            </a:r>
-            <a:r>
-              <a:rPr lang="en-US" sz="2000" dirty="0" smtClean="0">
-                <a:latin typeface="Eras Light ITC" panose="020B0402030504020804" pitchFamily="34" charset="0"/>
-              </a:rPr>
-              <a:t> </a:t>
-            </a:r>
-            <a:r>
-              <a:rPr lang="en-US" sz="2000" dirty="0" err="1" smtClean="0">
-                <a:latin typeface="Eras Light ITC" panose="020B0402030504020804" pitchFamily="34" charset="0"/>
-              </a:rPr>
-              <a:t>zien</a:t>
-            </a:r>
-            <a:r>
-              <a:rPr lang="en-US" sz="2000" dirty="0" smtClean="0">
-                <a:latin typeface="Eras Light ITC" panose="020B0402030504020804" pitchFamily="34" charset="0"/>
-              </a:rPr>
-              <a:t> met </a:t>
-            </a:r>
-            <a:r>
-              <a:rPr lang="en-US" sz="2000" dirty="0" err="1" smtClean="0">
-                <a:latin typeface="Eras Light ITC" panose="020B0402030504020804" pitchFamily="34" charset="0"/>
-              </a:rPr>
-              <a:t>actuele</a:t>
-            </a:r>
-            <a:r>
-              <a:rPr lang="en-US" sz="2000" dirty="0" smtClean="0">
-                <a:latin typeface="Eras Light ITC" panose="020B0402030504020804" pitchFamily="34" charset="0"/>
-              </a:rPr>
-              <a:t> </a:t>
-            </a:r>
-            <a:r>
-              <a:rPr lang="en-US" sz="2000" dirty="0" err="1" smtClean="0">
-                <a:latin typeface="Eras Light ITC" panose="020B0402030504020804" pitchFamily="34" charset="0"/>
-              </a:rPr>
-              <a:t>statussen</a:t>
-            </a:r>
-            <a:endParaRPr lang="en-US" sz="2000" dirty="0" smtClean="0">
-              <a:latin typeface="Eras Light ITC" panose="020B0402030504020804" pitchFamily="34" charset="0"/>
-            </a:endParaRPr>
-          </a:p>
-          <a:p>
-            <a:r>
-              <a:rPr lang="en-US" sz="2000" dirty="0" smtClean="0">
-                <a:latin typeface="Eras Light ITC" panose="020B0402030504020804" pitchFamily="34" charset="0"/>
-              </a:rPr>
-              <a:t>Status van </a:t>
-            </a:r>
-            <a:r>
-              <a:rPr lang="en-US" sz="2000" dirty="0" err="1" smtClean="0">
-                <a:latin typeface="Eras Light ITC" panose="020B0402030504020804" pitchFamily="34" charset="0"/>
-              </a:rPr>
-              <a:t>ingeschatte</a:t>
-            </a:r>
-            <a:r>
-              <a:rPr lang="en-US" sz="2000" dirty="0" smtClean="0">
-                <a:latin typeface="Eras Light ITC" panose="020B0402030504020804" pitchFamily="34" charset="0"/>
-              </a:rPr>
-              <a:t> </a:t>
-            </a:r>
-            <a:r>
-              <a:rPr lang="en-US" sz="2000" dirty="0" err="1" smtClean="0">
-                <a:latin typeface="Eras Light ITC" panose="020B0402030504020804" pitchFamily="34" charset="0"/>
-              </a:rPr>
-              <a:t>uren</a:t>
-            </a:r>
-            <a:r>
-              <a:rPr lang="en-US" sz="2000" dirty="0" smtClean="0">
-                <a:latin typeface="Eras Light ITC" panose="020B0402030504020804" pitchFamily="34" charset="0"/>
-              </a:rPr>
-              <a:t> </a:t>
-            </a:r>
-            <a:r>
-              <a:rPr lang="en-US" sz="2000" dirty="0" err="1" smtClean="0">
-                <a:latin typeface="Eras Light ITC" panose="020B0402030504020804" pitchFamily="34" charset="0"/>
-              </a:rPr>
-              <a:t>t.o.v</a:t>
-            </a:r>
-            <a:r>
-              <a:rPr lang="en-US" sz="2000" dirty="0" smtClean="0">
-                <a:latin typeface="Eras Light ITC" panose="020B0402030504020804" pitchFamily="34" charset="0"/>
-              </a:rPr>
-              <a:t>. </a:t>
-            </a:r>
-            <a:r>
-              <a:rPr lang="en-US" sz="2000" dirty="0" err="1" smtClean="0">
-                <a:latin typeface="Eras Light ITC" panose="020B0402030504020804" pitchFamily="34" charset="0"/>
-              </a:rPr>
-              <a:t>gemaakte</a:t>
-            </a:r>
-            <a:r>
-              <a:rPr lang="en-US" sz="2000" dirty="0" smtClean="0">
-                <a:latin typeface="Eras Light ITC" panose="020B0402030504020804" pitchFamily="34" charset="0"/>
-              </a:rPr>
-              <a:t> </a:t>
-            </a:r>
-            <a:r>
-              <a:rPr lang="en-US" sz="2000" dirty="0" err="1" smtClean="0">
-                <a:latin typeface="Eras Light ITC" panose="020B0402030504020804" pitchFamily="34" charset="0"/>
-              </a:rPr>
-              <a:t>uren</a:t>
-            </a:r>
-            <a:r>
-              <a:rPr lang="en-US" sz="2000" dirty="0" smtClean="0">
-                <a:latin typeface="Eras Light ITC" panose="020B0402030504020804" pitchFamily="34" charset="0"/>
-              </a:rPr>
-              <a:t> DEV </a:t>
-            </a:r>
-            <a:r>
-              <a:rPr lang="en-US" sz="2000" dirty="0" err="1" smtClean="0">
-                <a:latin typeface="Eras Light ITC" panose="020B0402030504020804" pitchFamily="34" charset="0"/>
-              </a:rPr>
-              <a:t>fase</a:t>
-            </a:r>
-            <a:r>
-              <a:rPr lang="en-US" sz="2000" dirty="0" smtClean="0">
-                <a:latin typeface="Eras Light ITC" panose="020B0402030504020804" pitchFamily="34" charset="0"/>
-              </a:rPr>
-              <a:t> 1</a:t>
-            </a:r>
-          </a:p>
-          <a:p>
-            <a:r>
-              <a:rPr lang="en-US" sz="2000" dirty="0" smtClean="0">
-                <a:latin typeface="Eras Light ITC" panose="020B0402030504020804" pitchFamily="34" charset="0"/>
-              </a:rPr>
-              <a:t>Planning </a:t>
-            </a:r>
-            <a:r>
-              <a:rPr lang="en-US" sz="2000" dirty="0" err="1" smtClean="0">
-                <a:latin typeface="Eras Light ITC" panose="020B0402030504020804" pitchFamily="34" charset="0"/>
-              </a:rPr>
-              <a:t>uitgebreid</a:t>
-            </a:r>
-            <a:r>
-              <a:rPr lang="en-US" sz="2000" dirty="0" smtClean="0">
-                <a:latin typeface="Eras Light ITC" panose="020B0402030504020804" pitchFamily="34" charset="0"/>
-              </a:rPr>
-              <a:t> </a:t>
-            </a:r>
-            <a:r>
-              <a:rPr lang="en-US" sz="2000" dirty="0" err="1" smtClean="0">
-                <a:latin typeface="Eras Light ITC" panose="020B0402030504020804" pitchFamily="34" charset="0"/>
-              </a:rPr>
-              <a:t>laten</a:t>
-            </a:r>
-            <a:r>
-              <a:rPr lang="en-US" sz="2000" dirty="0" smtClean="0">
-                <a:latin typeface="Eras Light ITC" panose="020B0402030504020804" pitchFamily="34" charset="0"/>
-              </a:rPr>
-              <a:t> </a:t>
-            </a:r>
-            <a:r>
-              <a:rPr lang="en-US" sz="2000" dirty="0" err="1" smtClean="0">
-                <a:latin typeface="Eras Light ITC" panose="020B0402030504020804" pitchFamily="34" charset="0"/>
-              </a:rPr>
-              <a:t>zien</a:t>
-            </a:r>
-            <a:r>
-              <a:rPr lang="en-US" sz="2000" dirty="0" smtClean="0">
-                <a:latin typeface="Eras Light ITC" panose="020B0402030504020804" pitchFamily="34" charset="0"/>
-              </a:rPr>
-              <a:t> </a:t>
-            </a:r>
-            <a:r>
-              <a:rPr lang="en-US" sz="2000" dirty="0" err="1" smtClean="0">
-                <a:latin typeface="Eras Light ITC" panose="020B0402030504020804" pitchFamily="34" charset="0"/>
-              </a:rPr>
-              <a:t>voor</a:t>
-            </a:r>
-            <a:r>
-              <a:rPr lang="en-US" sz="2000" dirty="0" smtClean="0">
-                <a:latin typeface="Eras Light ITC" panose="020B0402030504020804" pitchFamily="34" charset="0"/>
-              </a:rPr>
-              <a:t> </a:t>
-            </a:r>
-            <a:r>
-              <a:rPr lang="en-US" sz="2000" dirty="0" err="1" smtClean="0">
-                <a:latin typeface="Eras Light ITC" panose="020B0402030504020804" pitchFamily="34" charset="0"/>
-              </a:rPr>
-              <a:t>aankomende</a:t>
-            </a:r>
-            <a:r>
-              <a:rPr lang="en-US" sz="2000" dirty="0" smtClean="0">
-                <a:latin typeface="Eras Light ITC" panose="020B0402030504020804" pitchFamily="34" charset="0"/>
-              </a:rPr>
-              <a:t> </a:t>
-            </a:r>
-            <a:r>
-              <a:rPr lang="en-US" sz="2000" dirty="0" err="1" smtClean="0">
-                <a:latin typeface="Eras Light ITC" panose="020B0402030504020804" pitchFamily="34" charset="0"/>
-              </a:rPr>
-              <a:t>devfase</a:t>
-            </a:r>
-            <a:r>
-              <a:rPr lang="en-US" sz="2000" dirty="0" smtClean="0">
-                <a:latin typeface="Eras Light ITC" panose="020B0402030504020804" pitchFamily="34" charset="0"/>
-              </a:rPr>
-              <a:t> 2 </a:t>
-            </a:r>
-            <a:r>
-              <a:rPr lang="en-US" sz="2000" dirty="0" err="1" smtClean="0">
-                <a:latin typeface="Eras Light ITC" panose="020B0402030504020804" pitchFamily="34" charset="0"/>
-              </a:rPr>
-              <a:t>inclusief</a:t>
-            </a:r>
-            <a:r>
-              <a:rPr lang="en-US" sz="2000" dirty="0" smtClean="0">
-                <a:latin typeface="Eras Light ITC" panose="020B0402030504020804" pitchFamily="34" charset="0"/>
-              </a:rPr>
-              <a:t> </a:t>
-            </a:r>
-            <a:r>
-              <a:rPr lang="en-US" sz="2000" dirty="0" err="1" smtClean="0">
-                <a:latin typeface="Eras Light ITC" panose="020B0402030504020804" pitchFamily="34" charset="0"/>
-              </a:rPr>
-              <a:t>tijdsinschatting</a:t>
-            </a:r>
-            <a:r>
-              <a:rPr lang="en-US" sz="2000" dirty="0" smtClean="0">
-                <a:latin typeface="Eras Light ITC" panose="020B0402030504020804" pitchFamily="34" charset="0"/>
-              </a:rPr>
-              <a:t> </a:t>
-            </a:r>
-            <a:r>
-              <a:rPr lang="en-US" sz="2000" dirty="0" err="1" smtClean="0">
-                <a:latin typeface="Eras Light ITC" panose="020B0402030504020804" pitchFamily="34" charset="0"/>
-              </a:rPr>
-              <a:t>en</a:t>
-            </a:r>
-            <a:r>
-              <a:rPr lang="en-US" sz="2000" dirty="0" smtClean="0">
-                <a:latin typeface="Eras Light ITC" panose="020B0402030504020804" pitchFamily="34" charset="0"/>
-              </a:rPr>
-              <a:t> </a:t>
-            </a:r>
-            <a:r>
-              <a:rPr lang="en-US" sz="2000" dirty="0" err="1" smtClean="0">
-                <a:latin typeface="Eras Light ITC" panose="020B0402030504020804" pitchFamily="34" charset="0"/>
-              </a:rPr>
-              <a:t>taakverdeling</a:t>
-            </a:r>
-            <a:r>
-              <a:rPr lang="en-US" sz="2000" dirty="0" smtClean="0">
-                <a:latin typeface="Eras Light ITC" panose="020B0402030504020804" pitchFamily="34" charset="0"/>
-              </a:rPr>
-              <a:t>***</a:t>
-            </a:r>
-          </a:p>
-          <a:p>
-            <a:r>
-              <a:rPr lang="en-US" sz="2000" dirty="0" err="1" smtClean="0">
-                <a:latin typeface="Eras Light ITC" panose="020B0402030504020804" pitchFamily="34" charset="0"/>
-              </a:rPr>
-              <a:t>Uitleg</a:t>
-            </a:r>
-            <a:r>
-              <a:rPr lang="en-US" sz="2000" dirty="0" smtClean="0">
-                <a:latin typeface="Eras Light ITC" panose="020B0402030504020804" pitchFamily="34" charset="0"/>
-              </a:rPr>
-              <a:t> van </a:t>
-            </a:r>
-            <a:r>
-              <a:rPr lang="en-US" sz="2000" dirty="0" err="1" smtClean="0">
-                <a:latin typeface="Eras Light ITC" panose="020B0402030504020804" pitchFamily="34" charset="0"/>
-              </a:rPr>
-              <a:t>planningsmanager</a:t>
-            </a:r>
-            <a:r>
-              <a:rPr lang="en-US" sz="2000" dirty="0" smtClean="0">
-                <a:latin typeface="Eras Light ITC" panose="020B0402030504020804" pitchFamily="34" charset="0"/>
-              </a:rPr>
-              <a:t> wat </a:t>
-            </a:r>
-            <a:r>
-              <a:rPr lang="en-US" sz="2000" dirty="0" err="1" smtClean="0">
-                <a:latin typeface="Eras Light ITC" panose="020B0402030504020804" pitchFamily="34" charset="0"/>
-              </a:rPr>
-              <a:t>er</a:t>
-            </a:r>
-            <a:r>
-              <a:rPr lang="en-US" sz="2000" dirty="0" smtClean="0">
-                <a:latin typeface="Eras Light ITC" panose="020B0402030504020804" pitchFamily="34" charset="0"/>
-              </a:rPr>
-              <a:t> </a:t>
-            </a:r>
-            <a:r>
-              <a:rPr lang="en-US" sz="2000" dirty="0" err="1" smtClean="0">
-                <a:latin typeface="Eras Light ITC" panose="020B0402030504020804" pitchFamily="34" charset="0"/>
-              </a:rPr>
-              <a:t>goed</a:t>
-            </a:r>
-            <a:r>
-              <a:rPr lang="en-US" sz="2000" dirty="0" smtClean="0">
-                <a:latin typeface="Eras Light ITC" panose="020B0402030504020804" pitchFamily="34" charset="0"/>
-              </a:rPr>
-              <a:t>  </a:t>
-            </a:r>
-            <a:r>
-              <a:rPr lang="en-US" sz="2000" dirty="0" err="1" smtClean="0">
-                <a:latin typeface="Eras Light ITC" panose="020B0402030504020804" pitchFamily="34" charset="0"/>
-              </a:rPr>
-              <a:t>gaat</a:t>
-            </a:r>
-            <a:r>
-              <a:rPr lang="en-US" sz="2000" dirty="0" smtClean="0">
-                <a:latin typeface="Eras Light ITC" panose="020B0402030504020804" pitchFamily="34" charset="0"/>
-              </a:rPr>
-              <a:t> </a:t>
-            </a:r>
-            <a:r>
-              <a:rPr lang="en-US" sz="2000" dirty="0" err="1" smtClean="0">
-                <a:latin typeface="Eras Light ITC" panose="020B0402030504020804" pitchFamily="34" charset="0"/>
-              </a:rPr>
-              <a:t>en</a:t>
-            </a:r>
-            <a:r>
-              <a:rPr lang="en-US" sz="2000" dirty="0" smtClean="0">
-                <a:latin typeface="Eras Light ITC" panose="020B0402030504020804" pitchFamily="34" charset="0"/>
-              </a:rPr>
-              <a:t> wat </a:t>
-            </a:r>
-            <a:r>
-              <a:rPr lang="en-US" sz="2000" dirty="0" err="1" smtClean="0">
-                <a:latin typeface="Eras Light ITC" panose="020B0402030504020804" pitchFamily="34" charset="0"/>
-              </a:rPr>
-              <a:t>beter</a:t>
-            </a:r>
-            <a:r>
-              <a:rPr lang="en-US" sz="2000" dirty="0" smtClean="0">
-                <a:latin typeface="Eras Light ITC" panose="020B0402030504020804" pitchFamily="34" charset="0"/>
-              </a:rPr>
-              <a:t> </a:t>
-            </a:r>
-            <a:r>
-              <a:rPr lang="en-US" sz="2000" dirty="0" err="1" smtClean="0">
-                <a:latin typeface="Eras Light ITC" panose="020B0402030504020804" pitchFamily="34" charset="0"/>
-              </a:rPr>
-              <a:t>moet</a:t>
-            </a:r>
-            <a:endParaRPr lang="en-US" sz="2000" dirty="0">
-              <a:latin typeface="Eras Light ITC" panose="020B0402030504020804" pitchFamily="34" charset="0"/>
-            </a:endParaRPr>
-          </a:p>
-          <a:p>
-            <a:endParaRPr lang="en-US" sz="2000" dirty="0" smtClean="0">
-              <a:latin typeface="Eras Light ITC" panose="020B0402030504020804" pitchFamily="34" charset="0"/>
-            </a:endParaRPr>
-          </a:p>
-          <a:p>
-            <a:endParaRPr lang="en-US" sz="2000" dirty="0">
-              <a:latin typeface="Eras Light ITC" panose="020B0402030504020804" pitchFamily="34" charset="0"/>
-            </a:endParaRPr>
-          </a:p>
-          <a:p>
-            <a:endParaRPr lang="nl-NL" sz="2000" dirty="0" smtClean="0">
-              <a:latin typeface="Eras Light ITC" panose="020B0402030504020804" pitchFamily="34" charset="0"/>
-            </a:endParaRPr>
-          </a:p>
-        </p:txBody>
-      </p:sp>
-      <p:sp>
-        <p:nvSpPr>
-          <p:cNvPr id="5" name="Tijdelijke aanduiding voor inhoud 2"/>
-          <p:cNvSpPr txBox="1">
-            <a:spLocks/>
-          </p:cNvSpPr>
-          <p:nvPr/>
-        </p:nvSpPr>
-        <p:spPr>
-          <a:xfrm>
-            <a:off x="3876136" y="2065867"/>
-            <a:ext cx="7404395" cy="4367123"/>
+            <a:off x="1895474" y="2289840"/>
+            <a:ext cx="8401050" cy="4048125"/>
           </a:xfrm>
           <a:prstGeom prst="rect">
             <a:avLst/>
           </a:prstGeom>
         </p:spPr>
-        <p:txBody>
-          <a:bodyPr vert="horz" lIns="91440" tIns="45720" rIns="91440" bIns="45720" rtlCol="0" anchor="ctr">
-            <a:normAutofit/>
-          </a:bodyPr>
-          <a:lstStyle>
-            <a:lvl1pPr marL="285750" indent="-285750" algn="l" defTabSz="457200" rtl="0" eaLnBrk="1" latinLnBrk="0" hangingPunct="1">
-              <a:spcBef>
-                <a:spcPts val="0"/>
-              </a:spcBef>
-              <a:spcAft>
-                <a:spcPts val="1000"/>
-              </a:spcAft>
-              <a:buClr>
-                <a:schemeClr val="tx1"/>
-              </a:buClr>
-              <a:buSzPct val="100000"/>
-              <a:buFont typeface="Arial"/>
-              <a:buChar char="•"/>
-              <a:defRPr sz="1800" kern="1200" cap="none">
-                <a:solidFill>
-                  <a:schemeClr val="tx1"/>
-                </a:solidFill>
-                <a:effectLst/>
-                <a:latin typeface="+mn-lt"/>
-                <a:ea typeface="+mn-ea"/>
-                <a:cs typeface="+mn-cs"/>
-              </a:defRPr>
-            </a:lvl1pPr>
-            <a:lvl2pPr marL="742950" indent="-285750" algn="l" defTabSz="457200" rtl="0" eaLnBrk="1" latinLnBrk="0" hangingPunct="1">
-              <a:spcBef>
-                <a:spcPts val="0"/>
-              </a:spcBef>
-              <a:spcAft>
-                <a:spcPts val="1000"/>
-              </a:spcAft>
-              <a:buClr>
-                <a:schemeClr val="tx1"/>
-              </a:buClr>
-              <a:buSzPct val="100000"/>
-              <a:buFont typeface="Arial"/>
-              <a:buChar char="•"/>
-              <a:defRPr sz="1600" kern="1200" cap="none">
-                <a:solidFill>
-                  <a:schemeClr val="tx1"/>
-                </a:solidFill>
-                <a:effectLst/>
-                <a:latin typeface="+mn-lt"/>
-                <a:ea typeface="+mn-ea"/>
-                <a:cs typeface="+mn-cs"/>
-              </a:defRPr>
-            </a:lvl2pPr>
-            <a:lvl3pPr marL="1200150" indent="-285750" algn="l" defTabSz="457200" rtl="0" eaLnBrk="1" latinLnBrk="0" hangingPunct="1">
-              <a:spcBef>
-                <a:spcPts val="0"/>
-              </a:spcBef>
-              <a:spcAft>
-                <a:spcPts val="1000"/>
-              </a:spcAft>
-              <a:buClr>
-                <a:schemeClr val="tx1"/>
-              </a:buClr>
-              <a:buSzPct val="100000"/>
-              <a:buFont typeface="Arial"/>
-              <a:buChar char="•"/>
-              <a:defRPr sz="1400" kern="1200" cap="none">
-                <a:solidFill>
-                  <a:schemeClr val="tx1"/>
-                </a:solidFill>
-                <a:effectLst/>
-                <a:latin typeface="+mn-lt"/>
-                <a:ea typeface="+mn-ea"/>
-                <a:cs typeface="+mn-cs"/>
-              </a:defRPr>
-            </a:lvl3pPr>
-            <a:lvl4pPr marL="1543050" indent="-171450" algn="l" defTabSz="457200" rtl="0" eaLnBrk="1" latinLnBrk="0" hangingPunct="1">
-              <a:spcBef>
-                <a:spcPts val="0"/>
-              </a:spcBef>
-              <a:spcAft>
-                <a:spcPts val="1000"/>
-              </a:spcAft>
-              <a:buClr>
-                <a:schemeClr val="tx1"/>
-              </a:buClr>
-              <a:buSzPct val="100000"/>
-              <a:buFont typeface="Arial"/>
-              <a:buChar char="•"/>
-              <a:defRPr sz="1200" kern="1200" cap="none">
-                <a:solidFill>
-                  <a:schemeClr val="tx1"/>
-                </a:solidFill>
-                <a:effectLst/>
-                <a:latin typeface="+mn-lt"/>
-                <a:ea typeface="+mn-ea"/>
-                <a:cs typeface="+mn-cs"/>
-              </a:defRPr>
-            </a:lvl4pPr>
-            <a:lvl5pPr marL="2000250" indent="-171450" algn="l" defTabSz="457200" rtl="0" eaLnBrk="1" latinLnBrk="0" hangingPunct="1">
-              <a:spcBef>
-                <a:spcPts val="0"/>
-              </a:spcBef>
-              <a:spcAft>
-                <a:spcPts val="1000"/>
-              </a:spcAft>
-              <a:buClr>
-                <a:schemeClr val="tx1"/>
-              </a:buClr>
-              <a:buSzPct val="100000"/>
-              <a:buFont typeface="Arial"/>
-              <a:buChar char="•"/>
-              <a:defRPr sz="1200" kern="1200" cap="none">
-                <a:solidFill>
-                  <a:schemeClr val="tx1"/>
-                </a:solidFill>
-                <a:effectLst/>
-                <a:latin typeface="+mn-lt"/>
-                <a:ea typeface="+mn-ea"/>
-                <a:cs typeface="+mn-cs"/>
-              </a:defRPr>
-            </a:lvl5pPr>
-            <a:lvl6pPr marL="2514600" indent="-228600" algn="l" defTabSz="457200" rtl="0" eaLnBrk="1" latinLnBrk="0" hangingPunct="1">
-              <a:spcBef>
-                <a:spcPts val="0"/>
-              </a:spcBef>
-              <a:spcAft>
-                <a:spcPts val="1000"/>
-              </a:spcAft>
-              <a:buClr>
-                <a:schemeClr val="tx1"/>
-              </a:buClr>
-              <a:buSzPct val="100000"/>
-              <a:buFont typeface="Arial"/>
-              <a:buChar char="•"/>
-              <a:defRPr sz="1200" kern="1200" cap="none">
-                <a:solidFill>
-                  <a:schemeClr val="tx1"/>
-                </a:solidFill>
-                <a:effectLst/>
-                <a:latin typeface="+mn-lt"/>
-                <a:ea typeface="+mn-ea"/>
-                <a:cs typeface="+mn-cs"/>
-              </a:defRPr>
-            </a:lvl6pPr>
-            <a:lvl7pPr marL="2971800" indent="-228600" algn="l" defTabSz="457200" rtl="0" eaLnBrk="1" latinLnBrk="0" hangingPunct="1">
-              <a:spcBef>
-                <a:spcPts val="0"/>
-              </a:spcBef>
-              <a:spcAft>
-                <a:spcPts val="1000"/>
-              </a:spcAft>
-              <a:buClr>
-                <a:schemeClr val="tx1"/>
-              </a:buClr>
-              <a:buSzPct val="100000"/>
-              <a:buFont typeface="Arial"/>
-              <a:buChar char="•"/>
-              <a:defRPr sz="1200" kern="1200" cap="none">
-                <a:solidFill>
-                  <a:schemeClr val="tx1"/>
-                </a:solidFill>
-                <a:effectLst/>
-                <a:latin typeface="+mn-lt"/>
-                <a:ea typeface="+mn-ea"/>
-                <a:cs typeface="+mn-cs"/>
-              </a:defRPr>
-            </a:lvl7pPr>
-            <a:lvl8pPr marL="3429000" indent="-228600" algn="l" defTabSz="457200" rtl="0" eaLnBrk="1" latinLnBrk="0" hangingPunct="1">
-              <a:spcBef>
-                <a:spcPts val="0"/>
-              </a:spcBef>
-              <a:spcAft>
-                <a:spcPts val="1000"/>
-              </a:spcAft>
-              <a:buClr>
-                <a:schemeClr val="tx1"/>
-              </a:buClr>
-              <a:buSzPct val="100000"/>
-              <a:buFont typeface="Arial"/>
-              <a:buChar char="•"/>
-              <a:defRPr sz="1200" kern="1200" cap="none">
-                <a:solidFill>
-                  <a:schemeClr val="tx1"/>
-                </a:solidFill>
-                <a:effectLst/>
-                <a:latin typeface="+mn-lt"/>
-                <a:ea typeface="+mn-ea"/>
-                <a:cs typeface="+mn-cs"/>
-              </a:defRPr>
-            </a:lvl8pPr>
-            <a:lvl9pPr marL="3886200" indent="-228600" algn="l" defTabSz="457200" rtl="0" eaLnBrk="1" latinLnBrk="0" hangingPunct="1">
-              <a:spcBef>
-                <a:spcPts val="0"/>
-              </a:spcBef>
-              <a:spcAft>
-                <a:spcPts val="1000"/>
-              </a:spcAft>
-              <a:buClr>
-                <a:schemeClr val="tx1"/>
-              </a:buClr>
-              <a:buSzPct val="100000"/>
-              <a:buFont typeface="Arial"/>
-              <a:buChar char="•"/>
-              <a:defRPr sz="1200" kern="1200" cap="none">
-                <a:solidFill>
-                  <a:schemeClr val="tx1"/>
-                </a:solidFill>
-                <a:effectLst/>
-                <a:latin typeface="+mn-lt"/>
-                <a:ea typeface="+mn-ea"/>
-                <a:cs typeface="+mn-cs"/>
-              </a:defRPr>
-            </a:lvl9pPr>
-          </a:lstStyle>
-          <a:p>
-            <a:endParaRPr lang="nl-NL" sz="2000" dirty="0" smtClean="0">
-              <a:latin typeface="Eras Light ITC" panose="020B0402030504020804" pitchFamily="34" charset="0"/>
-            </a:endParaRPr>
-          </a:p>
-          <a:p>
-            <a:endParaRPr lang="nl-NL" sz="2000" dirty="0">
-              <a:latin typeface="Eras Light ITC" panose="020B0402030504020804" pitchFamily="34" charset="0"/>
-            </a:endParaRPr>
-          </a:p>
-          <a:p>
-            <a:endParaRPr lang="nl-NL" sz="2000" dirty="0" smtClean="0">
-              <a:latin typeface="Eras Light ITC" panose="020B0402030504020804" pitchFamily="34" charset="0"/>
-            </a:endParaRPr>
-          </a:p>
-          <a:p>
-            <a:endParaRPr lang="nl-NL" sz="2000" dirty="0">
-              <a:latin typeface="Eras Light ITC" panose="020B0402030504020804" pitchFamily="34" charset="0"/>
-            </a:endParaRPr>
-          </a:p>
-          <a:p>
-            <a:endParaRPr lang="nl-NL" sz="2000" dirty="0" smtClean="0">
-              <a:latin typeface="Eras Light ITC" panose="020B0402030504020804" pitchFamily="34" charset="0"/>
-            </a:endParaRPr>
-          </a:p>
-        </p:txBody>
-      </p:sp>
+      </p:pic>
+      <p:pic>
+        <p:nvPicPr>
+          <p:cNvPr id="6" name="Afbeelding 5"/>
+          <p:cNvPicPr>
+            <a:picLocks noChangeAspect="1"/>
+          </p:cNvPicPr>
+          <p:nvPr/>
+        </p:nvPicPr>
+        <p:blipFill>
+          <a:blip r:embed="rId3"/>
+          <a:stretch>
+            <a:fillRect/>
+          </a:stretch>
+        </p:blipFill>
+        <p:spPr>
+          <a:xfrm>
+            <a:off x="248417" y="2289840"/>
+            <a:ext cx="11439525" cy="4048125"/>
+          </a:xfrm>
+          <a:prstGeom prst="rect">
+            <a:avLst/>
+          </a:prstGeom>
+        </p:spPr>
+      </p:pic>
     </p:spTree>
     <p:extLst>
       <p:ext uri="{BB962C8B-B14F-4D97-AF65-F5344CB8AC3E}">
-        <p14:creationId xmlns:p14="http://schemas.microsoft.com/office/powerpoint/2010/main" val="908727159"/>
+        <p14:creationId xmlns:p14="http://schemas.microsoft.com/office/powerpoint/2010/main" val="1892881343"/>
       </p:ext>
     </p:extLst>
   </p:cSld>
@@ -11779,7 +11560,75 @@
   <p:timing>
     <p:tnLst>
       <p:par>
-        <p:cTn id="1" dur="indefinite" restart="never" nodeType="tmRoot"/>
+        <p:cTn id="1" dur="indefinite" restart="never" nodeType="tmRoot">
+          <p:childTnLst>
+            <p:seq concurrent="1" nextAc="seek">
+              <p:cTn id="2" dur="indefinite" nodeType="mainSeq">
+                <p:childTnLst>
+                  <p:par>
+                    <p:cTn id="3" fill="hold">
+                      <p:stCondLst>
+                        <p:cond delay="indefinite"/>
+                      </p:stCondLst>
+                      <p:childTnLst>
+                        <p:par>
+                          <p:cTn id="4" fill="hold">
+                            <p:stCondLst>
+                              <p:cond delay="0"/>
+                            </p:stCondLst>
+                            <p:childTnLst>
+                              <p:par>
+                                <p:cTn id="5" presetID="1" presetClass="entr" presetSubtype="0" fill="hold" nodeType="clickEffect">
+                                  <p:stCondLst>
+                                    <p:cond delay="0"/>
+                                  </p:stCondLst>
+                                  <p:childTnLst>
+                                    <p:set>
+                                      <p:cBhvr>
+                                        <p:cTn id="6" dur="1" fill="hold">
+                                          <p:stCondLst>
+                                            <p:cond delay="0"/>
+                                          </p:stCondLst>
+                                        </p:cTn>
+                                        <p:tgtEl>
+                                          <p:spTgt spid="6"/>
+                                        </p:tgtEl>
+                                        <p:attrNameLst>
+                                          <p:attrName>style.visibility</p:attrName>
+                                        </p:attrNameLst>
+                                      </p:cBhvr>
+                                      <p:to>
+                                        <p:strVal val="visible"/>
+                                      </p:to>
+                                    </p:set>
+                                  </p:childTnLst>
+                                </p:cTn>
+                              </p:par>
+                            </p:childTnLst>
+                          </p:cTn>
+                        </p:par>
+                      </p:childTnLst>
+                    </p:cTn>
+                  </p:par>
+                </p:childTnLst>
+              </p:cTn>
+              <p:prevCondLst>
+                <p:cond evt="onPrev" delay="0">
+                  <p:tgtEl>
+                    <p:sldTgt/>
+                  </p:tgtEl>
+                </p:cond>
+              </p:prevCondLst>
+              <p:nextCondLst>
+                <p:cond evt="onNext" delay="0">
+                  <p:tgtEl>
+                    <p:sldTgt/>
+                  </p:tgtEl>
+                </p:cond>
+              </p:nextCondLst>
+            </p:seq>
+          </p:childTnLst>
+        </p:cTn>
       </p:par>
     </p:tnLst>
   </p:timing>
@@ -11828,19 +11677,7 @@
               <a:rPr lang="nl-NL" sz="6600" dirty="0" smtClean="0">
                 <a:latin typeface="Eras Light ITC" panose="020B0402030504020804" pitchFamily="34" charset="0"/>
               </a:rPr>
-              <a:t>UX(</a:t>
-            </a:r>
-            <a:r>
-              <a:rPr lang="nl-NL" sz="6600" dirty="0" err="1" smtClean="0">
-                <a:latin typeface="Eras Light ITC" panose="020B0402030504020804" pitchFamily="34" charset="0"/>
-              </a:rPr>
-              <a:t>kevin</a:t>
-            </a:r>
-            <a:r>
-              <a:rPr lang="nl-NL" sz="6600" dirty="0" smtClean="0">
-                <a:latin typeface="Eras Light ITC" panose="020B0402030504020804" pitchFamily="34" charset="0"/>
-              </a:rPr>
-              <a:t>)</a:t>
+              <a:t>Art</a:t>
             </a:r>
             <a:endParaRPr lang="nl-NL" sz="6600" dirty="0">
               <a:latin typeface="Eras Light ITC" panose="020B0402030504020804" pitchFamily="34" charset="0"/>
@@ -11871,114 +11708,29 @@
           <a:lstStyle/>
           <a:p>
             <a:r>
-              <a:rPr lang="en-US" sz="2000" dirty="0" err="1" smtClean="0">
-                <a:latin typeface="Eras Light ITC" panose="020B0402030504020804" pitchFamily="34" charset="0"/>
-              </a:rPr>
-              <a:t>Voorbeelden</a:t>
-            </a:r>
-            <a:r>
               <a:rPr lang="en-US" sz="2000" dirty="0" smtClean="0">
                 <a:latin typeface="Eras Light ITC" panose="020B0402030504020804" pitchFamily="34" charset="0"/>
               </a:rPr>
-              <a:t> </a:t>
-            </a:r>
-            <a:r>
-              <a:rPr lang="en-US" sz="2000" dirty="0" err="1" smtClean="0">
-                <a:latin typeface="Eras Light ITC" panose="020B0402030504020804" pitchFamily="34" charset="0"/>
-              </a:rPr>
-              <a:t>laten</a:t>
-            </a:r>
+              <a:t>Renders</a:t>
+            </a:r>
+          </a:p>
+          <a:p>
             <a:r>
               <a:rPr lang="en-US" sz="2000" dirty="0" smtClean="0">
                 <a:latin typeface="Eras Light ITC" panose="020B0402030504020804" pitchFamily="34" charset="0"/>
               </a:rPr>
-              <a:t> </a:t>
-            </a:r>
-            <a:r>
-              <a:rPr lang="en-US" sz="2000" dirty="0" err="1" smtClean="0">
-                <a:latin typeface="Eras Light ITC" panose="020B0402030504020804" pitchFamily="34" charset="0"/>
-              </a:rPr>
-              <a:t>zien</a:t>
-            </a:r>
+              <a:t>Unwraps</a:t>
+            </a:r>
+            <a:endParaRPr lang="en-US" sz="2000" dirty="0" smtClean="0">
+              <a:latin typeface="Eras Light ITC" panose="020B0402030504020804" pitchFamily="34" charset="0"/>
+            </a:endParaRPr>
+          </a:p>
+          <a:p>
             <a:r>
               <a:rPr lang="en-US" sz="2000" dirty="0" smtClean="0">
                 <a:latin typeface="Eras Light ITC" panose="020B0402030504020804" pitchFamily="34" charset="0"/>
               </a:rPr>
-              <a:t> van fun-to-play element</a:t>
-            </a:r>
-          </a:p>
-          <a:p>
-            <a:r>
-              <a:rPr lang="en-US" sz="2000" dirty="0" err="1" smtClean="0">
-                <a:latin typeface="Eras Light ITC" panose="020B0402030504020804" pitchFamily="34" charset="0"/>
-              </a:rPr>
-              <a:t>Interactie</a:t>
-            </a:r>
-            <a:r>
-              <a:rPr lang="en-US" sz="2000" dirty="0" smtClean="0">
-                <a:latin typeface="Eras Light ITC" panose="020B0402030504020804" pitchFamily="34" charset="0"/>
-              </a:rPr>
-              <a:t> met de speller </a:t>
-            </a:r>
-            <a:r>
-              <a:rPr lang="en-US" sz="2000" dirty="0" err="1" smtClean="0">
-                <a:latin typeface="Eras Light ITC" panose="020B0402030504020804" pitchFamily="34" charset="0"/>
-              </a:rPr>
-              <a:t>laten</a:t>
-            </a:r>
-            <a:r>
-              <a:rPr lang="en-US" sz="2000" dirty="0" smtClean="0">
-                <a:latin typeface="Eras Light ITC" panose="020B0402030504020804" pitchFamily="34" charset="0"/>
-              </a:rPr>
-              <a:t> </a:t>
-            </a:r>
-            <a:r>
-              <a:rPr lang="en-US" sz="2000" dirty="0" err="1" smtClean="0">
-                <a:latin typeface="Eras Light ITC" panose="020B0402030504020804" pitchFamily="34" charset="0"/>
-              </a:rPr>
-              <a:t>zien</a:t>
-            </a:r>
-            <a:r>
-              <a:rPr lang="en-US" sz="2000" dirty="0" smtClean="0">
-                <a:latin typeface="Eras Light ITC" panose="020B0402030504020804" pitchFamily="34" charset="0"/>
-              </a:rPr>
-              <a:t>: HUD/Popups/Tutorial etc. </a:t>
-            </a:r>
-            <a:r>
-              <a:rPr lang="en-US" sz="2000" dirty="0" err="1" smtClean="0">
-                <a:latin typeface="Eras Light ITC" panose="020B0402030504020804" pitchFamily="34" charset="0"/>
-              </a:rPr>
-              <a:t>Ingame</a:t>
-            </a:r>
-            <a:r>
-              <a:rPr lang="en-US" sz="2000" dirty="0" smtClean="0">
-                <a:latin typeface="Eras Light ITC" panose="020B0402030504020804" pitchFamily="34" charset="0"/>
-              </a:rPr>
-              <a:t> of in </a:t>
-            </a:r>
-            <a:r>
-              <a:rPr lang="en-US" sz="2000" dirty="0" err="1" smtClean="0">
-                <a:latin typeface="Eras Light ITC" panose="020B0402030504020804" pitchFamily="34" charset="0"/>
-              </a:rPr>
-              <a:t>diagrammen</a:t>
-            </a:r>
-            <a:r>
-              <a:rPr lang="en-US" sz="2000" dirty="0" smtClean="0">
-                <a:latin typeface="Eras Light ITC" panose="020B0402030504020804" pitchFamily="34" charset="0"/>
-              </a:rPr>
-              <a:t>/</a:t>
-            </a:r>
-            <a:r>
-              <a:rPr lang="en-US" sz="2000" dirty="0" err="1" smtClean="0">
-                <a:latin typeface="Eras Light ITC" panose="020B0402030504020804" pitchFamily="34" charset="0"/>
-              </a:rPr>
-              <a:t>schetsen</a:t>
-            </a:r>
-            <a:r>
-              <a:rPr lang="en-US" sz="2000" dirty="0" smtClean="0">
-                <a:latin typeface="Eras Light ITC" panose="020B0402030504020804" pitchFamily="34" charset="0"/>
-              </a:rPr>
-              <a:t>***</a:t>
+              <a:t>Textures</a:t>
             </a:r>
             <a:endParaRPr lang="en-US" sz="2000" dirty="0">
               <a:latin typeface="Eras Light ITC" panose="020B0402030504020804" pitchFamily="34" charset="0"/>
@@ -12261,7 +12013,7 @@
     </p:spTree>
     <p:extLst>
       <p:ext uri="{BB962C8B-B14F-4D97-AF65-F5344CB8AC3E}">
-        <p14:creationId xmlns:p14="http://schemas.microsoft.com/office/powerpoint/2010/main" val="3969016415"/>
+        <p14:creationId xmlns:p14="http://schemas.microsoft.com/office/powerpoint/2010/main" val="2152042220"/>
       </p:ext>
     </p:extLst>
   </p:cSld>
